--- a/JavaDesignPattern/Notes/CreationalDesignPattern.pptx
+++ b/JavaDesignPattern/Notes/CreationalDesignPattern.pptx
@@ -7,6 +7,10 @@
   <p:sldIdLst>
     <p:sldId id="256" r:id="rId2"/>
     <p:sldId id="257" r:id="rId3"/>
+    <p:sldId id="258" r:id="rId4"/>
+    <p:sldId id="259" r:id="rId5"/>
+    <p:sldId id="260" r:id="rId6"/>
+    <p:sldId id="261" r:id="rId7"/>
   </p:sldIdLst>
   <p:sldSz cx="12192000" cy="6858000"/>
   <p:notesSz cx="6858000" cy="9144000"/>
@@ -260,7 +264,7 @@
           <a:p>
             <a:fld id="{0C4F4E86-B607-4661-9D81-A8AC4302DE08}" type="datetimeFigureOut">
               <a:rPr lang="en-US" smtClean="0"/>
-              <a:t>5/10/2019</a:t>
+              <a:t>5/11/2019</a:t>
             </a:fld>
             <a:endParaRPr lang="en-US"/>
           </a:p>
@@ -458,7 +462,7 @@
           <a:p>
             <a:fld id="{0C4F4E86-B607-4661-9D81-A8AC4302DE08}" type="datetimeFigureOut">
               <a:rPr lang="en-US" smtClean="0"/>
-              <a:t>5/10/2019</a:t>
+              <a:t>5/11/2019</a:t>
             </a:fld>
             <a:endParaRPr lang="en-US"/>
           </a:p>
@@ -666,7 +670,7 @@
           <a:p>
             <a:fld id="{0C4F4E86-B607-4661-9D81-A8AC4302DE08}" type="datetimeFigureOut">
               <a:rPr lang="en-US" smtClean="0"/>
-              <a:t>5/10/2019</a:t>
+              <a:t>5/11/2019</a:t>
             </a:fld>
             <a:endParaRPr lang="en-US"/>
           </a:p>
@@ -864,7 +868,7 @@
           <a:p>
             <a:fld id="{0C4F4E86-B607-4661-9D81-A8AC4302DE08}" type="datetimeFigureOut">
               <a:rPr lang="en-US" smtClean="0"/>
-              <a:t>5/10/2019</a:t>
+              <a:t>5/11/2019</a:t>
             </a:fld>
             <a:endParaRPr lang="en-US"/>
           </a:p>
@@ -1139,7 +1143,7 @@
           <a:p>
             <a:fld id="{0C4F4E86-B607-4661-9D81-A8AC4302DE08}" type="datetimeFigureOut">
               <a:rPr lang="en-US" smtClean="0"/>
-              <a:t>5/10/2019</a:t>
+              <a:t>5/11/2019</a:t>
             </a:fld>
             <a:endParaRPr lang="en-US"/>
           </a:p>
@@ -1404,7 +1408,7 @@
           <a:p>
             <a:fld id="{0C4F4E86-B607-4661-9D81-A8AC4302DE08}" type="datetimeFigureOut">
               <a:rPr lang="en-US" smtClean="0"/>
-              <a:t>5/10/2019</a:t>
+              <a:t>5/11/2019</a:t>
             </a:fld>
             <a:endParaRPr lang="en-US"/>
           </a:p>
@@ -1816,7 +1820,7 @@
           <a:p>
             <a:fld id="{0C4F4E86-B607-4661-9D81-A8AC4302DE08}" type="datetimeFigureOut">
               <a:rPr lang="en-US" smtClean="0"/>
-              <a:t>5/10/2019</a:t>
+              <a:t>5/11/2019</a:t>
             </a:fld>
             <a:endParaRPr lang="en-US"/>
           </a:p>
@@ -1957,7 +1961,7 @@
           <a:p>
             <a:fld id="{0C4F4E86-B607-4661-9D81-A8AC4302DE08}" type="datetimeFigureOut">
               <a:rPr lang="en-US" smtClean="0"/>
-              <a:t>5/10/2019</a:t>
+              <a:t>5/11/2019</a:t>
             </a:fld>
             <a:endParaRPr lang="en-US"/>
           </a:p>
@@ -2070,7 +2074,7 @@
           <a:p>
             <a:fld id="{0C4F4E86-B607-4661-9D81-A8AC4302DE08}" type="datetimeFigureOut">
               <a:rPr lang="en-US" smtClean="0"/>
-              <a:t>5/10/2019</a:t>
+              <a:t>5/11/2019</a:t>
             </a:fld>
             <a:endParaRPr lang="en-US"/>
           </a:p>
@@ -2381,7 +2385,7 @@
           <a:p>
             <a:fld id="{0C4F4E86-B607-4661-9D81-A8AC4302DE08}" type="datetimeFigureOut">
               <a:rPr lang="en-US" smtClean="0"/>
-              <a:t>5/10/2019</a:t>
+              <a:t>5/11/2019</a:t>
             </a:fld>
             <a:endParaRPr lang="en-US"/>
           </a:p>
@@ -2669,7 +2673,7 @@
           <a:p>
             <a:fld id="{0C4F4E86-B607-4661-9D81-A8AC4302DE08}" type="datetimeFigureOut">
               <a:rPr lang="en-US" smtClean="0"/>
-              <a:t>5/10/2019</a:t>
+              <a:t>5/11/2019</a:t>
             </a:fld>
             <a:endParaRPr lang="en-US"/>
           </a:p>
@@ -2910,7 +2914,7 @@
           <a:p>
             <a:fld id="{0C4F4E86-B607-4661-9D81-A8AC4302DE08}" type="datetimeFigureOut">
               <a:rPr lang="en-US" smtClean="0"/>
-              <a:t>5/10/2019</a:t>
+              <a:t>5/11/2019</a:t>
             </a:fld>
             <a:endParaRPr lang="en-US"/>
           </a:p>
@@ -3493,12 +3497,12 @@
         </p:spPr>
         <p:txBody>
           <a:bodyPr>
-            <a:normAutofit fontScale="90000"/>
+            <a:normAutofit/>
           </a:bodyPr>
           <a:lstStyle/>
           <a:p>
             <a:r>
-              <a:rPr lang="en-US" dirty="0"/>
+              <a:rPr lang="en-US" sz="3600" i="1" u="sng" dirty="0"/>
               <a:t>Factory Method Design Pattern</a:t>
             </a:r>
           </a:p>
@@ -3587,6 +3591,1580 @@
     <p:extLst>
       <p:ext uri="{BB962C8B-B14F-4D97-AF65-F5344CB8AC3E}">
         <p14:creationId xmlns:p14="http://schemas.microsoft.com/office/powerpoint/2010/main" val="4255421858"/>
+      </p:ext>
+    </p:extLst>
+  </p:cSld>
+  <p:clrMapOvr>
+    <a:masterClrMapping/>
+  </p:clrMapOvr>
+</p:sld>
+</file>
+
+<file path=ppt/slides/slide3.xml><?xml version="1.0" encoding="utf-8"?>
+<p:sld xmlns:a="http://schemas.openxmlformats.org/drawingml/2006/main" xmlns:r="http://schemas.openxmlformats.org/officeDocument/2006/relationships" xmlns:p="http://schemas.openxmlformats.org/presentationml/2006/main">
+  <p:cSld>
+    <p:spTree>
+      <p:nvGrpSpPr>
+        <p:cNvPr id="1" name=""/>
+        <p:cNvGrpSpPr/>
+        <p:nvPr/>
+      </p:nvGrpSpPr>
+      <p:grpSpPr>
+        <a:xfrm>
+          <a:off x="0" y="0"/>
+          <a:ext cx="0" cy="0"/>
+          <a:chOff x="0" y="0"/>
+          <a:chExt cx="0" cy="0"/>
+        </a:xfrm>
+      </p:grpSpPr>
+      <p:sp>
+        <p:nvSpPr>
+          <p:cNvPr id="4" name="Title 1">
+            <a:extLst>
+              <a:ext uri="{FF2B5EF4-FFF2-40B4-BE49-F238E27FC236}">
+                <a16:creationId xmlns:a16="http://schemas.microsoft.com/office/drawing/2014/main" id="{83B271B0-9DDD-4C7D-858F-25772694BA68}"/>
+              </a:ext>
+            </a:extLst>
+          </p:cNvPr>
+          <p:cNvSpPr>
+            <a:spLocks noGrp="1"/>
+          </p:cNvSpPr>
+          <p:nvPr>
+            <p:ph type="title"/>
+          </p:nvPr>
+        </p:nvSpPr>
+        <p:spPr>
+          <a:xfrm>
+            <a:off x="326922" y="1336"/>
+            <a:ext cx="6742472" cy="893404"/>
+          </a:xfrm>
+        </p:spPr>
+        <p:txBody>
+          <a:bodyPr>
+            <a:normAutofit/>
+          </a:bodyPr>
+          <a:lstStyle/>
+          <a:p>
+            <a:r>
+              <a:rPr lang="en-US" sz="3200" i="1" u="sng" dirty="0"/>
+              <a:t>Singleton Design Pattern</a:t>
+            </a:r>
+          </a:p>
+        </p:txBody>
+      </p:sp>
+      <p:sp>
+        <p:nvSpPr>
+          <p:cNvPr id="5" name="Content Placeholder 2">
+            <a:extLst>
+              <a:ext uri="{FF2B5EF4-FFF2-40B4-BE49-F238E27FC236}">
+                <a16:creationId xmlns:a16="http://schemas.microsoft.com/office/drawing/2014/main" id="{BD2DBB9E-C159-4DD1-BB1F-4C9C16FCCD9B}"/>
+              </a:ext>
+            </a:extLst>
+          </p:cNvPr>
+          <p:cNvSpPr>
+            <a:spLocks noGrp="1"/>
+          </p:cNvSpPr>
+          <p:nvPr>
+            <p:ph idx="1"/>
+          </p:nvPr>
+        </p:nvSpPr>
+        <p:spPr>
+          <a:xfrm>
+            <a:off x="415412" y="894739"/>
+            <a:ext cx="11098161" cy="2602151"/>
+          </a:xfrm>
+        </p:spPr>
+        <p:txBody>
+          <a:bodyPr>
+            <a:normAutofit/>
+          </a:bodyPr>
+          <a:lstStyle/>
+          <a:p>
+            <a:pPr>
+              <a:buFont typeface="Wingdings" panose="05000000000000000000" pitchFamily="2" charset="2"/>
+              <a:buChar char="Ø"/>
+            </a:pPr>
+            <a:r>
+              <a:rPr lang="en-US" sz="1800" dirty="0"/>
+              <a:t>Singleton design pattern is used when we require only instance of the class throughout the application.</a:t>
+            </a:r>
+          </a:p>
+          <a:p>
+            <a:pPr>
+              <a:buFont typeface="Wingdings" panose="05000000000000000000" pitchFamily="2" charset="2"/>
+              <a:buChar char="Ø"/>
+            </a:pPr>
+            <a:r>
+              <a:rPr lang="en-US" sz="1800" dirty="0"/>
+              <a:t>The singleton class is instantiated at the time of first access and the same instance is used thereafter till the application quits.</a:t>
+            </a:r>
+          </a:p>
+          <a:p>
+            <a:pPr>
+              <a:buFont typeface="Wingdings" panose="05000000000000000000" pitchFamily="2" charset="2"/>
+              <a:buChar char="Ø"/>
+            </a:pPr>
+            <a:r>
+              <a:rPr lang="en-US" sz="1800" dirty="0"/>
+              <a:t>We should allow global point of access to that single instance.</a:t>
+            </a:r>
+          </a:p>
+          <a:p>
+            <a:pPr>
+              <a:buFont typeface="Wingdings" panose="05000000000000000000" pitchFamily="2" charset="2"/>
+              <a:buChar char="Ø"/>
+            </a:pPr>
+            <a:r>
+              <a:rPr lang="en-US" sz="1800" dirty="0"/>
+              <a:t>Singleton employs a technique known as </a:t>
+            </a:r>
+            <a:r>
+              <a:rPr lang="en-US" sz="1800" b="1" i="1" dirty="0"/>
+              <a:t>lazy instantiation</a:t>
+            </a:r>
+            <a:r>
+              <a:rPr lang="en-US" sz="1800" dirty="0"/>
+              <a:t> to create the singleton. As a result, the singleton instance is not created until the getInstance() method is called for the first time. This technique ensures that singleton instances are created only when needed.</a:t>
+            </a:r>
+          </a:p>
+        </p:txBody>
+      </p:sp>
+      <p:pic>
+        <p:nvPicPr>
+          <p:cNvPr id="8" name="Picture 7">
+            <a:extLst>
+              <a:ext uri="{FF2B5EF4-FFF2-40B4-BE49-F238E27FC236}">
+                <a16:creationId xmlns:a16="http://schemas.microsoft.com/office/drawing/2014/main" id="{8FD7B92B-ED79-4363-80E3-1C6C47705974}"/>
+              </a:ext>
+            </a:extLst>
+          </p:cNvPr>
+          <p:cNvPicPr>
+            <a:picLocks noChangeAspect="1"/>
+          </p:cNvPicPr>
+          <p:nvPr/>
+        </p:nvPicPr>
+        <p:blipFill>
+          <a:blip r:embed="rId2"/>
+          <a:stretch>
+            <a:fillRect/>
+          </a:stretch>
+        </p:blipFill>
+        <p:spPr>
+          <a:xfrm>
+            <a:off x="701549" y="3955642"/>
+            <a:ext cx="2409825" cy="1562100"/>
+          </a:xfrm>
+          <a:prstGeom prst="rect">
+            <a:avLst/>
+          </a:prstGeom>
+        </p:spPr>
+      </p:pic>
+      <p:sp>
+        <p:nvSpPr>
+          <p:cNvPr id="9" name="Rectangle 8">
+            <a:extLst>
+              <a:ext uri="{FF2B5EF4-FFF2-40B4-BE49-F238E27FC236}">
+                <a16:creationId xmlns:a16="http://schemas.microsoft.com/office/drawing/2014/main" id="{B71C4EFF-F247-4CEF-830B-0FAEBBC769EF}"/>
+              </a:ext>
+            </a:extLst>
+          </p:cNvPr>
+          <p:cNvSpPr/>
+          <p:nvPr/>
+        </p:nvSpPr>
+        <p:spPr>
+          <a:xfrm>
+            <a:off x="5756805" y="3624711"/>
+            <a:ext cx="3688080" cy="2308324"/>
+          </a:xfrm>
+          <a:prstGeom prst="rect">
+            <a:avLst/>
+          </a:prstGeom>
+          <a:ln>
+            <a:solidFill>
+              <a:schemeClr val="accent1"/>
+            </a:solidFill>
+          </a:ln>
+        </p:spPr>
+        <p:txBody>
+          <a:bodyPr wrap="square">
+            <a:spAutoFit/>
+          </a:bodyPr>
+          <a:lstStyle/>
+          <a:p>
+            <a:r>
+              <a:rPr lang="en-US" sz="1200" dirty="0"/>
+              <a:t>public class Singleton{</a:t>
+            </a:r>
+          </a:p>
+          <a:p>
+            <a:r>
+              <a:rPr lang="en-US" sz="1200" dirty="0"/>
+              <a:t>          private static Singleton instance;</a:t>
+            </a:r>
+          </a:p>
+          <a:p>
+            <a:endParaRPr lang="en-US" sz="1200" dirty="0"/>
+          </a:p>
+          <a:p>
+            <a:r>
+              <a:rPr lang="en-US" sz="1200" dirty="0"/>
+              <a:t>          private Singleton(){}</a:t>
+            </a:r>
+          </a:p>
+          <a:p>
+            <a:endParaRPr lang="en-US" sz="1200" dirty="0"/>
+          </a:p>
+          <a:p>
+            <a:r>
+              <a:rPr lang="en-US" sz="1200" dirty="0"/>
+              <a:t>          public static Singleton getInstance(){</a:t>
+            </a:r>
+          </a:p>
+          <a:p>
+            <a:r>
+              <a:rPr lang="en-US" sz="1200" dirty="0"/>
+              <a:t>                  if(instance == null){</a:t>
+            </a:r>
+          </a:p>
+          <a:p>
+            <a:r>
+              <a:rPr lang="en-US" sz="1200" dirty="0"/>
+              <a:t>                          instance == new Singleton();</a:t>
+            </a:r>
+          </a:p>
+          <a:p>
+            <a:r>
+              <a:rPr lang="en-US" sz="1200" dirty="0"/>
+              <a:t>                  }</a:t>
+            </a:r>
+          </a:p>
+          <a:p>
+            <a:r>
+              <a:rPr lang="en-US" sz="1200" dirty="0"/>
+              <a:t>                  return instance;</a:t>
+            </a:r>
+          </a:p>
+          <a:p>
+            <a:r>
+              <a:rPr lang="en-US" sz="1200" dirty="0"/>
+              <a:t>          }</a:t>
+            </a:r>
+          </a:p>
+          <a:p>
+            <a:r>
+              <a:rPr lang="en-US" sz="1200" dirty="0"/>
+              <a:t>}</a:t>
+            </a:r>
+          </a:p>
+        </p:txBody>
+      </p:sp>
+      <p:sp>
+        <p:nvSpPr>
+          <p:cNvPr id="10" name="TextBox 9">
+            <a:extLst>
+              <a:ext uri="{FF2B5EF4-FFF2-40B4-BE49-F238E27FC236}">
+                <a16:creationId xmlns:a16="http://schemas.microsoft.com/office/drawing/2014/main" id="{212E8B01-8468-4B7C-B898-5F5D3F48E044}"/>
+              </a:ext>
+            </a:extLst>
+          </p:cNvPr>
+          <p:cNvSpPr txBox="1"/>
+          <p:nvPr/>
+        </p:nvSpPr>
+        <p:spPr>
+          <a:xfrm>
+            <a:off x="796413" y="5645562"/>
+            <a:ext cx="1986116" cy="369332"/>
+          </a:xfrm>
+          <a:prstGeom prst="rect">
+            <a:avLst/>
+          </a:prstGeom>
+          <a:noFill/>
+        </p:spPr>
+        <p:txBody>
+          <a:bodyPr wrap="square" rtlCol="0">
+            <a:spAutoFit/>
+          </a:bodyPr>
+          <a:lstStyle/>
+          <a:p>
+            <a:pPr algn="ctr"/>
+            <a:r>
+              <a:rPr lang="en-US" u="sng" dirty="0"/>
+              <a:t>UML Diagram</a:t>
+            </a:r>
+          </a:p>
+        </p:txBody>
+      </p:sp>
+      <p:sp>
+        <p:nvSpPr>
+          <p:cNvPr id="11" name="TextBox 10">
+            <a:extLst>
+              <a:ext uri="{FF2B5EF4-FFF2-40B4-BE49-F238E27FC236}">
+                <a16:creationId xmlns:a16="http://schemas.microsoft.com/office/drawing/2014/main" id="{E367DC91-E0AF-40E2-87B9-B79EFB9C10A4}"/>
+              </a:ext>
+            </a:extLst>
+          </p:cNvPr>
+          <p:cNvSpPr txBox="1"/>
+          <p:nvPr/>
+        </p:nvSpPr>
+        <p:spPr>
+          <a:xfrm>
+            <a:off x="6150090" y="5719306"/>
+            <a:ext cx="2934915" cy="369332"/>
+          </a:xfrm>
+          <a:prstGeom prst="rect">
+            <a:avLst/>
+          </a:prstGeom>
+          <a:noFill/>
+        </p:spPr>
+        <p:txBody>
+          <a:bodyPr wrap="square" rtlCol="0">
+            <a:spAutoFit/>
+          </a:bodyPr>
+          <a:lstStyle/>
+          <a:p>
+            <a:pPr algn="ctr"/>
+            <a:r>
+              <a:rPr lang="en-US" u="sng" dirty="0"/>
+              <a:t>Singleton Implementation</a:t>
+            </a:r>
+          </a:p>
+        </p:txBody>
+      </p:sp>
+    </p:spTree>
+    <p:extLst>
+      <p:ext uri="{BB962C8B-B14F-4D97-AF65-F5344CB8AC3E}">
+        <p14:creationId xmlns:p14="http://schemas.microsoft.com/office/powerpoint/2010/main" val="1942916450"/>
+      </p:ext>
+    </p:extLst>
+  </p:cSld>
+  <p:clrMapOvr>
+    <a:masterClrMapping/>
+  </p:clrMapOvr>
+</p:sld>
+</file>
+
+<file path=ppt/slides/slide4.xml><?xml version="1.0" encoding="utf-8"?>
+<p:sld xmlns:a="http://schemas.openxmlformats.org/drawingml/2006/main" xmlns:r="http://schemas.openxmlformats.org/officeDocument/2006/relationships" xmlns:p="http://schemas.openxmlformats.org/presentationml/2006/main">
+  <p:cSld>
+    <p:spTree>
+      <p:nvGrpSpPr>
+        <p:cNvPr id="1" name=""/>
+        <p:cNvGrpSpPr/>
+        <p:nvPr/>
+      </p:nvGrpSpPr>
+      <p:grpSpPr>
+        <a:xfrm>
+          <a:off x="0" y="0"/>
+          <a:ext cx="0" cy="0"/>
+          <a:chOff x="0" y="0"/>
+          <a:chExt cx="0" cy="0"/>
+        </a:xfrm>
+      </p:grpSpPr>
+      <p:sp>
+        <p:nvSpPr>
+          <p:cNvPr id="4" name="Title 1">
+            <a:extLst>
+              <a:ext uri="{FF2B5EF4-FFF2-40B4-BE49-F238E27FC236}">
+                <a16:creationId xmlns:a16="http://schemas.microsoft.com/office/drawing/2014/main" id="{BC53CE98-2248-4B26-8F8C-F25CEB7C4DA5}"/>
+              </a:ext>
+            </a:extLst>
+          </p:cNvPr>
+          <p:cNvSpPr>
+            <a:spLocks noGrp="1"/>
+          </p:cNvSpPr>
+          <p:nvPr>
+            <p:ph type="title"/>
+          </p:nvPr>
+        </p:nvSpPr>
+        <p:spPr>
+          <a:xfrm>
+            <a:off x="326922" y="1336"/>
+            <a:ext cx="6742472" cy="893404"/>
+          </a:xfrm>
+        </p:spPr>
+        <p:txBody>
+          <a:bodyPr>
+            <a:normAutofit/>
+          </a:bodyPr>
+          <a:lstStyle/>
+          <a:p>
+            <a:r>
+              <a:rPr lang="en-US" sz="3200" i="1" u="sng" dirty="0"/>
+              <a:t>Singleton Design Pattern Continues…</a:t>
+            </a:r>
+          </a:p>
+        </p:txBody>
+      </p:sp>
+      <p:sp>
+        <p:nvSpPr>
+          <p:cNvPr id="5" name="Content Placeholder 2">
+            <a:extLst>
+              <a:ext uri="{FF2B5EF4-FFF2-40B4-BE49-F238E27FC236}">
+                <a16:creationId xmlns:a16="http://schemas.microsoft.com/office/drawing/2014/main" id="{8C2CAC53-33EC-4A50-9D49-F125E74F92ED}"/>
+              </a:ext>
+            </a:extLst>
+          </p:cNvPr>
+          <p:cNvSpPr>
+            <a:spLocks noGrp="1"/>
+          </p:cNvSpPr>
+          <p:nvPr>
+            <p:ph idx="1"/>
+          </p:nvPr>
+        </p:nvSpPr>
+        <p:spPr>
+          <a:xfrm>
+            <a:off x="415412" y="894739"/>
+            <a:ext cx="11098161" cy="2602151"/>
+          </a:xfrm>
+        </p:spPr>
+        <p:txBody>
+          <a:bodyPr>
+            <a:normAutofit/>
+          </a:bodyPr>
+          <a:lstStyle/>
+          <a:p>
+            <a:pPr>
+              <a:buFont typeface="Wingdings" panose="05000000000000000000" pitchFamily="2" charset="2"/>
+              <a:buChar char="Ø"/>
+            </a:pPr>
+            <a:r>
+              <a:rPr lang="en-US" sz="1800" dirty="0"/>
+              <a:t>In multithreaded scenario there is possibilities of allowing to create multiple instances if we don’t synchronization.</a:t>
+            </a:r>
+          </a:p>
+          <a:p>
+            <a:pPr>
+              <a:buFont typeface="Wingdings" panose="05000000000000000000" pitchFamily="2" charset="2"/>
+              <a:buChar char="Ø"/>
+            </a:pPr>
+            <a:r>
+              <a:rPr lang="en-US" sz="1800" dirty="0"/>
+              <a:t>If we synchronize the getInstance() method, the above singleton method is thread safe. </a:t>
+            </a:r>
+          </a:p>
+        </p:txBody>
+      </p:sp>
+      <p:sp>
+        <p:nvSpPr>
+          <p:cNvPr id="7" name="Rectangle 6">
+            <a:extLst>
+              <a:ext uri="{FF2B5EF4-FFF2-40B4-BE49-F238E27FC236}">
+                <a16:creationId xmlns:a16="http://schemas.microsoft.com/office/drawing/2014/main" id="{3C6C1733-7AB4-4E18-B511-89CED3750379}"/>
+              </a:ext>
+            </a:extLst>
+          </p:cNvPr>
+          <p:cNvSpPr/>
+          <p:nvPr/>
+        </p:nvSpPr>
+        <p:spPr>
+          <a:xfrm>
+            <a:off x="7341395" y="1614152"/>
+            <a:ext cx="3688080" cy="2308324"/>
+          </a:xfrm>
+          <a:prstGeom prst="rect">
+            <a:avLst/>
+          </a:prstGeom>
+          <a:ln>
+            <a:solidFill>
+              <a:schemeClr val="accent1"/>
+            </a:solidFill>
+          </a:ln>
+        </p:spPr>
+        <p:txBody>
+          <a:bodyPr wrap="square">
+            <a:spAutoFit/>
+          </a:bodyPr>
+          <a:lstStyle/>
+          <a:p>
+            <a:r>
+              <a:rPr lang="en-US" sz="1200" dirty="0"/>
+              <a:t>public class Singleton{</a:t>
+            </a:r>
+          </a:p>
+          <a:p>
+            <a:r>
+              <a:rPr lang="en-US" sz="1200" dirty="0"/>
+              <a:t>          private static Singleton instance;</a:t>
+            </a:r>
+          </a:p>
+          <a:p>
+            <a:endParaRPr lang="en-US" sz="1200" dirty="0"/>
+          </a:p>
+          <a:p>
+            <a:r>
+              <a:rPr lang="en-US" sz="1200" dirty="0"/>
+              <a:t>          private Singleton(){}</a:t>
+            </a:r>
+          </a:p>
+          <a:p>
+            <a:endParaRPr lang="en-US" sz="1200" dirty="0"/>
+          </a:p>
+          <a:p>
+            <a:r>
+              <a:rPr lang="en-US" sz="1200" dirty="0"/>
+              <a:t>          public synchronized static Singleton getInstance(){</a:t>
+            </a:r>
+          </a:p>
+          <a:p>
+            <a:r>
+              <a:rPr lang="en-US" sz="1200" dirty="0"/>
+              <a:t>                  if(instance == null){</a:t>
+            </a:r>
+          </a:p>
+          <a:p>
+            <a:r>
+              <a:rPr lang="en-US" sz="1200" dirty="0"/>
+              <a:t>                          instance == new Singleton();</a:t>
+            </a:r>
+          </a:p>
+          <a:p>
+            <a:r>
+              <a:rPr lang="en-US" sz="1200" dirty="0"/>
+              <a:t>                  }</a:t>
+            </a:r>
+          </a:p>
+          <a:p>
+            <a:r>
+              <a:rPr lang="en-US" sz="1200" dirty="0"/>
+              <a:t>                  return instance;</a:t>
+            </a:r>
+          </a:p>
+          <a:p>
+            <a:r>
+              <a:rPr lang="en-US" sz="1200" dirty="0"/>
+              <a:t>          }</a:t>
+            </a:r>
+          </a:p>
+          <a:p>
+            <a:r>
+              <a:rPr lang="en-US" sz="1200" dirty="0"/>
+              <a:t>}</a:t>
+            </a:r>
+          </a:p>
+        </p:txBody>
+      </p:sp>
+      <p:sp>
+        <p:nvSpPr>
+          <p:cNvPr id="10" name="TextBox 9">
+            <a:extLst>
+              <a:ext uri="{FF2B5EF4-FFF2-40B4-BE49-F238E27FC236}">
+                <a16:creationId xmlns:a16="http://schemas.microsoft.com/office/drawing/2014/main" id="{CCFD976B-96D7-460F-B926-E51607DE5F51}"/>
+              </a:ext>
+            </a:extLst>
+          </p:cNvPr>
+          <p:cNvSpPr txBox="1"/>
+          <p:nvPr/>
+        </p:nvSpPr>
+        <p:spPr>
+          <a:xfrm>
+            <a:off x="545232" y="1999185"/>
+            <a:ext cx="6524162" cy="3139321"/>
+          </a:xfrm>
+          <a:prstGeom prst="rect">
+            <a:avLst/>
+          </a:prstGeom>
+          <a:noFill/>
+        </p:spPr>
+        <p:txBody>
+          <a:bodyPr wrap="square" rtlCol="0">
+            <a:spAutoFit/>
+          </a:bodyPr>
+          <a:lstStyle/>
+          <a:p>
+            <a:pPr>
+              <a:buFont typeface="Wingdings" panose="05000000000000000000" pitchFamily="2" charset="2"/>
+              <a:buChar char="Ø"/>
+            </a:pPr>
+            <a:r>
+              <a:rPr lang="en-US" dirty="0"/>
+              <a:t>The problem with this solution is, it may be expensive.</a:t>
+            </a:r>
+          </a:p>
+          <a:p>
+            <a:endParaRPr lang="en-US" dirty="0"/>
+          </a:p>
+          <a:p>
+            <a:pPr>
+              <a:buFont typeface="Wingdings" panose="05000000000000000000" pitchFamily="2" charset="2"/>
+              <a:buChar char="Ø"/>
+            </a:pPr>
+            <a:r>
+              <a:rPr lang="en-US" dirty="0"/>
+              <a:t>Each access to the Singleton requires acquisition of a lock, but in reality, we need a lock only when initializing instance. </a:t>
+            </a:r>
+          </a:p>
+          <a:p>
+            <a:endParaRPr lang="en-US" dirty="0"/>
+          </a:p>
+          <a:p>
+            <a:pPr>
+              <a:buFont typeface="Wingdings" panose="05000000000000000000" pitchFamily="2" charset="2"/>
+              <a:buChar char="Ø"/>
+            </a:pPr>
+            <a:r>
+              <a:rPr lang="en-US" dirty="0"/>
+              <a:t>That should occur only the first time instance is called. If instance is called n times during the course of a program run, we need the lock only for the first call. To solve this problem, instead of synchronizing the entire method, the below code only synchronizes the critical code.</a:t>
+            </a:r>
+          </a:p>
+          <a:p>
+            <a:endParaRPr lang="en-US" dirty="0"/>
+          </a:p>
+        </p:txBody>
+      </p:sp>
+      <p:sp>
+        <p:nvSpPr>
+          <p:cNvPr id="11" name="Rectangle 10">
+            <a:extLst>
+              <a:ext uri="{FF2B5EF4-FFF2-40B4-BE49-F238E27FC236}">
+                <a16:creationId xmlns:a16="http://schemas.microsoft.com/office/drawing/2014/main" id="{50A3322D-2C83-42B5-8CC6-C43A139A25E3}"/>
+              </a:ext>
+            </a:extLst>
+          </p:cNvPr>
+          <p:cNvSpPr/>
+          <p:nvPr/>
+        </p:nvSpPr>
+        <p:spPr>
+          <a:xfrm>
+            <a:off x="7368843" y="4015642"/>
+            <a:ext cx="3688080" cy="2677656"/>
+          </a:xfrm>
+          <a:prstGeom prst="rect">
+            <a:avLst/>
+          </a:prstGeom>
+          <a:ln>
+            <a:solidFill>
+              <a:schemeClr val="accent1"/>
+            </a:solidFill>
+          </a:ln>
+        </p:spPr>
+        <p:txBody>
+          <a:bodyPr wrap="square">
+            <a:spAutoFit/>
+          </a:bodyPr>
+          <a:lstStyle/>
+          <a:p>
+            <a:r>
+              <a:rPr lang="en-US" sz="1200" dirty="0"/>
+              <a:t>public class Singleton{</a:t>
+            </a:r>
+          </a:p>
+          <a:p>
+            <a:r>
+              <a:rPr lang="en-US" sz="1200" dirty="0"/>
+              <a:t>          private static Singleton instance;</a:t>
+            </a:r>
+          </a:p>
+          <a:p>
+            <a:endParaRPr lang="en-US" sz="1200" dirty="0"/>
+          </a:p>
+          <a:p>
+            <a:r>
+              <a:rPr lang="en-US" sz="1200" dirty="0"/>
+              <a:t>          private Singleton(){}</a:t>
+            </a:r>
+          </a:p>
+          <a:p>
+            <a:endParaRPr lang="en-US" sz="1200" dirty="0"/>
+          </a:p>
+          <a:p>
+            <a:r>
+              <a:rPr lang="en-US" sz="1200" dirty="0"/>
+              <a:t>          public  static Singleton getInstance(){</a:t>
+            </a:r>
+          </a:p>
+          <a:p>
+            <a:r>
+              <a:rPr lang="en-US" sz="1200" dirty="0"/>
+              <a:t>                  if(instance == null){</a:t>
+            </a:r>
+          </a:p>
+          <a:p>
+            <a:r>
+              <a:rPr lang="en-US" sz="1200" dirty="0"/>
+              <a:t>                          synchronized (Singleton.class){</a:t>
+            </a:r>
+          </a:p>
+          <a:p>
+            <a:r>
+              <a:rPr lang="en-US" sz="1200" dirty="0"/>
+              <a:t>                                   instance == new Singleton();</a:t>
+            </a:r>
+          </a:p>
+          <a:p>
+            <a:r>
+              <a:rPr lang="en-US" sz="1200" dirty="0"/>
+              <a:t>                         }</a:t>
+            </a:r>
+          </a:p>
+          <a:p>
+            <a:r>
+              <a:rPr lang="en-US" sz="1200" dirty="0"/>
+              <a:t>                  }</a:t>
+            </a:r>
+          </a:p>
+          <a:p>
+            <a:r>
+              <a:rPr lang="en-US" sz="1200" dirty="0"/>
+              <a:t>                  return instance;</a:t>
+            </a:r>
+          </a:p>
+          <a:p>
+            <a:r>
+              <a:rPr lang="en-US" sz="1200" dirty="0"/>
+              <a:t>          }</a:t>
+            </a:r>
+          </a:p>
+          <a:p>
+            <a:r>
+              <a:rPr lang="en-US" sz="1200" dirty="0"/>
+              <a:t>}</a:t>
+            </a:r>
+          </a:p>
+        </p:txBody>
+      </p:sp>
+      <p:sp>
+        <p:nvSpPr>
+          <p:cNvPr id="12" name="TextBox 11">
+            <a:extLst>
+              <a:ext uri="{FF2B5EF4-FFF2-40B4-BE49-F238E27FC236}">
+                <a16:creationId xmlns:a16="http://schemas.microsoft.com/office/drawing/2014/main" id="{F5FCB6EB-7A1E-4AC4-8E95-7B658FCE3392}"/>
+              </a:ext>
+            </a:extLst>
+          </p:cNvPr>
+          <p:cNvSpPr txBox="1"/>
+          <p:nvPr/>
+        </p:nvSpPr>
+        <p:spPr>
+          <a:xfrm>
+            <a:off x="11075027" y="2129814"/>
+            <a:ext cx="868964" cy="400110"/>
+          </a:xfrm>
+          <a:prstGeom prst="rect">
+            <a:avLst/>
+          </a:prstGeom>
+          <a:noFill/>
+        </p:spPr>
+        <p:txBody>
+          <a:bodyPr wrap="square" rtlCol="0">
+            <a:spAutoFit/>
+          </a:bodyPr>
+          <a:lstStyle/>
+          <a:p>
+            <a:r>
+              <a:rPr lang="en-US" sz="1000" dirty="0"/>
+              <a:t>Method synchronized</a:t>
+            </a:r>
+          </a:p>
+        </p:txBody>
+      </p:sp>
+      <p:sp>
+        <p:nvSpPr>
+          <p:cNvPr id="13" name="TextBox 12">
+            <a:extLst>
+              <a:ext uri="{FF2B5EF4-FFF2-40B4-BE49-F238E27FC236}">
+                <a16:creationId xmlns:a16="http://schemas.microsoft.com/office/drawing/2014/main" id="{91CB68BE-BA2D-42A6-B222-6FFB87CF4FCF}"/>
+              </a:ext>
+            </a:extLst>
+          </p:cNvPr>
+          <p:cNvSpPr txBox="1"/>
+          <p:nvPr/>
+        </p:nvSpPr>
+        <p:spPr>
+          <a:xfrm>
+            <a:off x="11170632" y="5156049"/>
+            <a:ext cx="868964" cy="400110"/>
+          </a:xfrm>
+          <a:prstGeom prst="rect">
+            <a:avLst/>
+          </a:prstGeom>
+          <a:noFill/>
+        </p:spPr>
+        <p:txBody>
+          <a:bodyPr wrap="square" rtlCol="0">
+            <a:spAutoFit/>
+          </a:bodyPr>
+          <a:lstStyle/>
+          <a:p>
+            <a:r>
+              <a:rPr lang="en-US" sz="1000" dirty="0"/>
+              <a:t>Block synchronized</a:t>
+            </a:r>
+          </a:p>
+        </p:txBody>
+      </p:sp>
+    </p:spTree>
+    <p:extLst>
+      <p:ext uri="{BB962C8B-B14F-4D97-AF65-F5344CB8AC3E}">
+        <p14:creationId xmlns:p14="http://schemas.microsoft.com/office/powerpoint/2010/main" val="2626221365"/>
+      </p:ext>
+    </p:extLst>
+  </p:cSld>
+  <p:clrMapOvr>
+    <a:masterClrMapping/>
+  </p:clrMapOvr>
+</p:sld>
+</file>
+
+<file path=ppt/slides/slide5.xml><?xml version="1.0" encoding="utf-8"?>
+<p:sld xmlns:a="http://schemas.openxmlformats.org/drawingml/2006/main" xmlns:r="http://schemas.openxmlformats.org/officeDocument/2006/relationships" xmlns:p="http://schemas.openxmlformats.org/presentationml/2006/main">
+  <p:cSld>
+    <p:spTree>
+      <p:nvGrpSpPr>
+        <p:cNvPr id="1" name=""/>
+        <p:cNvGrpSpPr/>
+        <p:nvPr/>
+      </p:nvGrpSpPr>
+      <p:grpSpPr>
+        <a:xfrm>
+          <a:off x="0" y="0"/>
+          <a:ext cx="0" cy="0"/>
+          <a:chOff x="0" y="0"/>
+          <a:chExt cx="0" cy="0"/>
+        </a:xfrm>
+      </p:grpSpPr>
+      <p:sp>
+        <p:nvSpPr>
+          <p:cNvPr id="4" name="Title 1">
+            <a:extLst>
+              <a:ext uri="{FF2B5EF4-FFF2-40B4-BE49-F238E27FC236}">
+                <a16:creationId xmlns:a16="http://schemas.microsoft.com/office/drawing/2014/main" id="{31A7CD71-6DB3-4264-A6E4-8F585C23706A}"/>
+              </a:ext>
+            </a:extLst>
+          </p:cNvPr>
+          <p:cNvSpPr>
+            <a:spLocks noGrp="1"/>
+          </p:cNvSpPr>
+          <p:nvPr>
+            <p:ph type="title"/>
+          </p:nvPr>
+        </p:nvSpPr>
+        <p:spPr>
+          <a:xfrm>
+            <a:off x="326922" y="1336"/>
+            <a:ext cx="6742472" cy="893404"/>
+          </a:xfrm>
+        </p:spPr>
+        <p:txBody>
+          <a:bodyPr>
+            <a:normAutofit/>
+          </a:bodyPr>
+          <a:lstStyle/>
+          <a:p>
+            <a:r>
+              <a:rPr lang="en-US" sz="3200" i="1" u="sng" dirty="0"/>
+              <a:t>Singleton Design Pattern Continues…</a:t>
+            </a:r>
+          </a:p>
+        </p:txBody>
+      </p:sp>
+      <p:sp>
+        <p:nvSpPr>
+          <p:cNvPr id="5" name="Content Placeholder 2">
+            <a:extLst>
+              <a:ext uri="{FF2B5EF4-FFF2-40B4-BE49-F238E27FC236}">
+                <a16:creationId xmlns:a16="http://schemas.microsoft.com/office/drawing/2014/main" id="{1E2CC82E-EDCB-4517-BC3D-C318BAB4040C}"/>
+              </a:ext>
+            </a:extLst>
+          </p:cNvPr>
+          <p:cNvSpPr>
+            <a:spLocks noGrp="1"/>
+          </p:cNvSpPr>
+          <p:nvPr>
+            <p:ph idx="1"/>
+          </p:nvPr>
+        </p:nvSpPr>
+        <p:spPr>
+          <a:xfrm>
+            <a:off x="415412" y="894740"/>
+            <a:ext cx="11098161" cy="2123764"/>
+          </a:xfrm>
+        </p:spPr>
+        <p:txBody>
+          <a:bodyPr>
+            <a:normAutofit/>
+          </a:bodyPr>
+          <a:lstStyle/>
+          <a:p>
+            <a:pPr marL="0" indent="0">
+              <a:buNone/>
+            </a:pPr>
+            <a:r>
+              <a:rPr lang="en-US" sz="1800" b="1" i="1" u="sng" dirty="0"/>
+              <a:t>Double-Checked Locking:</a:t>
+            </a:r>
+          </a:p>
+          <a:p>
+            <a:pPr>
+              <a:buFont typeface="Wingdings" panose="05000000000000000000" pitchFamily="2" charset="2"/>
+              <a:buChar char="Ø"/>
+            </a:pPr>
+            <a:r>
+              <a:rPr lang="en-US" sz="1800" dirty="0"/>
+              <a:t>However the above code is not thread safe .</a:t>
+            </a:r>
+          </a:p>
+          <a:p>
+            <a:pPr>
+              <a:buFont typeface="Wingdings" panose="05000000000000000000" pitchFamily="2" charset="2"/>
+              <a:buChar char="Ø"/>
+            </a:pPr>
+            <a:r>
+              <a:rPr lang="en-US" sz="1800" dirty="0"/>
+              <a:t>Consider the following scenario: Thread 1 enters the synchronized block, and, before it can assign the singleton member variable, the thread is preempted. Subsequently, another thread can enter the if block. The second thread will wait for the first thread to finish, but we will still wind up with two distinct singleton instances</a:t>
+            </a:r>
+          </a:p>
+          <a:p>
+            <a:pPr>
+              <a:buFont typeface="Wingdings" panose="05000000000000000000" pitchFamily="2" charset="2"/>
+              <a:buChar char="Ø"/>
+            </a:pPr>
+            <a:r>
+              <a:rPr lang="en-US" sz="1800" dirty="0"/>
+              <a:t>To solve this problem, we go for double checked locking.</a:t>
+            </a:r>
+          </a:p>
+          <a:p>
+            <a:pPr>
+              <a:buFont typeface="Wingdings" panose="05000000000000000000" pitchFamily="2" charset="2"/>
+              <a:buChar char="Ø"/>
+            </a:pPr>
+            <a:endParaRPr lang="en-US" sz="1800" dirty="0"/>
+          </a:p>
+        </p:txBody>
+      </p:sp>
+      <p:pic>
+        <p:nvPicPr>
+          <p:cNvPr id="6" name="Picture 5">
+            <a:extLst>
+              <a:ext uri="{FF2B5EF4-FFF2-40B4-BE49-F238E27FC236}">
+                <a16:creationId xmlns:a16="http://schemas.microsoft.com/office/drawing/2014/main" id="{A1FA86AD-41BB-4F4E-A6C7-CE0E07DC621A}"/>
+              </a:ext>
+            </a:extLst>
+          </p:cNvPr>
+          <p:cNvPicPr>
+            <a:picLocks noChangeAspect="1"/>
+          </p:cNvPicPr>
+          <p:nvPr/>
+        </p:nvPicPr>
+        <p:blipFill>
+          <a:blip r:embed="rId2"/>
+          <a:stretch>
+            <a:fillRect/>
+          </a:stretch>
+        </p:blipFill>
+        <p:spPr>
+          <a:xfrm>
+            <a:off x="701549" y="3955642"/>
+            <a:ext cx="2409825" cy="1562100"/>
+          </a:xfrm>
+          <a:prstGeom prst="rect">
+            <a:avLst/>
+          </a:prstGeom>
+        </p:spPr>
+      </p:pic>
+      <p:sp>
+        <p:nvSpPr>
+          <p:cNvPr id="7" name="Rectangle 6">
+            <a:extLst>
+              <a:ext uri="{FF2B5EF4-FFF2-40B4-BE49-F238E27FC236}">
+                <a16:creationId xmlns:a16="http://schemas.microsoft.com/office/drawing/2014/main" id="{FB3F0C47-774C-42A8-8F64-96B09A345CF6}"/>
+              </a:ext>
+            </a:extLst>
+          </p:cNvPr>
+          <p:cNvSpPr/>
+          <p:nvPr/>
+        </p:nvSpPr>
+        <p:spPr>
+          <a:xfrm>
+            <a:off x="5756805" y="3201925"/>
+            <a:ext cx="3688080" cy="3046988"/>
+          </a:xfrm>
+          <a:prstGeom prst="rect">
+            <a:avLst/>
+          </a:prstGeom>
+          <a:ln>
+            <a:solidFill>
+              <a:schemeClr val="accent1"/>
+            </a:solidFill>
+          </a:ln>
+        </p:spPr>
+        <p:txBody>
+          <a:bodyPr wrap="square">
+            <a:spAutoFit/>
+          </a:bodyPr>
+          <a:lstStyle/>
+          <a:p>
+            <a:r>
+              <a:rPr lang="en-US" sz="1200" dirty="0"/>
+              <a:t>public class Singleton{</a:t>
+            </a:r>
+          </a:p>
+          <a:p>
+            <a:r>
+              <a:rPr lang="en-US" sz="1200" dirty="0"/>
+              <a:t>          private static Singleton instance;</a:t>
+            </a:r>
+          </a:p>
+          <a:p>
+            <a:endParaRPr lang="en-US" sz="1200" dirty="0"/>
+          </a:p>
+          <a:p>
+            <a:r>
+              <a:rPr lang="en-US" sz="1200" dirty="0"/>
+              <a:t>          private Singleton(){}</a:t>
+            </a:r>
+          </a:p>
+          <a:p>
+            <a:endParaRPr lang="en-US" sz="1200" dirty="0"/>
+          </a:p>
+          <a:p>
+            <a:r>
+              <a:rPr lang="en-US" sz="1200" dirty="0"/>
+              <a:t>          public  static Singleton getInstance(){</a:t>
+            </a:r>
+          </a:p>
+          <a:p>
+            <a:r>
+              <a:rPr lang="en-US" sz="1200" dirty="0"/>
+              <a:t>                  if(instance == null){</a:t>
+            </a:r>
+          </a:p>
+          <a:p>
+            <a:r>
+              <a:rPr lang="en-US" sz="1200" dirty="0"/>
+              <a:t>                          synchronized (Singleton.class){</a:t>
+            </a:r>
+          </a:p>
+          <a:p>
+            <a:r>
+              <a:rPr lang="en-US" sz="1200" dirty="0"/>
+              <a:t>                                   if(instance == null){</a:t>
+            </a:r>
+          </a:p>
+          <a:p>
+            <a:r>
+              <a:rPr lang="en-US" sz="1200" dirty="0"/>
+              <a:t>                                           instance == new Singleton();</a:t>
+            </a:r>
+          </a:p>
+          <a:p>
+            <a:r>
+              <a:rPr lang="en-US" sz="1200" dirty="0"/>
+              <a:t>                                   }</a:t>
+            </a:r>
+          </a:p>
+          <a:p>
+            <a:r>
+              <a:rPr lang="en-US" sz="1200" dirty="0"/>
+              <a:t>                         }</a:t>
+            </a:r>
+          </a:p>
+          <a:p>
+            <a:r>
+              <a:rPr lang="en-US" sz="1200" dirty="0"/>
+              <a:t>                  }</a:t>
+            </a:r>
+          </a:p>
+          <a:p>
+            <a:r>
+              <a:rPr lang="en-US" sz="1200" dirty="0"/>
+              <a:t>                  return instance;</a:t>
+            </a:r>
+          </a:p>
+          <a:p>
+            <a:r>
+              <a:rPr lang="en-US" sz="1200" dirty="0"/>
+              <a:t>          }</a:t>
+            </a:r>
+          </a:p>
+          <a:p>
+            <a:r>
+              <a:rPr lang="en-US" sz="1200" dirty="0"/>
+              <a:t>}</a:t>
+            </a:r>
+          </a:p>
+        </p:txBody>
+      </p:sp>
+      <p:sp>
+        <p:nvSpPr>
+          <p:cNvPr id="8" name="TextBox 7">
+            <a:extLst>
+              <a:ext uri="{FF2B5EF4-FFF2-40B4-BE49-F238E27FC236}">
+                <a16:creationId xmlns:a16="http://schemas.microsoft.com/office/drawing/2014/main" id="{94A1423A-32F8-4CE6-B7F7-38F8158F6C6C}"/>
+              </a:ext>
+            </a:extLst>
+          </p:cNvPr>
+          <p:cNvSpPr txBox="1"/>
+          <p:nvPr/>
+        </p:nvSpPr>
+        <p:spPr>
+          <a:xfrm>
+            <a:off x="796413" y="5645562"/>
+            <a:ext cx="1986116" cy="369332"/>
+          </a:xfrm>
+          <a:prstGeom prst="rect">
+            <a:avLst/>
+          </a:prstGeom>
+          <a:noFill/>
+        </p:spPr>
+        <p:txBody>
+          <a:bodyPr wrap="square" rtlCol="0">
+            <a:spAutoFit/>
+          </a:bodyPr>
+          <a:lstStyle/>
+          <a:p>
+            <a:pPr algn="ctr"/>
+            <a:r>
+              <a:rPr lang="en-US" u="sng" dirty="0"/>
+              <a:t>UML Diagram</a:t>
+            </a:r>
+          </a:p>
+        </p:txBody>
+      </p:sp>
+      <p:sp>
+        <p:nvSpPr>
+          <p:cNvPr id="9" name="TextBox 8">
+            <a:extLst>
+              <a:ext uri="{FF2B5EF4-FFF2-40B4-BE49-F238E27FC236}">
+                <a16:creationId xmlns:a16="http://schemas.microsoft.com/office/drawing/2014/main" id="{649291D2-AB49-4E16-8B38-08703A73D530}"/>
+              </a:ext>
+            </a:extLst>
+          </p:cNvPr>
+          <p:cNvSpPr txBox="1"/>
+          <p:nvPr/>
+        </p:nvSpPr>
+        <p:spPr>
+          <a:xfrm>
+            <a:off x="6150090" y="6201086"/>
+            <a:ext cx="2934915" cy="369332"/>
+          </a:xfrm>
+          <a:prstGeom prst="rect">
+            <a:avLst/>
+          </a:prstGeom>
+          <a:noFill/>
+        </p:spPr>
+        <p:txBody>
+          <a:bodyPr wrap="square" rtlCol="0">
+            <a:spAutoFit/>
+          </a:bodyPr>
+          <a:lstStyle/>
+          <a:p>
+            <a:pPr algn="ctr"/>
+            <a:r>
+              <a:rPr lang="en-US" u="sng" dirty="0"/>
+              <a:t>Singleton Implementation</a:t>
+            </a:r>
+          </a:p>
+        </p:txBody>
+      </p:sp>
+    </p:spTree>
+    <p:extLst>
+      <p:ext uri="{BB962C8B-B14F-4D97-AF65-F5344CB8AC3E}">
+        <p14:creationId xmlns:p14="http://schemas.microsoft.com/office/powerpoint/2010/main" val="2356120230"/>
+      </p:ext>
+    </p:extLst>
+  </p:cSld>
+  <p:clrMapOvr>
+    <a:masterClrMapping/>
+  </p:clrMapOvr>
+</p:sld>
+</file>
+
+<file path=ppt/slides/slide6.xml><?xml version="1.0" encoding="utf-8"?>
+<p:sld xmlns:a="http://schemas.openxmlformats.org/drawingml/2006/main" xmlns:r="http://schemas.openxmlformats.org/officeDocument/2006/relationships" xmlns:p="http://schemas.openxmlformats.org/presentationml/2006/main">
+  <p:cSld>
+    <p:spTree>
+      <p:nvGrpSpPr>
+        <p:cNvPr id="1" name=""/>
+        <p:cNvGrpSpPr/>
+        <p:nvPr/>
+      </p:nvGrpSpPr>
+      <p:grpSpPr>
+        <a:xfrm>
+          <a:off x="0" y="0"/>
+          <a:ext cx="0" cy="0"/>
+          <a:chOff x="0" y="0"/>
+          <a:chExt cx="0" cy="0"/>
+        </a:xfrm>
+      </p:grpSpPr>
+      <p:sp>
+        <p:nvSpPr>
+          <p:cNvPr id="4" name="Title 1">
+            <a:extLst>
+              <a:ext uri="{FF2B5EF4-FFF2-40B4-BE49-F238E27FC236}">
+                <a16:creationId xmlns:a16="http://schemas.microsoft.com/office/drawing/2014/main" id="{36EA2B92-0F32-4ED7-BBD4-FFF977E89E57}"/>
+              </a:ext>
+            </a:extLst>
+          </p:cNvPr>
+          <p:cNvSpPr>
+            <a:spLocks noGrp="1"/>
+          </p:cNvSpPr>
+          <p:nvPr>
+            <p:ph type="title"/>
+          </p:nvPr>
+        </p:nvSpPr>
+        <p:spPr>
+          <a:xfrm>
+            <a:off x="326922" y="1336"/>
+            <a:ext cx="6742472" cy="893404"/>
+          </a:xfrm>
+        </p:spPr>
+        <p:txBody>
+          <a:bodyPr>
+            <a:normAutofit/>
+          </a:bodyPr>
+          <a:lstStyle/>
+          <a:p>
+            <a:r>
+              <a:rPr lang="en-US" sz="3200" i="1" u="sng" dirty="0"/>
+              <a:t>Singleton Design Pattern Continues…</a:t>
+            </a:r>
+          </a:p>
+        </p:txBody>
+      </p:sp>
+      <p:sp>
+        <p:nvSpPr>
+          <p:cNvPr id="5" name="Content Placeholder 2">
+            <a:extLst>
+              <a:ext uri="{FF2B5EF4-FFF2-40B4-BE49-F238E27FC236}">
+                <a16:creationId xmlns:a16="http://schemas.microsoft.com/office/drawing/2014/main" id="{BA7D5247-5B8A-498D-B4E2-07C0729FD2E5}"/>
+              </a:ext>
+            </a:extLst>
+          </p:cNvPr>
+          <p:cNvSpPr>
+            <a:spLocks noGrp="1"/>
+          </p:cNvSpPr>
+          <p:nvPr>
+            <p:ph idx="1"/>
+          </p:nvPr>
+        </p:nvSpPr>
+        <p:spPr>
+          <a:xfrm>
+            <a:off x="415412" y="894740"/>
+            <a:ext cx="11098161" cy="2123764"/>
+          </a:xfrm>
+        </p:spPr>
+        <p:txBody>
+          <a:bodyPr>
+            <a:normAutofit/>
+          </a:bodyPr>
+          <a:lstStyle/>
+          <a:p>
+            <a:pPr>
+              <a:buFont typeface="Wingdings" panose="05000000000000000000" pitchFamily="2" charset="2"/>
+              <a:buChar char="Ø"/>
+            </a:pPr>
+            <a:r>
+              <a:rPr lang="en-US" sz="1800" dirty="0"/>
+              <a:t>All the above code example of Single is a Lazy initialization code example where the object is getting initiated at the time of 1</a:t>
+            </a:r>
+            <a:r>
+              <a:rPr lang="en-US" sz="1800" baseline="30000" dirty="0"/>
+              <a:t>st</a:t>
+            </a:r>
+            <a:r>
+              <a:rPr lang="en-US" sz="1800" dirty="0"/>
+              <a:t> time creation of object.</a:t>
+            </a:r>
+          </a:p>
+          <a:p>
+            <a:pPr>
+              <a:buFont typeface="Wingdings" panose="05000000000000000000" pitchFamily="2" charset="2"/>
+              <a:buChar char="Ø"/>
+            </a:pPr>
+            <a:r>
+              <a:rPr lang="en-US" sz="1800" dirty="0"/>
+              <a:t>The singleton class can also be created by using early initialization process where the singleton object is getting created at the time of loading the class. This will solve the problem of multi threading also as it is thread safe.</a:t>
+            </a:r>
+          </a:p>
+          <a:p>
+            <a:pPr marL="0" indent="0">
+              <a:buNone/>
+            </a:pPr>
+            <a:endParaRPr lang="en-US" sz="1800" dirty="0"/>
+          </a:p>
+        </p:txBody>
+      </p:sp>
+      <p:sp>
+        <p:nvSpPr>
+          <p:cNvPr id="7" name="Rectangle 6">
+            <a:extLst>
+              <a:ext uri="{FF2B5EF4-FFF2-40B4-BE49-F238E27FC236}">
+                <a16:creationId xmlns:a16="http://schemas.microsoft.com/office/drawing/2014/main" id="{CD29B3BC-F721-425F-B994-C8452C5F0841}"/>
+              </a:ext>
+            </a:extLst>
+          </p:cNvPr>
+          <p:cNvSpPr/>
+          <p:nvPr/>
+        </p:nvSpPr>
+        <p:spPr>
+          <a:xfrm>
+            <a:off x="5756805" y="3201925"/>
+            <a:ext cx="3688080" cy="3046988"/>
+          </a:xfrm>
+          <a:prstGeom prst="rect">
+            <a:avLst/>
+          </a:prstGeom>
+          <a:ln>
+            <a:solidFill>
+              <a:schemeClr val="accent1"/>
+            </a:solidFill>
+          </a:ln>
+        </p:spPr>
+        <p:txBody>
+          <a:bodyPr wrap="square">
+            <a:spAutoFit/>
+          </a:bodyPr>
+          <a:lstStyle/>
+          <a:p>
+            <a:r>
+              <a:rPr lang="en-US" sz="1200" dirty="0"/>
+              <a:t>public class Singleton{</a:t>
+            </a:r>
+          </a:p>
+          <a:p>
+            <a:r>
+              <a:rPr lang="en-US" sz="1200" dirty="0"/>
+              <a:t>          private static Singleton instance;</a:t>
+            </a:r>
+          </a:p>
+          <a:p>
+            <a:endParaRPr lang="en-US" sz="1200" dirty="0"/>
+          </a:p>
+          <a:p>
+            <a:r>
+              <a:rPr lang="en-US" sz="1200" dirty="0"/>
+              <a:t>          private Singleton(){}</a:t>
+            </a:r>
+          </a:p>
+          <a:p>
+            <a:endParaRPr lang="en-US" sz="1200" dirty="0"/>
+          </a:p>
+          <a:p>
+            <a:r>
+              <a:rPr lang="en-US" sz="1200" dirty="0"/>
+              <a:t>          public  static Singleton getInstance(){</a:t>
+            </a:r>
+          </a:p>
+          <a:p>
+            <a:r>
+              <a:rPr lang="en-US" sz="1200" dirty="0"/>
+              <a:t>                  if(instance == null){</a:t>
+            </a:r>
+          </a:p>
+          <a:p>
+            <a:r>
+              <a:rPr lang="en-US" sz="1200" dirty="0"/>
+              <a:t>                          synchronized (Singleton.class){</a:t>
+            </a:r>
+          </a:p>
+          <a:p>
+            <a:r>
+              <a:rPr lang="en-US" sz="1200" dirty="0"/>
+              <a:t>                                   if(instance == null){</a:t>
+            </a:r>
+          </a:p>
+          <a:p>
+            <a:r>
+              <a:rPr lang="en-US" sz="1200" dirty="0"/>
+              <a:t>                                           instance == new Singleton();</a:t>
+            </a:r>
+          </a:p>
+          <a:p>
+            <a:r>
+              <a:rPr lang="en-US" sz="1200" dirty="0"/>
+              <a:t>                                   }</a:t>
+            </a:r>
+          </a:p>
+          <a:p>
+            <a:r>
+              <a:rPr lang="en-US" sz="1200" dirty="0"/>
+              <a:t>                         }</a:t>
+            </a:r>
+          </a:p>
+          <a:p>
+            <a:r>
+              <a:rPr lang="en-US" sz="1200" dirty="0"/>
+              <a:t>                  }</a:t>
+            </a:r>
+          </a:p>
+          <a:p>
+            <a:r>
+              <a:rPr lang="en-US" sz="1200" dirty="0"/>
+              <a:t>                  return instance;</a:t>
+            </a:r>
+          </a:p>
+          <a:p>
+            <a:r>
+              <a:rPr lang="en-US" sz="1200" dirty="0"/>
+              <a:t>          }</a:t>
+            </a:r>
+          </a:p>
+          <a:p>
+            <a:r>
+              <a:rPr lang="en-US" sz="1200" dirty="0"/>
+              <a:t>}</a:t>
+            </a:r>
+          </a:p>
+        </p:txBody>
+      </p:sp>
+      <p:sp>
+        <p:nvSpPr>
+          <p:cNvPr id="9" name="TextBox 8">
+            <a:extLst>
+              <a:ext uri="{FF2B5EF4-FFF2-40B4-BE49-F238E27FC236}">
+                <a16:creationId xmlns:a16="http://schemas.microsoft.com/office/drawing/2014/main" id="{34956D1A-DDB8-4447-A3A2-276C88D0850F}"/>
+              </a:ext>
+            </a:extLst>
+          </p:cNvPr>
+          <p:cNvSpPr txBox="1"/>
+          <p:nvPr/>
+        </p:nvSpPr>
+        <p:spPr>
+          <a:xfrm>
+            <a:off x="6150090" y="6201086"/>
+            <a:ext cx="2934915" cy="646331"/>
+          </a:xfrm>
+          <a:prstGeom prst="rect">
+            <a:avLst/>
+          </a:prstGeom>
+          <a:noFill/>
+        </p:spPr>
+        <p:txBody>
+          <a:bodyPr wrap="square" rtlCol="0">
+            <a:spAutoFit/>
+          </a:bodyPr>
+          <a:lstStyle/>
+          <a:p>
+            <a:pPr algn="ctr"/>
+            <a:r>
+              <a:rPr lang="en-US" u="sng" dirty="0"/>
+              <a:t>Lazy Initialization Singleton Implementation</a:t>
+            </a:r>
+          </a:p>
+        </p:txBody>
+      </p:sp>
+      <p:sp>
+        <p:nvSpPr>
+          <p:cNvPr id="10" name="Rectangle 9">
+            <a:extLst>
+              <a:ext uri="{FF2B5EF4-FFF2-40B4-BE49-F238E27FC236}">
+                <a16:creationId xmlns:a16="http://schemas.microsoft.com/office/drawing/2014/main" id="{995828C5-72AE-4308-8563-0804B6FA22B3}"/>
+              </a:ext>
+            </a:extLst>
+          </p:cNvPr>
+          <p:cNvSpPr/>
+          <p:nvPr/>
+        </p:nvSpPr>
+        <p:spPr>
+          <a:xfrm>
+            <a:off x="1047545" y="3177129"/>
+            <a:ext cx="3688080" cy="1754326"/>
+          </a:xfrm>
+          <a:prstGeom prst="rect">
+            <a:avLst/>
+          </a:prstGeom>
+          <a:ln>
+            <a:solidFill>
+              <a:schemeClr val="accent1"/>
+            </a:solidFill>
+          </a:ln>
+        </p:spPr>
+        <p:txBody>
+          <a:bodyPr wrap="square">
+            <a:spAutoFit/>
+          </a:bodyPr>
+          <a:lstStyle/>
+          <a:p>
+            <a:r>
+              <a:rPr lang="en-US" sz="1200" dirty="0"/>
+              <a:t>public class Singleton{</a:t>
+            </a:r>
+          </a:p>
+          <a:p>
+            <a:r>
+              <a:rPr lang="en-US" sz="1200" dirty="0"/>
+              <a:t>          private static Singleton instance = new Singleton;</a:t>
+            </a:r>
+          </a:p>
+          <a:p>
+            <a:endParaRPr lang="en-US" sz="1200" dirty="0"/>
+          </a:p>
+          <a:p>
+            <a:r>
+              <a:rPr lang="en-US" sz="1200" dirty="0"/>
+              <a:t>          private Singleton(){}</a:t>
+            </a:r>
+          </a:p>
+          <a:p>
+            <a:endParaRPr lang="en-US" sz="1200" dirty="0"/>
+          </a:p>
+          <a:p>
+            <a:r>
+              <a:rPr lang="en-US" sz="1200" dirty="0"/>
+              <a:t>          public  static Singleton getInstance(){</a:t>
+            </a:r>
+          </a:p>
+          <a:p>
+            <a:r>
+              <a:rPr lang="en-US" sz="1200" dirty="0"/>
+              <a:t>	return instance;</a:t>
+            </a:r>
+          </a:p>
+          <a:p>
+            <a:r>
+              <a:rPr lang="en-US" sz="1200" dirty="0"/>
+              <a:t>          }</a:t>
+            </a:r>
+          </a:p>
+          <a:p>
+            <a:r>
+              <a:rPr lang="en-US" sz="1200" dirty="0"/>
+              <a:t>}</a:t>
+            </a:r>
+          </a:p>
+        </p:txBody>
+      </p:sp>
+      <p:sp>
+        <p:nvSpPr>
+          <p:cNvPr id="11" name="TextBox 10">
+            <a:extLst>
+              <a:ext uri="{FF2B5EF4-FFF2-40B4-BE49-F238E27FC236}">
+                <a16:creationId xmlns:a16="http://schemas.microsoft.com/office/drawing/2014/main" id="{173EE60C-C9CB-442C-BD18-591B32B29F12}"/>
+              </a:ext>
+            </a:extLst>
+          </p:cNvPr>
+          <p:cNvSpPr txBox="1"/>
+          <p:nvPr/>
+        </p:nvSpPr>
+        <p:spPr>
+          <a:xfrm>
+            <a:off x="1270441" y="5206206"/>
+            <a:ext cx="2934915" cy="646331"/>
+          </a:xfrm>
+          <a:prstGeom prst="rect">
+            <a:avLst/>
+          </a:prstGeom>
+          <a:noFill/>
+        </p:spPr>
+        <p:txBody>
+          <a:bodyPr wrap="square" rtlCol="0">
+            <a:spAutoFit/>
+          </a:bodyPr>
+          <a:lstStyle/>
+          <a:p>
+            <a:pPr algn="ctr"/>
+            <a:r>
+              <a:rPr lang="en-US" u="sng" dirty="0"/>
+              <a:t>Early Initialization Singleton Implementation</a:t>
+            </a:r>
+          </a:p>
+        </p:txBody>
+      </p:sp>
+    </p:spTree>
+    <p:extLst>
+      <p:ext uri="{BB962C8B-B14F-4D97-AF65-F5344CB8AC3E}">
+        <p14:creationId xmlns:p14="http://schemas.microsoft.com/office/powerpoint/2010/main" val="467834433"/>
       </p:ext>
     </p:extLst>
   </p:cSld>

--- a/JavaDesignPattern/Notes/CreationalDesignPattern.pptx
+++ b/JavaDesignPattern/Notes/CreationalDesignPattern.pptx
@@ -4,13 +4,19 @@
   <p:sldMasterIdLst>
     <p:sldMasterId id="2147483648" r:id="rId1"/>
   </p:sldMasterIdLst>
+  <p:notesMasterIdLst>
+    <p:notesMasterId r:id="rId11"/>
+  </p:notesMasterIdLst>
   <p:sldIdLst>
     <p:sldId id="256" r:id="rId2"/>
     <p:sldId id="257" r:id="rId3"/>
-    <p:sldId id="258" r:id="rId4"/>
-    <p:sldId id="259" r:id="rId5"/>
-    <p:sldId id="260" r:id="rId6"/>
-    <p:sldId id="261" r:id="rId7"/>
+    <p:sldId id="262" r:id="rId4"/>
+    <p:sldId id="263" r:id="rId5"/>
+    <p:sldId id="264" r:id="rId6"/>
+    <p:sldId id="258" r:id="rId7"/>
+    <p:sldId id="259" r:id="rId8"/>
+    <p:sldId id="260" r:id="rId9"/>
+    <p:sldId id="261" r:id="rId10"/>
   </p:sldIdLst>
   <p:sldSz cx="12192000" cy="6858000"/>
   <p:notesSz cx="6858000" cy="9144000"/>
@@ -117,6 +123,439 @@
 </p:presentation>
 </file>
 
+<file path=ppt/notesMasters/notesMaster1.xml><?xml version="1.0" encoding="utf-8"?>
+<p:notesMaster xmlns:a="http://schemas.openxmlformats.org/drawingml/2006/main" xmlns:r="http://schemas.openxmlformats.org/officeDocument/2006/relationships" xmlns:p="http://schemas.openxmlformats.org/presentationml/2006/main">
+  <p:cSld>
+    <p:bg>
+      <p:bgRef idx="1001">
+        <a:schemeClr val="bg1"/>
+      </p:bgRef>
+    </p:bg>
+    <p:spTree>
+      <p:nvGrpSpPr>
+        <p:cNvPr id="1" name=""/>
+        <p:cNvGrpSpPr/>
+        <p:nvPr/>
+      </p:nvGrpSpPr>
+      <p:grpSpPr>
+        <a:xfrm>
+          <a:off x="0" y="0"/>
+          <a:ext cx="0" cy="0"/>
+          <a:chOff x="0" y="0"/>
+          <a:chExt cx="0" cy="0"/>
+        </a:xfrm>
+      </p:grpSpPr>
+      <p:sp>
+        <p:nvSpPr>
+          <p:cNvPr id="2" name="Header Placeholder 1"/>
+          <p:cNvSpPr>
+            <a:spLocks noGrp="1"/>
+          </p:cNvSpPr>
+          <p:nvPr>
+            <p:ph type="hdr" sz="quarter"/>
+          </p:nvPr>
+        </p:nvSpPr>
+        <p:spPr>
+          <a:xfrm>
+            <a:off x="0" y="0"/>
+            <a:ext cx="2971800" cy="458788"/>
+          </a:xfrm>
+          <a:prstGeom prst="rect">
+            <a:avLst/>
+          </a:prstGeom>
+        </p:spPr>
+        <p:txBody>
+          <a:bodyPr vert="horz" lIns="91440" tIns="45720" rIns="91440" bIns="45720" rtlCol="0"/>
+          <a:lstStyle>
+            <a:lvl1pPr algn="l">
+              <a:defRPr sz="1200"/>
+            </a:lvl1pPr>
+          </a:lstStyle>
+          <a:p>
+            <a:endParaRPr lang="en-US"/>
+          </a:p>
+        </p:txBody>
+      </p:sp>
+      <p:sp>
+        <p:nvSpPr>
+          <p:cNvPr id="3" name="Date Placeholder 2"/>
+          <p:cNvSpPr>
+            <a:spLocks noGrp="1"/>
+          </p:cNvSpPr>
+          <p:nvPr>
+            <p:ph type="dt" idx="1"/>
+          </p:nvPr>
+        </p:nvSpPr>
+        <p:spPr>
+          <a:xfrm>
+            <a:off x="3884613" y="0"/>
+            <a:ext cx="2971800" cy="458788"/>
+          </a:xfrm>
+          <a:prstGeom prst="rect">
+            <a:avLst/>
+          </a:prstGeom>
+        </p:spPr>
+        <p:txBody>
+          <a:bodyPr vert="horz" lIns="91440" tIns="45720" rIns="91440" bIns="45720" rtlCol="0"/>
+          <a:lstStyle>
+            <a:lvl1pPr algn="r">
+              <a:defRPr sz="1200"/>
+            </a:lvl1pPr>
+          </a:lstStyle>
+          <a:p>
+            <a:fld id="{1EA253B7-997C-4D81-9426-65500D4896BC}" type="datetimeFigureOut">
+              <a:rPr lang="en-US" smtClean="0"/>
+              <a:t>5/12/2019</a:t>
+            </a:fld>
+            <a:endParaRPr lang="en-US"/>
+          </a:p>
+        </p:txBody>
+      </p:sp>
+      <p:sp>
+        <p:nvSpPr>
+          <p:cNvPr id="4" name="Slide Image Placeholder 3"/>
+          <p:cNvSpPr>
+            <a:spLocks noGrp="1" noRot="1" noChangeAspect="1"/>
+          </p:cNvSpPr>
+          <p:nvPr>
+            <p:ph type="sldImg" idx="2"/>
+          </p:nvPr>
+        </p:nvSpPr>
+        <p:spPr>
+          <a:xfrm>
+            <a:off x="685800" y="1143000"/>
+            <a:ext cx="5486400" cy="3086100"/>
+          </a:xfrm>
+          <a:prstGeom prst="rect">
+            <a:avLst/>
+          </a:prstGeom>
+          <a:noFill/>
+          <a:ln w="12700">
+            <a:solidFill>
+              <a:prstClr val="black"/>
+            </a:solidFill>
+          </a:ln>
+        </p:spPr>
+        <p:txBody>
+          <a:bodyPr vert="horz" lIns="91440" tIns="45720" rIns="91440" bIns="45720" rtlCol="0" anchor="ctr"/>
+          <a:lstStyle/>
+          <a:p>
+            <a:endParaRPr lang="en-US"/>
+          </a:p>
+        </p:txBody>
+      </p:sp>
+      <p:sp>
+        <p:nvSpPr>
+          <p:cNvPr id="5" name="Notes Placeholder 4"/>
+          <p:cNvSpPr>
+            <a:spLocks noGrp="1"/>
+          </p:cNvSpPr>
+          <p:nvPr>
+            <p:ph type="body" sz="quarter" idx="3"/>
+          </p:nvPr>
+        </p:nvSpPr>
+        <p:spPr>
+          <a:xfrm>
+            <a:off x="685800" y="4400550"/>
+            <a:ext cx="5486400" cy="3600450"/>
+          </a:xfrm>
+          <a:prstGeom prst="rect">
+            <a:avLst/>
+          </a:prstGeom>
+        </p:spPr>
+        <p:txBody>
+          <a:bodyPr vert="horz" lIns="91440" tIns="45720" rIns="91440" bIns="45720" rtlCol="0"/>
+          <a:lstStyle/>
+          <a:p>
+            <a:pPr lvl="0"/>
+            <a:r>
+              <a:rPr lang="en-US"/>
+              <a:t>Edit Master text styles</a:t>
+            </a:r>
+          </a:p>
+          <a:p>
+            <a:pPr lvl="1"/>
+            <a:r>
+              <a:rPr lang="en-US"/>
+              <a:t>Second level</a:t>
+            </a:r>
+          </a:p>
+          <a:p>
+            <a:pPr lvl="2"/>
+            <a:r>
+              <a:rPr lang="en-US"/>
+              <a:t>Third level</a:t>
+            </a:r>
+          </a:p>
+          <a:p>
+            <a:pPr lvl="3"/>
+            <a:r>
+              <a:rPr lang="en-US"/>
+              <a:t>Fourth level</a:t>
+            </a:r>
+          </a:p>
+          <a:p>
+            <a:pPr lvl="4"/>
+            <a:r>
+              <a:rPr lang="en-US"/>
+              <a:t>Fifth level</a:t>
+            </a:r>
+          </a:p>
+        </p:txBody>
+      </p:sp>
+      <p:sp>
+        <p:nvSpPr>
+          <p:cNvPr id="6" name="Footer Placeholder 5"/>
+          <p:cNvSpPr>
+            <a:spLocks noGrp="1"/>
+          </p:cNvSpPr>
+          <p:nvPr>
+            <p:ph type="ftr" sz="quarter" idx="4"/>
+          </p:nvPr>
+        </p:nvSpPr>
+        <p:spPr>
+          <a:xfrm>
+            <a:off x="0" y="8685213"/>
+            <a:ext cx="2971800" cy="458787"/>
+          </a:xfrm>
+          <a:prstGeom prst="rect">
+            <a:avLst/>
+          </a:prstGeom>
+        </p:spPr>
+        <p:txBody>
+          <a:bodyPr vert="horz" lIns="91440" tIns="45720" rIns="91440" bIns="45720" rtlCol="0" anchor="b"/>
+          <a:lstStyle>
+            <a:lvl1pPr algn="l">
+              <a:defRPr sz="1200"/>
+            </a:lvl1pPr>
+          </a:lstStyle>
+          <a:p>
+            <a:endParaRPr lang="en-US"/>
+          </a:p>
+        </p:txBody>
+      </p:sp>
+      <p:sp>
+        <p:nvSpPr>
+          <p:cNvPr id="7" name="Slide Number Placeholder 6"/>
+          <p:cNvSpPr>
+            <a:spLocks noGrp="1"/>
+          </p:cNvSpPr>
+          <p:nvPr>
+            <p:ph type="sldNum" sz="quarter" idx="5"/>
+          </p:nvPr>
+        </p:nvSpPr>
+        <p:spPr>
+          <a:xfrm>
+            <a:off x="3884613" y="8685213"/>
+            <a:ext cx="2971800" cy="458787"/>
+          </a:xfrm>
+          <a:prstGeom prst="rect">
+            <a:avLst/>
+          </a:prstGeom>
+        </p:spPr>
+        <p:txBody>
+          <a:bodyPr vert="horz" lIns="91440" tIns="45720" rIns="91440" bIns="45720" rtlCol="0" anchor="b"/>
+          <a:lstStyle>
+            <a:lvl1pPr algn="r">
+              <a:defRPr sz="1200"/>
+            </a:lvl1pPr>
+          </a:lstStyle>
+          <a:p>
+            <a:fld id="{4B775201-FECE-46E1-A2F8-2E6033D30144}" type="slidenum">
+              <a:rPr lang="en-US" smtClean="0"/>
+              <a:t>‹#›</a:t>
+            </a:fld>
+            <a:endParaRPr lang="en-US"/>
+          </a:p>
+        </p:txBody>
+      </p:sp>
+    </p:spTree>
+    <p:extLst>
+      <p:ext uri="{BB962C8B-B14F-4D97-AF65-F5344CB8AC3E}">
+        <p14:creationId xmlns:p14="http://schemas.microsoft.com/office/powerpoint/2010/main" val="466385782"/>
+      </p:ext>
+    </p:extLst>
+  </p:cSld>
+  <p:clrMap bg1="lt1" tx1="dk1" bg2="lt2" tx2="dk2" accent1="accent1" accent2="accent2" accent3="accent3" accent4="accent4" accent5="accent5" accent6="accent6" hlink="hlink" folHlink="folHlink"/>
+  <p:notesStyle>
+    <a:lvl1pPr marL="0" algn="l" defTabSz="914400" rtl="0" eaLnBrk="1" latinLnBrk="0" hangingPunct="1">
+      <a:defRPr sz="1200" kern="1200">
+        <a:solidFill>
+          <a:schemeClr val="tx1"/>
+        </a:solidFill>
+        <a:latin typeface="+mn-lt"/>
+        <a:ea typeface="+mn-ea"/>
+        <a:cs typeface="+mn-cs"/>
+      </a:defRPr>
+    </a:lvl1pPr>
+    <a:lvl2pPr marL="457200" algn="l" defTabSz="914400" rtl="0" eaLnBrk="1" latinLnBrk="0" hangingPunct="1">
+      <a:defRPr sz="1200" kern="1200">
+        <a:solidFill>
+          <a:schemeClr val="tx1"/>
+        </a:solidFill>
+        <a:latin typeface="+mn-lt"/>
+        <a:ea typeface="+mn-ea"/>
+        <a:cs typeface="+mn-cs"/>
+      </a:defRPr>
+    </a:lvl2pPr>
+    <a:lvl3pPr marL="914400" algn="l" defTabSz="914400" rtl="0" eaLnBrk="1" latinLnBrk="0" hangingPunct="1">
+      <a:defRPr sz="1200" kern="1200">
+        <a:solidFill>
+          <a:schemeClr val="tx1"/>
+        </a:solidFill>
+        <a:latin typeface="+mn-lt"/>
+        <a:ea typeface="+mn-ea"/>
+        <a:cs typeface="+mn-cs"/>
+      </a:defRPr>
+    </a:lvl3pPr>
+    <a:lvl4pPr marL="1371600" algn="l" defTabSz="914400" rtl="0" eaLnBrk="1" latinLnBrk="0" hangingPunct="1">
+      <a:defRPr sz="1200" kern="1200">
+        <a:solidFill>
+          <a:schemeClr val="tx1"/>
+        </a:solidFill>
+        <a:latin typeface="+mn-lt"/>
+        <a:ea typeface="+mn-ea"/>
+        <a:cs typeface="+mn-cs"/>
+      </a:defRPr>
+    </a:lvl4pPr>
+    <a:lvl5pPr marL="1828800" algn="l" defTabSz="914400" rtl="0" eaLnBrk="1" latinLnBrk="0" hangingPunct="1">
+      <a:defRPr sz="1200" kern="1200">
+        <a:solidFill>
+          <a:schemeClr val="tx1"/>
+        </a:solidFill>
+        <a:latin typeface="+mn-lt"/>
+        <a:ea typeface="+mn-ea"/>
+        <a:cs typeface="+mn-cs"/>
+      </a:defRPr>
+    </a:lvl5pPr>
+    <a:lvl6pPr marL="2286000" algn="l" defTabSz="914400" rtl="0" eaLnBrk="1" latinLnBrk="0" hangingPunct="1">
+      <a:defRPr sz="1200" kern="1200">
+        <a:solidFill>
+          <a:schemeClr val="tx1"/>
+        </a:solidFill>
+        <a:latin typeface="+mn-lt"/>
+        <a:ea typeface="+mn-ea"/>
+        <a:cs typeface="+mn-cs"/>
+      </a:defRPr>
+    </a:lvl6pPr>
+    <a:lvl7pPr marL="2743200" algn="l" defTabSz="914400" rtl="0" eaLnBrk="1" latinLnBrk="0" hangingPunct="1">
+      <a:defRPr sz="1200" kern="1200">
+        <a:solidFill>
+          <a:schemeClr val="tx1"/>
+        </a:solidFill>
+        <a:latin typeface="+mn-lt"/>
+        <a:ea typeface="+mn-ea"/>
+        <a:cs typeface="+mn-cs"/>
+      </a:defRPr>
+    </a:lvl7pPr>
+    <a:lvl8pPr marL="3200400" algn="l" defTabSz="914400" rtl="0" eaLnBrk="1" latinLnBrk="0" hangingPunct="1">
+      <a:defRPr sz="1200" kern="1200">
+        <a:solidFill>
+          <a:schemeClr val="tx1"/>
+        </a:solidFill>
+        <a:latin typeface="+mn-lt"/>
+        <a:ea typeface="+mn-ea"/>
+        <a:cs typeface="+mn-cs"/>
+      </a:defRPr>
+    </a:lvl8pPr>
+    <a:lvl9pPr marL="3657600" algn="l" defTabSz="914400" rtl="0" eaLnBrk="1" latinLnBrk="0" hangingPunct="1">
+      <a:defRPr sz="1200" kern="1200">
+        <a:solidFill>
+          <a:schemeClr val="tx1"/>
+        </a:solidFill>
+        <a:latin typeface="+mn-lt"/>
+        <a:ea typeface="+mn-ea"/>
+        <a:cs typeface="+mn-cs"/>
+      </a:defRPr>
+    </a:lvl9pPr>
+  </p:notesStyle>
+</p:notesMaster>
+</file>
+
+<file path=ppt/notesSlides/notesSlide1.xml><?xml version="1.0" encoding="utf-8"?>
+<p:notes xmlns:a="http://schemas.openxmlformats.org/drawingml/2006/main" xmlns:r="http://schemas.openxmlformats.org/officeDocument/2006/relationships" xmlns:p="http://schemas.openxmlformats.org/presentationml/2006/main">
+  <p:cSld>
+    <p:spTree>
+      <p:nvGrpSpPr>
+        <p:cNvPr id="1" name=""/>
+        <p:cNvGrpSpPr/>
+        <p:nvPr/>
+      </p:nvGrpSpPr>
+      <p:grpSpPr>
+        <a:xfrm>
+          <a:off x="0" y="0"/>
+          <a:ext cx="0" cy="0"/>
+          <a:chOff x="0" y="0"/>
+          <a:chExt cx="0" cy="0"/>
+        </a:xfrm>
+      </p:grpSpPr>
+      <p:sp>
+        <p:nvSpPr>
+          <p:cNvPr id="2" name="Slide Image Placeholder 1"/>
+          <p:cNvSpPr>
+            <a:spLocks noGrp="1" noRot="1" noChangeAspect="1"/>
+          </p:cNvSpPr>
+          <p:nvPr>
+            <p:ph type="sldImg"/>
+          </p:nvPr>
+        </p:nvSpPr>
+        <p:spPr/>
+      </p:sp>
+      <p:sp>
+        <p:nvSpPr>
+          <p:cNvPr id="3" name="Notes Placeholder 2"/>
+          <p:cNvSpPr>
+            <a:spLocks noGrp="1"/>
+          </p:cNvSpPr>
+          <p:nvPr>
+            <p:ph type="body" idx="1"/>
+          </p:nvPr>
+        </p:nvSpPr>
+        <p:spPr/>
+        <p:txBody>
+          <a:bodyPr/>
+          <a:lstStyle/>
+          <a:p>
+            <a:endParaRPr lang="en-US" dirty="0"/>
+          </a:p>
+        </p:txBody>
+      </p:sp>
+      <p:sp>
+        <p:nvSpPr>
+          <p:cNvPr id="4" name="Slide Number Placeholder 3"/>
+          <p:cNvSpPr>
+            <a:spLocks noGrp="1"/>
+          </p:cNvSpPr>
+          <p:nvPr>
+            <p:ph type="sldNum" sz="quarter" idx="10"/>
+          </p:nvPr>
+        </p:nvSpPr>
+        <p:spPr/>
+        <p:txBody>
+          <a:bodyPr/>
+          <a:lstStyle/>
+          <a:p>
+            <a:fld id="{4B775201-FECE-46E1-A2F8-2E6033D30144}" type="slidenum">
+              <a:rPr lang="en-US" smtClean="0"/>
+              <a:t>4</a:t>
+            </a:fld>
+            <a:endParaRPr lang="en-US"/>
+          </a:p>
+        </p:txBody>
+      </p:sp>
+    </p:spTree>
+    <p:extLst>
+      <p:ext uri="{BB962C8B-B14F-4D97-AF65-F5344CB8AC3E}">
+        <p14:creationId xmlns:p14="http://schemas.microsoft.com/office/powerpoint/2010/main" val="2946079107"/>
+      </p:ext>
+    </p:extLst>
+  </p:cSld>
+  <p:clrMapOvr>
+    <a:masterClrMapping/>
+  </p:clrMapOvr>
+</p:notes>
+</file>
+
 <file path=ppt/slideLayouts/slideLayout1.xml><?xml version="1.0" encoding="utf-8"?>
 <p:sldLayout xmlns:a="http://schemas.openxmlformats.org/drawingml/2006/main" xmlns:r="http://schemas.openxmlformats.org/officeDocument/2006/relationships" xmlns:p="http://schemas.openxmlformats.org/presentationml/2006/main" type="title" preserve="1">
   <p:cSld name="Title Slide">
@@ -264,7 +703,7 @@
           <a:p>
             <a:fld id="{0C4F4E86-B607-4661-9D81-A8AC4302DE08}" type="datetimeFigureOut">
               <a:rPr lang="en-US" smtClean="0"/>
-              <a:t>5/11/2019</a:t>
+              <a:t>5/12/2019</a:t>
             </a:fld>
             <a:endParaRPr lang="en-US"/>
           </a:p>
@@ -462,7 +901,7 @@
           <a:p>
             <a:fld id="{0C4F4E86-B607-4661-9D81-A8AC4302DE08}" type="datetimeFigureOut">
               <a:rPr lang="en-US" smtClean="0"/>
-              <a:t>5/11/2019</a:t>
+              <a:t>5/12/2019</a:t>
             </a:fld>
             <a:endParaRPr lang="en-US"/>
           </a:p>
@@ -670,7 +1109,7 @@
           <a:p>
             <a:fld id="{0C4F4E86-B607-4661-9D81-A8AC4302DE08}" type="datetimeFigureOut">
               <a:rPr lang="en-US" smtClean="0"/>
-              <a:t>5/11/2019</a:t>
+              <a:t>5/12/2019</a:t>
             </a:fld>
             <a:endParaRPr lang="en-US"/>
           </a:p>
@@ -868,7 +1307,7 @@
           <a:p>
             <a:fld id="{0C4F4E86-B607-4661-9D81-A8AC4302DE08}" type="datetimeFigureOut">
               <a:rPr lang="en-US" smtClean="0"/>
-              <a:t>5/11/2019</a:t>
+              <a:t>5/12/2019</a:t>
             </a:fld>
             <a:endParaRPr lang="en-US"/>
           </a:p>
@@ -1143,7 +1582,7 @@
           <a:p>
             <a:fld id="{0C4F4E86-B607-4661-9D81-A8AC4302DE08}" type="datetimeFigureOut">
               <a:rPr lang="en-US" smtClean="0"/>
-              <a:t>5/11/2019</a:t>
+              <a:t>5/12/2019</a:t>
             </a:fld>
             <a:endParaRPr lang="en-US"/>
           </a:p>
@@ -1408,7 +1847,7 @@
           <a:p>
             <a:fld id="{0C4F4E86-B607-4661-9D81-A8AC4302DE08}" type="datetimeFigureOut">
               <a:rPr lang="en-US" smtClean="0"/>
-              <a:t>5/11/2019</a:t>
+              <a:t>5/12/2019</a:t>
             </a:fld>
             <a:endParaRPr lang="en-US"/>
           </a:p>
@@ -1820,7 +2259,7 @@
           <a:p>
             <a:fld id="{0C4F4E86-B607-4661-9D81-A8AC4302DE08}" type="datetimeFigureOut">
               <a:rPr lang="en-US" smtClean="0"/>
-              <a:t>5/11/2019</a:t>
+              <a:t>5/12/2019</a:t>
             </a:fld>
             <a:endParaRPr lang="en-US"/>
           </a:p>
@@ -1961,7 +2400,7 @@
           <a:p>
             <a:fld id="{0C4F4E86-B607-4661-9D81-A8AC4302DE08}" type="datetimeFigureOut">
               <a:rPr lang="en-US" smtClean="0"/>
-              <a:t>5/11/2019</a:t>
+              <a:t>5/12/2019</a:t>
             </a:fld>
             <a:endParaRPr lang="en-US"/>
           </a:p>
@@ -2074,7 +2513,7 @@
           <a:p>
             <a:fld id="{0C4F4E86-B607-4661-9D81-A8AC4302DE08}" type="datetimeFigureOut">
               <a:rPr lang="en-US" smtClean="0"/>
-              <a:t>5/11/2019</a:t>
+              <a:t>5/12/2019</a:t>
             </a:fld>
             <a:endParaRPr lang="en-US"/>
           </a:p>
@@ -2385,7 +2824,7 @@
           <a:p>
             <a:fld id="{0C4F4E86-B607-4661-9D81-A8AC4302DE08}" type="datetimeFigureOut">
               <a:rPr lang="en-US" smtClean="0"/>
-              <a:t>5/11/2019</a:t>
+              <a:t>5/12/2019</a:t>
             </a:fld>
             <a:endParaRPr lang="en-US"/>
           </a:p>
@@ -2673,7 +3112,7 @@
           <a:p>
             <a:fld id="{0C4F4E86-B607-4661-9D81-A8AC4302DE08}" type="datetimeFigureOut">
               <a:rPr lang="en-US" smtClean="0"/>
-              <a:t>5/11/2019</a:t>
+              <a:t>5/12/2019</a:t>
             </a:fld>
             <a:endParaRPr lang="en-US"/>
           </a:p>
@@ -2914,7 +3353,7 @@
           <a:p>
             <a:fld id="{0C4F4E86-B607-4661-9D81-A8AC4302DE08}" type="datetimeFigureOut">
               <a:rPr lang="en-US" smtClean="0"/>
-              <a:t>5/11/2019</a:t>
+              <a:t>5/12/2019</a:t>
             </a:fld>
             <a:endParaRPr lang="en-US"/>
           </a:p>
@@ -3622,7 +4061,7 @@
           <p:cNvPr id="4" name="Title 1">
             <a:extLst>
               <a:ext uri="{FF2B5EF4-FFF2-40B4-BE49-F238E27FC236}">
-                <a16:creationId xmlns:a16="http://schemas.microsoft.com/office/drawing/2014/main" id="{83B271B0-9DDD-4C7D-858F-25772694BA68}"/>
+                <a16:creationId xmlns:a16="http://schemas.microsoft.com/office/drawing/2014/main" id="{5FF12F52-678D-4AD1-9C8F-B2892291A36D}"/>
               </a:ext>
             </a:extLst>
           </p:cNvPr>
@@ -3647,7 +4086,7 @@
           <a:p>
             <a:r>
               <a:rPr lang="en-US" sz="3200" i="1" u="sng" dirty="0"/>
-              <a:t>Singleton Design Pattern</a:t>
+              <a:t>Builder Design Pattern</a:t>
             </a:r>
           </a:p>
         </p:txBody>
@@ -3657,7 +4096,7 @@
           <p:cNvPr id="5" name="Content Placeholder 2">
             <a:extLst>
               <a:ext uri="{FF2B5EF4-FFF2-40B4-BE49-F238E27FC236}">
-                <a16:creationId xmlns:a16="http://schemas.microsoft.com/office/drawing/2014/main" id="{BD2DBB9E-C159-4DD1-BB1F-4C9C16FCCD9B}"/>
+                <a16:creationId xmlns:a16="http://schemas.microsoft.com/office/drawing/2014/main" id="{CE7B6B6F-4E14-4E91-87DA-E40BD8E73C63}"/>
               </a:ext>
             </a:extLst>
           </p:cNvPr>
@@ -3685,8 +4124,46 @@
               <a:buChar char="Ø"/>
             </a:pPr>
             <a:r>
-              <a:rPr lang="en-US" sz="1800" dirty="0"/>
-              <a:t>Singleton design pattern is used when we require only instance of the class throughout the application.</a:t>
+              <a:rPr lang="en-US" sz="1400" dirty="0"/>
+              <a:t>There are three major issues with Factory and Abstract Factory design patterns when the Object contains a lot of attributes.</a:t>
+            </a:r>
+          </a:p>
+          <a:p>
+            <a:pPr lvl="1">
+              <a:buFont typeface="Wingdings" panose="05000000000000000000" pitchFamily="2" charset="2"/>
+              <a:buChar char="Ø"/>
+            </a:pPr>
+            <a:r>
+              <a:rPr lang="en-US" sz="1400" dirty="0"/>
+              <a:t>Too Many arguments to pass from client program to the Factory class that can be error prone because most of the time, the type of arguments are same and from client side its hard to maintain the order of the argument.</a:t>
+            </a:r>
+          </a:p>
+          <a:p>
+            <a:pPr lvl="1">
+              <a:buFont typeface="Wingdings" panose="05000000000000000000" pitchFamily="2" charset="2"/>
+              <a:buChar char="Ø"/>
+            </a:pPr>
+            <a:r>
+              <a:rPr lang="en-US" sz="1400" dirty="0"/>
+              <a:t>Some of the parameters might be optional but in </a:t>
+            </a:r>
+            <a:r>
+              <a:rPr lang="en-US" sz="1400" b="1" i="1" dirty="0"/>
+              <a:t>Factory Pattern</a:t>
+            </a:r>
+            <a:r>
+              <a:rPr lang="en-US" sz="1400" dirty="0"/>
+              <a:t>, we are forced to send all the parameters and optional parameters need to send as NULL.</a:t>
+            </a:r>
+          </a:p>
+          <a:p>
+            <a:pPr lvl="1">
+              <a:buFont typeface="Wingdings" panose="05000000000000000000" pitchFamily="2" charset="2"/>
+              <a:buChar char="Ø"/>
+            </a:pPr>
+            <a:r>
+              <a:rPr lang="en-US" sz="1400" dirty="0"/>
+              <a:t>If the object is heavy and its creation is complex, then all that complexity will be part of Factory classes that is confusing.</a:t>
             </a:r>
           </a:p>
           <a:p>
@@ -3695,8 +4172,8 @@
               <a:buChar char="Ø"/>
             </a:pPr>
             <a:r>
-              <a:rPr lang="en-US" sz="1800" dirty="0"/>
-              <a:t>The singleton class is instantiated at the time of first access and the same instance is used thereafter till the application quits.</a:t>
+              <a:rPr lang="en-US" sz="1400" dirty="0"/>
+              <a:t>Used to construct a complex object step by step and the final step will return the object.</a:t>
             </a:r>
           </a:p>
           <a:p>
@@ -3705,36 +4182,58 @@
               <a:buChar char="Ø"/>
             </a:pPr>
             <a:r>
+              <a:rPr lang="en-US" sz="1400" dirty="0"/>
+              <a:t>The process of constructing an object should be generic so that it can be used to create different representations of the same object</a:t>
+            </a:r>
+            <a:r>
               <a:rPr lang="en-US" sz="1800" dirty="0"/>
-              <a:t>We should allow global point of access to that single instance.</a:t>
-            </a:r>
-          </a:p>
-          <a:p>
-            <a:pPr>
-              <a:buFont typeface="Wingdings" panose="05000000000000000000" pitchFamily="2" charset="2"/>
-              <a:buChar char="Ø"/>
-            </a:pPr>
-            <a:r>
-              <a:rPr lang="en-US" sz="1800" dirty="0"/>
-              <a:t>Singleton employs a technique known as </a:t>
-            </a:r>
-            <a:r>
-              <a:rPr lang="en-US" sz="1800" b="1" i="1" dirty="0"/>
-              <a:t>lazy instantiation</a:t>
-            </a:r>
-            <a:r>
-              <a:rPr lang="en-US" sz="1800" dirty="0"/>
-              <a:t> to create the singleton. As a result, the singleton instance is not created until the getInstance() method is called for the first time. This technique ensures that singleton instances are created only when needed.</a:t>
+              <a:t>.</a:t>
+            </a:r>
+          </a:p>
+        </p:txBody>
+      </p:sp>
+      <p:sp>
+        <p:nvSpPr>
+          <p:cNvPr id="8" name="TextBox 7">
+            <a:extLst>
+              <a:ext uri="{FF2B5EF4-FFF2-40B4-BE49-F238E27FC236}">
+                <a16:creationId xmlns:a16="http://schemas.microsoft.com/office/drawing/2014/main" id="{C0BC5F7D-E345-4660-B6B5-3A6BB6DA906B}"/>
+              </a:ext>
+            </a:extLst>
+          </p:cNvPr>
+          <p:cNvSpPr txBox="1"/>
+          <p:nvPr/>
+        </p:nvSpPr>
+        <p:spPr>
+          <a:xfrm>
+            <a:off x="2017513" y="5617162"/>
+            <a:ext cx="1986116" cy="369332"/>
+          </a:xfrm>
+          <a:prstGeom prst="rect">
+            <a:avLst/>
+          </a:prstGeom>
+          <a:noFill/>
+        </p:spPr>
+        <p:txBody>
+          <a:bodyPr wrap="square" rtlCol="0">
+            <a:spAutoFit/>
+          </a:bodyPr>
+          <a:lstStyle/>
+          <a:p>
+            <a:pPr algn="ctr"/>
+            <a:r>
+              <a:rPr lang="en-US" u="sng" dirty="0"/>
+              <a:t>UML Diagram</a:t>
             </a:r>
           </a:p>
         </p:txBody>
       </p:sp>
       <p:pic>
         <p:nvPicPr>
-          <p:cNvPr id="8" name="Picture 7">
-            <a:extLst>
-              <a:ext uri="{FF2B5EF4-FFF2-40B4-BE49-F238E27FC236}">
-                <a16:creationId xmlns:a16="http://schemas.microsoft.com/office/drawing/2014/main" id="{8FD7B92B-ED79-4363-80E3-1C6C47705974}"/>
+          <p:cNvPr id="10" name="Picture 9">
+            <a:extLst>
+              <a:ext uri="{FF2B5EF4-FFF2-40B4-BE49-F238E27FC236}">
+                <a16:creationId xmlns:a16="http://schemas.microsoft.com/office/drawing/2014/main" id="{E5D00CC3-6871-4281-B7BD-90B430BCA903}"/>
               </a:ext>
             </a:extLst>
           </p:cNvPr>
@@ -3751,189 +4250,18 @@
         </p:blipFill>
         <p:spPr>
           <a:xfrm>
-            <a:off x="701549" y="3955642"/>
-            <a:ext cx="2409825" cy="1562100"/>
+            <a:off x="292162" y="3464576"/>
+            <a:ext cx="5331657" cy="2050241"/>
           </a:xfrm>
           <a:prstGeom prst="rect">
             <a:avLst/>
           </a:prstGeom>
         </p:spPr>
       </p:pic>
-      <p:sp>
-        <p:nvSpPr>
-          <p:cNvPr id="9" name="Rectangle 8">
-            <a:extLst>
-              <a:ext uri="{FF2B5EF4-FFF2-40B4-BE49-F238E27FC236}">
-                <a16:creationId xmlns:a16="http://schemas.microsoft.com/office/drawing/2014/main" id="{B71C4EFF-F247-4CEF-830B-0FAEBBC769EF}"/>
-              </a:ext>
-            </a:extLst>
-          </p:cNvPr>
-          <p:cNvSpPr/>
-          <p:nvPr/>
-        </p:nvSpPr>
-        <p:spPr>
-          <a:xfrm>
-            <a:off x="5756805" y="3624711"/>
-            <a:ext cx="3688080" cy="2308324"/>
-          </a:xfrm>
-          <a:prstGeom prst="rect">
-            <a:avLst/>
-          </a:prstGeom>
-          <a:ln>
-            <a:solidFill>
-              <a:schemeClr val="accent1"/>
-            </a:solidFill>
-          </a:ln>
-        </p:spPr>
-        <p:txBody>
-          <a:bodyPr wrap="square">
-            <a:spAutoFit/>
-          </a:bodyPr>
-          <a:lstStyle/>
-          <a:p>
-            <a:r>
-              <a:rPr lang="en-US" sz="1200" dirty="0"/>
-              <a:t>public class Singleton{</a:t>
-            </a:r>
-          </a:p>
-          <a:p>
-            <a:r>
-              <a:rPr lang="en-US" sz="1200" dirty="0"/>
-              <a:t>          private static Singleton instance;</a:t>
-            </a:r>
-          </a:p>
-          <a:p>
-            <a:endParaRPr lang="en-US" sz="1200" dirty="0"/>
-          </a:p>
-          <a:p>
-            <a:r>
-              <a:rPr lang="en-US" sz="1200" dirty="0"/>
-              <a:t>          private Singleton(){}</a:t>
-            </a:r>
-          </a:p>
-          <a:p>
-            <a:endParaRPr lang="en-US" sz="1200" dirty="0"/>
-          </a:p>
-          <a:p>
-            <a:r>
-              <a:rPr lang="en-US" sz="1200" dirty="0"/>
-              <a:t>          public static Singleton getInstance(){</a:t>
-            </a:r>
-          </a:p>
-          <a:p>
-            <a:r>
-              <a:rPr lang="en-US" sz="1200" dirty="0"/>
-              <a:t>                  if(instance == null){</a:t>
-            </a:r>
-          </a:p>
-          <a:p>
-            <a:r>
-              <a:rPr lang="en-US" sz="1200" dirty="0"/>
-              <a:t>                          instance == new Singleton();</a:t>
-            </a:r>
-          </a:p>
-          <a:p>
-            <a:r>
-              <a:rPr lang="en-US" sz="1200" dirty="0"/>
-              <a:t>                  }</a:t>
-            </a:r>
-          </a:p>
-          <a:p>
-            <a:r>
-              <a:rPr lang="en-US" sz="1200" dirty="0"/>
-              <a:t>                  return instance;</a:t>
-            </a:r>
-          </a:p>
-          <a:p>
-            <a:r>
-              <a:rPr lang="en-US" sz="1200" dirty="0"/>
-              <a:t>          }</a:t>
-            </a:r>
-          </a:p>
-          <a:p>
-            <a:r>
-              <a:rPr lang="en-US" sz="1200" dirty="0"/>
-              <a:t>}</a:t>
-            </a:r>
-          </a:p>
-        </p:txBody>
-      </p:sp>
-      <p:sp>
-        <p:nvSpPr>
-          <p:cNvPr id="10" name="TextBox 9">
-            <a:extLst>
-              <a:ext uri="{FF2B5EF4-FFF2-40B4-BE49-F238E27FC236}">
-                <a16:creationId xmlns:a16="http://schemas.microsoft.com/office/drawing/2014/main" id="{212E8B01-8468-4B7C-B898-5F5D3F48E044}"/>
-              </a:ext>
-            </a:extLst>
-          </p:cNvPr>
-          <p:cNvSpPr txBox="1"/>
-          <p:nvPr/>
-        </p:nvSpPr>
-        <p:spPr>
-          <a:xfrm>
-            <a:off x="796413" y="5645562"/>
-            <a:ext cx="1986116" cy="369332"/>
-          </a:xfrm>
-          <a:prstGeom prst="rect">
-            <a:avLst/>
-          </a:prstGeom>
-          <a:noFill/>
-        </p:spPr>
-        <p:txBody>
-          <a:bodyPr wrap="square" rtlCol="0">
-            <a:spAutoFit/>
-          </a:bodyPr>
-          <a:lstStyle/>
-          <a:p>
-            <a:pPr algn="ctr"/>
-            <a:r>
-              <a:rPr lang="en-US" u="sng" dirty="0"/>
-              <a:t>UML Diagram</a:t>
-            </a:r>
-          </a:p>
-        </p:txBody>
-      </p:sp>
-      <p:sp>
-        <p:nvSpPr>
-          <p:cNvPr id="11" name="TextBox 10">
-            <a:extLst>
-              <a:ext uri="{FF2B5EF4-FFF2-40B4-BE49-F238E27FC236}">
-                <a16:creationId xmlns:a16="http://schemas.microsoft.com/office/drawing/2014/main" id="{E367DC91-E0AF-40E2-87B9-B79EFB9C10A4}"/>
-              </a:ext>
-            </a:extLst>
-          </p:cNvPr>
-          <p:cNvSpPr txBox="1"/>
-          <p:nvPr/>
-        </p:nvSpPr>
-        <p:spPr>
-          <a:xfrm>
-            <a:off x="6150090" y="5719306"/>
-            <a:ext cx="2934915" cy="369332"/>
-          </a:xfrm>
-          <a:prstGeom prst="rect">
-            <a:avLst/>
-          </a:prstGeom>
-          <a:noFill/>
-        </p:spPr>
-        <p:txBody>
-          <a:bodyPr wrap="square" rtlCol="0">
-            <a:spAutoFit/>
-          </a:bodyPr>
-          <a:lstStyle/>
-          <a:p>
-            <a:pPr algn="ctr"/>
-            <a:r>
-              <a:rPr lang="en-US" u="sng" dirty="0"/>
-              <a:t>Singleton Implementation</a:t>
-            </a:r>
-          </a:p>
-        </p:txBody>
-      </p:sp>
     </p:spTree>
     <p:extLst>
       <p:ext uri="{BB962C8B-B14F-4D97-AF65-F5344CB8AC3E}">
-        <p14:creationId xmlns:p14="http://schemas.microsoft.com/office/powerpoint/2010/main" val="1942916450"/>
+        <p14:creationId xmlns:p14="http://schemas.microsoft.com/office/powerpoint/2010/main" val="1375362645"/>
       </p:ext>
     </p:extLst>
   </p:cSld>
@@ -3965,7 +4293,7 @@
           <p:cNvPr id="4" name="Title 1">
             <a:extLst>
               <a:ext uri="{FF2B5EF4-FFF2-40B4-BE49-F238E27FC236}">
-                <a16:creationId xmlns:a16="http://schemas.microsoft.com/office/drawing/2014/main" id="{BC53CE98-2248-4B26-8F8C-F25CEB7C4DA5}"/>
+                <a16:creationId xmlns:a16="http://schemas.microsoft.com/office/drawing/2014/main" id="{1D0B1CE6-21FE-4B0C-A177-CD0A9E0E731E}"/>
               </a:ext>
             </a:extLst>
           </p:cNvPr>
@@ -3990,7 +4318,7 @@
           <a:p>
             <a:r>
               <a:rPr lang="en-US" sz="3200" i="1" u="sng" dirty="0"/>
-              <a:t>Singleton Design Pattern Continues…</a:t>
+              <a:t>Builder Design Pattern Continues…</a:t>
             </a:r>
           </a:p>
         </p:txBody>
@@ -4000,7 +4328,7 @@
           <p:cNvPr id="5" name="Content Placeholder 2">
             <a:extLst>
               <a:ext uri="{FF2B5EF4-FFF2-40B4-BE49-F238E27FC236}">
-                <a16:creationId xmlns:a16="http://schemas.microsoft.com/office/drawing/2014/main" id="{8C2CAC53-33EC-4A50-9D49-F125E74F92ED}"/>
+                <a16:creationId xmlns:a16="http://schemas.microsoft.com/office/drawing/2014/main" id="{014F55E7-3186-4A85-BDC0-FCD411A58279}"/>
               </a:ext>
             </a:extLst>
           </p:cNvPr>
@@ -4028,28 +4356,64 @@
               <a:buChar char="Ø"/>
             </a:pPr>
             <a:r>
-              <a:rPr lang="en-US" sz="1800" dirty="0"/>
-              <a:t>In multithreaded scenario there is possibilities of allowing to create multiple instances if we don’t synchronization.</a:t>
-            </a:r>
-          </a:p>
-          <a:p>
-            <a:pPr>
+              <a:rPr lang="en-US" sz="1400" dirty="0"/>
+              <a:t>Steps to implement builder design pattern in java.</a:t>
+            </a:r>
+          </a:p>
+          <a:p>
+            <a:pPr lvl="1">
               <a:buFont typeface="Wingdings" panose="05000000000000000000" pitchFamily="2" charset="2"/>
               <a:buChar char="Ø"/>
             </a:pPr>
             <a:r>
-              <a:rPr lang="en-US" sz="1800" dirty="0"/>
-              <a:t>If we synchronize the getInstance() method, the above singleton method is thread safe. </a:t>
-            </a:r>
-          </a:p>
-        </p:txBody>
-      </p:sp>
-      <p:sp>
-        <p:nvSpPr>
-          <p:cNvPr id="7" name="Rectangle 6">
-            <a:extLst>
-              <a:ext uri="{FF2B5EF4-FFF2-40B4-BE49-F238E27FC236}">
-                <a16:creationId xmlns:a16="http://schemas.microsoft.com/office/drawing/2014/main" id="{3C6C1733-7AB4-4E18-B511-89CED3750379}"/>
+              <a:rPr lang="en-US" sz="1400" dirty="0"/>
+              <a:t>First of all you need to create a static nested class and then copy all the arguments from the outer class to builder class.  We should follow the naming convention and is the class name is Computer, the builder class should be named as Computer builder.</a:t>
+            </a:r>
+          </a:p>
+          <a:p>
+            <a:pPr lvl="1">
+              <a:buFont typeface="Wingdings" panose="05000000000000000000" pitchFamily="2" charset="2"/>
+              <a:buChar char="Ø"/>
+            </a:pPr>
+            <a:r>
+              <a:rPr lang="en-US" sz="1400" dirty="0"/>
+              <a:t>Java builder class should have a public constructor and all the required attributes as parameter.</a:t>
+            </a:r>
+          </a:p>
+          <a:p>
+            <a:pPr lvl="1">
+              <a:buFont typeface="Wingdings" panose="05000000000000000000" pitchFamily="2" charset="2"/>
+              <a:buChar char="Ø"/>
+            </a:pPr>
+            <a:r>
+              <a:rPr lang="en-US" sz="1400" dirty="0"/>
+              <a:t>Java Builder class should have methods to set the optional parameters and it should return the same Builder object after setting the optional attribute.</a:t>
+            </a:r>
+          </a:p>
+          <a:p>
+            <a:pPr lvl="1">
+              <a:buFont typeface="Wingdings" panose="05000000000000000000" pitchFamily="2" charset="2"/>
+              <a:buChar char="Ø"/>
+            </a:pPr>
+            <a:r>
+              <a:rPr lang="en-US" sz="1400" dirty="0"/>
+              <a:t>The final step is to provide a build() method in the builder class that will return the Object needed by client program. For this we need to have a private constructor in the Class with Builder class as argument.</a:t>
+            </a:r>
+          </a:p>
+          <a:p>
+            <a:pPr marL="0" indent="0">
+              <a:buNone/>
+            </a:pPr>
+            <a:endParaRPr lang="en-US" sz="1800" dirty="0"/>
+          </a:p>
+        </p:txBody>
+      </p:sp>
+      <p:sp>
+        <p:nvSpPr>
+          <p:cNvPr id="13" name="Rectangle 12">
+            <a:extLst>
+              <a:ext uri="{FF2B5EF4-FFF2-40B4-BE49-F238E27FC236}">
+                <a16:creationId xmlns:a16="http://schemas.microsoft.com/office/drawing/2014/main" id="{46CC997F-2C94-45EE-986C-1CC77AF72416}"/>
               </a:ext>
             </a:extLst>
           </p:cNvPr>
@@ -4058,8 +4422,8 @@
         </p:nvSpPr>
         <p:spPr>
           <a:xfrm>
-            <a:off x="7341395" y="1614152"/>
-            <a:ext cx="3688080" cy="2308324"/>
+            <a:off x="375650" y="2939492"/>
+            <a:ext cx="2679923" cy="3539430"/>
           </a:xfrm>
           <a:prstGeom prst="rect">
             <a:avLst/>
@@ -4076,157 +4440,272 @@
           </a:bodyPr>
           <a:lstStyle/>
           <a:p>
-            <a:r>
-              <a:rPr lang="en-US" sz="1200" dirty="0"/>
-              <a:t>public class Singleton{</a:t>
-            </a:r>
-          </a:p>
-          <a:p>
-            <a:r>
-              <a:rPr lang="en-US" sz="1200" dirty="0"/>
-              <a:t>          private static Singleton instance;</a:t>
-            </a:r>
-          </a:p>
-          <a:p>
-            <a:endParaRPr lang="en-US" sz="1200" dirty="0"/>
-          </a:p>
-          <a:p>
-            <a:r>
-              <a:rPr lang="en-US" sz="1200" dirty="0"/>
-              <a:t>          private Singleton(){}</a:t>
-            </a:r>
-          </a:p>
-          <a:p>
-            <a:endParaRPr lang="en-US" sz="1200" dirty="0"/>
-          </a:p>
-          <a:p>
-            <a:r>
-              <a:rPr lang="en-US" sz="1200" dirty="0"/>
-              <a:t>          public synchronized static Singleton getInstance(){</a:t>
-            </a:r>
-          </a:p>
-          <a:p>
-            <a:r>
-              <a:rPr lang="en-US" sz="1200" dirty="0"/>
-              <a:t>                  if(instance == null){</a:t>
-            </a:r>
-          </a:p>
-          <a:p>
-            <a:r>
-              <a:rPr lang="en-US" sz="1200" dirty="0"/>
-              <a:t>                          instance == new Singleton();</a:t>
-            </a:r>
-          </a:p>
-          <a:p>
-            <a:r>
-              <a:rPr lang="en-US" sz="1200" dirty="0"/>
-              <a:t>                  }</a:t>
-            </a:r>
-          </a:p>
-          <a:p>
-            <a:r>
-              <a:rPr lang="en-US" sz="1200" dirty="0"/>
-              <a:t>                  return instance;</a:t>
-            </a:r>
-          </a:p>
-          <a:p>
-            <a:r>
-              <a:rPr lang="en-US" sz="1200" dirty="0"/>
-              <a:t>          }</a:t>
-            </a:r>
-          </a:p>
-          <a:p>
-            <a:r>
-              <a:rPr lang="en-US" sz="1200" dirty="0"/>
-              <a:t>}</a:t>
-            </a:r>
-          </a:p>
-        </p:txBody>
-      </p:sp>
-      <p:sp>
-        <p:nvSpPr>
-          <p:cNvPr id="10" name="TextBox 9">
-            <a:extLst>
-              <a:ext uri="{FF2B5EF4-FFF2-40B4-BE49-F238E27FC236}">
-                <a16:creationId xmlns:a16="http://schemas.microsoft.com/office/drawing/2014/main" id="{CCFD976B-96D7-460F-B926-E51607DE5F51}"/>
-              </a:ext>
-            </a:extLst>
-          </p:cNvPr>
-          <p:cNvSpPr txBox="1"/>
+            <a:endParaRPr lang="en-US" sz="800" dirty="0"/>
+          </a:p>
+          <a:p>
+            <a:endParaRPr lang="en-US" sz="800" dirty="0"/>
+          </a:p>
+          <a:p>
+            <a:r>
+              <a:rPr lang="en-US" sz="800" dirty="0"/>
+              <a:t>public class Computer {</a:t>
+            </a:r>
+          </a:p>
+          <a:p>
+            <a:r>
+              <a:rPr lang="en-US" sz="800" dirty="0"/>
+              <a:t>	</a:t>
+            </a:r>
+          </a:p>
+          <a:p>
+            <a:r>
+              <a:rPr lang="en-US" sz="800" dirty="0"/>
+              <a:t>                   //required parameters</a:t>
+            </a:r>
+          </a:p>
+          <a:p>
+            <a:r>
+              <a:rPr lang="en-US" sz="800" dirty="0"/>
+              <a:t>                   private String HDD;</a:t>
+            </a:r>
+          </a:p>
+          <a:p>
+            <a:r>
+              <a:rPr lang="en-US" sz="800" dirty="0"/>
+              <a:t>                   private String RAM;</a:t>
+            </a:r>
+          </a:p>
+          <a:p>
+            <a:r>
+              <a:rPr lang="en-US" sz="800" dirty="0"/>
+              <a:t>	</a:t>
+            </a:r>
+          </a:p>
+          <a:p>
+            <a:r>
+              <a:rPr lang="en-US" sz="800" dirty="0"/>
+              <a:t>                   //optional parameters</a:t>
+            </a:r>
+          </a:p>
+          <a:p>
+            <a:r>
+              <a:rPr lang="en-US" sz="800" dirty="0"/>
+              <a:t>                   private </a:t>
+            </a:r>
+            <a:r>
+              <a:rPr lang="en-US" sz="800" dirty="0" err="1"/>
+              <a:t>boolean</a:t>
+            </a:r>
+            <a:r>
+              <a:rPr lang="en-US" sz="800" dirty="0"/>
+              <a:t> </a:t>
+            </a:r>
+            <a:r>
+              <a:rPr lang="en-US" sz="800" dirty="0" err="1"/>
+              <a:t>isGraphicsCardEnabled</a:t>
+            </a:r>
+            <a:r>
+              <a:rPr lang="en-US" sz="800" dirty="0"/>
+              <a:t>;</a:t>
+            </a:r>
+          </a:p>
+          <a:p>
+            <a:r>
+              <a:rPr lang="en-US" sz="800" dirty="0"/>
+              <a:t>                   private </a:t>
+            </a:r>
+            <a:r>
+              <a:rPr lang="en-US" sz="800" dirty="0" err="1"/>
+              <a:t>boolean</a:t>
+            </a:r>
+            <a:r>
+              <a:rPr lang="en-US" sz="800" dirty="0"/>
+              <a:t> </a:t>
+            </a:r>
+            <a:r>
+              <a:rPr lang="en-US" sz="800" dirty="0" err="1"/>
+              <a:t>isBluetoothEnabled</a:t>
+            </a:r>
+            <a:r>
+              <a:rPr lang="en-US" sz="800" dirty="0"/>
+              <a:t>;</a:t>
+            </a:r>
+          </a:p>
+          <a:p>
+            <a:r>
+              <a:rPr lang="en-US" sz="800" dirty="0"/>
+              <a:t>	</a:t>
+            </a:r>
+          </a:p>
+          <a:p>
+            <a:r>
+              <a:rPr lang="en-US" sz="800" dirty="0"/>
+              <a:t>                   public String </a:t>
+            </a:r>
+            <a:r>
+              <a:rPr lang="en-US" sz="800" dirty="0" err="1"/>
+              <a:t>getHDD</a:t>
+            </a:r>
+            <a:r>
+              <a:rPr lang="en-US" sz="800" dirty="0"/>
+              <a:t>() {</a:t>
+            </a:r>
+          </a:p>
+          <a:p>
+            <a:r>
+              <a:rPr lang="en-US" sz="800" dirty="0"/>
+              <a:t>                             return HDD;</a:t>
+            </a:r>
+          </a:p>
+          <a:p>
+            <a:r>
+              <a:rPr lang="en-US" sz="800" dirty="0"/>
+              <a:t>                   }</a:t>
+            </a:r>
+          </a:p>
+          <a:p>
+            <a:endParaRPr lang="en-US" sz="800" dirty="0"/>
+          </a:p>
+          <a:p>
+            <a:r>
+              <a:rPr lang="en-US" sz="800" dirty="0"/>
+              <a:t>                   public String </a:t>
+            </a:r>
+            <a:r>
+              <a:rPr lang="en-US" sz="800" dirty="0" err="1"/>
+              <a:t>getRAM</a:t>
+            </a:r>
+            <a:r>
+              <a:rPr lang="en-US" sz="800" dirty="0"/>
+              <a:t>() {</a:t>
+            </a:r>
+          </a:p>
+          <a:p>
+            <a:r>
+              <a:rPr lang="en-US" sz="800" dirty="0"/>
+              <a:t>                              return RAM;</a:t>
+            </a:r>
+          </a:p>
+          <a:p>
+            <a:r>
+              <a:rPr lang="en-US" sz="800" dirty="0"/>
+              <a:t>                   }</a:t>
+            </a:r>
+          </a:p>
+          <a:p>
+            <a:endParaRPr lang="en-US" sz="800" dirty="0"/>
+          </a:p>
+          <a:p>
+            <a:r>
+              <a:rPr lang="en-US" sz="800" dirty="0"/>
+              <a:t>                    public </a:t>
+            </a:r>
+            <a:r>
+              <a:rPr lang="en-US" sz="800" dirty="0" err="1"/>
+              <a:t>boolean</a:t>
+            </a:r>
+            <a:r>
+              <a:rPr lang="en-US" sz="800" dirty="0"/>
+              <a:t> </a:t>
+            </a:r>
+            <a:r>
+              <a:rPr lang="en-US" sz="800" dirty="0" err="1"/>
+              <a:t>isGraphicsCardEnabled</a:t>
+            </a:r>
+            <a:r>
+              <a:rPr lang="en-US" sz="800" dirty="0"/>
+              <a:t>() {</a:t>
+            </a:r>
+          </a:p>
+          <a:p>
+            <a:r>
+              <a:rPr lang="en-US" sz="800" dirty="0"/>
+              <a:t>                                   return </a:t>
+            </a:r>
+            <a:r>
+              <a:rPr lang="en-US" sz="800" dirty="0" err="1"/>
+              <a:t>isGraphicsCardEnabled</a:t>
+            </a:r>
+            <a:r>
+              <a:rPr lang="en-US" sz="800" dirty="0"/>
+              <a:t>;</a:t>
+            </a:r>
+          </a:p>
+          <a:p>
+            <a:r>
+              <a:rPr lang="en-US" sz="800" dirty="0"/>
+              <a:t>                    }</a:t>
+            </a:r>
+          </a:p>
+          <a:p>
+            <a:endParaRPr lang="en-US" sz="800" dirty="0"/>
+          </a:p>
+          <a:p>
+            <a:r>
+              <a:rPr lang="en-US" sz="800" dirty="0"/>
+              <a:t>                    public </a:t>
+            </a:r>
+            <a:r>
+              <a:rPr lang="en-US" sz="800" dirty="0" err="1"/>
+              <a:t>boolean</a:t>
+            </a:r>
+            <a:r>
+              <a:rPr lang="en-US" sz="800" dirty="0"/>
+              <a:t> </a:t>
+            </a:r>
+            <a:r>
+              <a:rPr lang="en-US" sz="800" dirty="0" err="1"/>
+              <a:t>isBluetoothEnabled</a:t>
+            </a:r>
+            <a:r>
+              <a:rPr lang="en-US" sz="800" dirty="0"/>
+              <a:t>() {</a:t>
+            </a:r>
+          </a:p>
+          <a:p>
+            <a:r>
+              <a:rPr lang="en-US" sz="800" dirty="0"/>
+              <a:t>                                   return </a:t>
+            </a:r>
+            <a:r>
+              <a:rPr lang="en-US" sz="800" dirty="0" err="1"/>
+              <a:t>isBluetoothEnabled</a:t>
+            </a:r>
+            <a:r>
+              <a:rPr lang="en-US" sz="800" dirty="0"/>
+              <a:t>;</a:t>
+            </a:r>
+          </a:p>
+          <a:p>
+            <a:r>
+              <a:rPr lang="en-US" sz="800" dirty="0"/>
+              <a:t>                    }</a:t>
+            </a:r>
+          </a:p>
+          <a:p>
+            <a:r>
+              <a:rPr lang="en-US" sz="800" dirty="0"/>
+              <a:t>	</a:t>
+            </a:r>
+          </a:p>
+        </p:txBody>
+      </p:sp>
+      <p:sp>
+        <p:nvSpPr>
+          <p:cNvPr id="14" name="Rectangle 13">
+            <a:extLst>
+              <a:ext uri="{FF2B5EF4-FFF2-40B4-BE49-F238E27FC236}">
+                <a16:creationId xmlns:a16="http://schemas.microsoft.com/office/drawing/2014/main" id="{3219590B-89C7-4000-8AAC-6263AE160189}"/>
+              </a:ext>
+            </a:extLst>
+          </p:cNvPr>
+          <p:cNvSpPr/>
           <p:nvPr/>
         </p:nvSpPr>
         <p:spPr>
           <a:xfrm>
-            <a:off x="545232" y="1999185"/>
-            <a:ext cx="6524162" cy="3139321"/>
-          </a:xfrm>
-          <a:prstGeom prst="rect">
-            <a:avLst/>
-          </a:prstGeom>
-          <a:noFill/>
-        </p:spPr>
-        <p:txBody>
-          <a:bodyPr wrap="square" rtlCol="0">
-            <a:spAutoFit/>
-          </a:bodyPr>
-          <a:lstStyle/>
-          <a:p>
-            <a:pPr>
-              <a:buFont typeface="Wingdings" panose="05000000000000000000" pitchFamily="2" charset="2"/>
-              <a:buChar char="Ø"/>
-            </a:pPr>
-            <a:r>
-              <a:rPr lang="en-US" dirty="0"/>
-              <a:t>The problem with this solution is, it may be expensive.</a:t>
-            </a:r>
-          </a:p>
-          <a:p>
-            <a:endParaRPr lang="en-US" dirty="0"/>
-          </a:p>
-          <a:p>
-            <a:pPr>
-              <a:buFont typeface="Wingdings" panose="05000000000000000000" pitchFamily="2" charset="2"/>
-              <a:buChar char="Ø"/>
-            </a:pPr>
-            <a:r>
-              <a:rPr lang="en-US" dirty="0"/>
-              <a:t>Each access to the Singleton requires acquisition of a lock, but in reality, we need a lock only when initializing instance. </a:t>
-            </a:r>
-          </a:p>
-          <a:p>
-            <a:endParaRPr lang="en-US" dirty="0"/>
-          </a:p>
-          <a:p>
-            <a:pPr>
-              <a:buFont typeface="Wingdings" panose="05000000000000000000" pitchFamily="2" charset="2"/>
-              <a:buChar char="Ø"/>
-            </a:pPr>
-            <a:r>
-              <a:rPr lang="en-US" dirty="0"/>
-              <a:t>That should occur only the first time instance is called. If instance is called n times during the course of a program run, we need the lock only for the first call. To solve this problem, instead of synchronizing the entire method, the below code only synchronizes the critical code.</a:t>
-            </a:r>
-          </a:p>
-          <a:p>
-            <a:endParaRPr lang="en-US" dirty="0"/>
-          </a:p>
-        </p:txBody>
-      </p:sp>
-      <p:sp>
-        <p:nvSpPr>
-          <p:cNvPr id="11" name="Rectangle 10">
-            <a:extLst>
-              <a:ext uri="{FF2B5EF4-FFF2-40B4-BE49-F238E27FC236}">
-                <a16:creationId xmlns:a16="http://schemas.microsoft.com/office/drawing/2014/main" id="{50A3322D-2C83-42B5-8CC6-C43A139A25E3}"/>
-              </a:ext>
-            </a:extLst>
-          </p:cNvPr>
-          <p:cNvSpPr/>
-          <p:nvPr/>
-        </p:nvSpPr>
-        <p:spPr>
-          <a:xfrm>
-            <a:off x="7368843" y="4015642"/>
-            <a:ext cx="3688080" cy="2677656"/>
+            <a:off x="3595126" y="2970415"/>
+            <a:ext cx="3474268" cy="3046988"/>
           </a:xfrm>
           <a:prstGeom prst="rect">
             <a:avLst/>
@@ -4243,151 +4722,469 @@
           </a:bodyPr>
           <a:lstStyle/>
           <a:p>
-            <a:r>
-              <a:rPr lang="en-US" sz="1200" dirty="0"/>
-              <a:t>public class Singleton{</a:t>
-            </a:r>
-          </a:p>
-          <a:p>
-            <a:r>
-              <a:rPr lang="en-US" sz="1200" dirty="0"/>
-              <a:t>          private static Singleton instance;</a:t>
-            </a:r>
-          </a:p>
-          <a:p>
-            <a:endParaRPr lang="en-US" sz="1200" dirty="0"/>
-          </a:p>
-          <a:p>
-            <a:r>
-              <a:rPr lang="en-US" sz="1200" dirty="0"/>
-              <a:t>          private Singleton(){}</a:t>
-            </a:r>
-          </a:p>
-          <a:p>
-            <a:endParaRPr lang="en-US" sz="1200" dirty="0"/>
-          </a:p>
-          <a:p>
-            <a:r>
-              <a:rPr lang="en-US" sz="1200" dirty="0"/>
-              <a:t>          public  static Singleton getInstance(){</a:t>
-            </a:r>
-          </a:p>
-          <a:p>
-            <a:r>
-              <a:rPr lang="en-US" sz="1200" dirty="0"/>
-              <a:t>                  if(instance == null){</a:t>
-            </a:r>
-          </a:p>
-          <a:p>
-            <a:r>
-              <a:rPr lang="en-US" sz="1200" dirty="0"/>
-              <a:t>                          synchronized (Singleton.class){</a:t>
-            </a:r>
-          </a:p>
-          <a:p>
-            <a:r>
-              <a:rPr lang="en-US" sz="1200" dirty="0"/>
-              <a:t>                                   instance == new Singleton();</a:t>
-            </a:r>
-          </a:p>
-          <a:p>
-            <a:r>
-              <a:rPr lang="en-US" sz="1200" dirty="0"/>
-              <a:t>                         }</a:t>
-            </a:r>
-          </a:p>
-          <a:p>
-            <a:r>
-              <a:rPr lang="en-US" sz="1200" dirty="0"/>
-              <a:t>                  }</a:t>
-            </a:r>
-          </a:p>
-          <a:p>
-            <a:r>
-              <a:rPr lang="en-US" sz="1200" dirty="0"/>
-              <a:t>                  return instance;</a:t>
-            </a:r>
-          </a:p>
-          <a:p>
-            <a:r>
-              <a:rPr lang="en-US" sz="1200" dirty="0"/>
-              <a:t>          }</a:t>
-            </a:r>
-          </a:p>
-          <a:p>
-            <a:r>
-              <a:rPr lang="en-US" sz="1200" dirty="0"/>
+            <a:endParaRPr lang="en-US" sz="800" dirty="0"/>
+          </a:p>
+          <a:p>
+            <a:r>
+              <a:rPr lang="en-US" sz="800" dirty="0"/>
+              <a:t>	</a:t>
+            </a:r>
+          </a:p>
+          <a:p>
+            <a:r>
+              <a:rPr lang="en-US" sz="800" dirty="0"/>
+              <a:t>private Computer(ComputerBuilder builder) {</a:t>
+            </a:r>
+          </a:p>
+          <a:p>
+            <a:r>
+              <a:rPr lang="en-US" sz="800" dirty="0"/>
+              <a:t>                      </a:t>
+            </a:r>
+            <a:r>
+              <a:rPr lang="en-US" sz="800" dirty="0" err="1"/>
+              <a:t>this.HDD</a:t>
+            </a:r>
+            <a:r>
+              <a:rPr lang="en-US" sz="800" dirty="0"/>
+              <a:t>=</a:t>
+            </a:r>
+            <a:r>
+              <a:rPr lang="en-US" sz="800" dirty="0" err="1"/>
+              <a:t>builder.HDD</a:t>
+            </a:r>
+            <a:r>
+              <a:rPr lang="en-US" sz="800" dirty="0"/>
+              <a:t>;</a:t>
+            </a:r>
+          </a:p>
+          <a:p>
+            <a:r>
+              <a:rPr lang="en-US" sz="800" dirty="0"/>
+              <a:t>                      </a:t>
+            </a:r>
+            <a:r>
+              <a:rPr lang="en-US" sz="800" dirty="0" err="1"/>
+              <a:t>this.RAM</a:t>
+            </a:r>
+            <a:r>
+              <a:rPr lang="en-US" sz="800" dirty="0"/>
+              <a:t>=</a:t>
+            </a:r>
+            <a:r>
+              <a:rPr lang="en-US" sz="800" dirty="0" err="1"/>
+              <a:t>builder.RAM</a:t>
+            </a:r>
+            <a:r>
+              <a:rPr lang="en-US" sz="800" dirty="0"/>
+              <a:t>;</a:t>
+            </a:r>
+          </a:p>
+          <a:p>
+            <a:r>
+              <a:rPr lang="en-US" sz="800" dirty="0"/>
+              <a:t>                      </a:t>
+            </a:r>
+            <a:r>
+              <a:rPr lang="en-US" sz="800" dirty="0" err="1"/>
+              <a:t>this.isGraphicsCardEnabled</a:t>
+            </a:r>
+            <a:r>
+              <a:rPr lang="en-US" sz="800" dirty="0"/>
+              <a:t>=</a:t>
+            </a:r>
+            <a:r>
+              <a:rPr lang="en-US" sz="800" dirty="0" err="1"/>
+              <a:t>builder.isGraphicsCardEnabled</a:t>
+            </a:r>
+            <a:r>
+              <a:rPr lang="en-US" sz="800" dirty="0"/>
+              <a:t>;</a:t>
+            </a:r>
+          </a:p>
+          <a:p>
+            <a:r>
+              <a:rPr lang="en-US" sz="800" dirty="0"/>
+              <a:t>                      </a:t>
+            </a:r>
+            <a:r>
+              <a:rPr lang="en-US" sz="800" dirty="0" err="1"/>
+              <a:t>this.isBluetoothEnabled</a:t>
+            </a:r>
+            <a:r>
+              <a:rPr lang="en-US" sz="800" dirty="0"/>
+              <a:t>=</a:t>
+            </a:r>
+            <a:r>
+              <a:rPr lang="en-US" sz="800" dirty="0" err="1"/>
+              <a:t>builder.isBluetoothEnabled</a:t>
+            </a:r>
+            <a:r>
+              <a:rPr lang="en-US" sz="800" dirty="0"/>
+              <a:t>;</a:t>
+            </a:r>
+          </a:p>
+          <a:p>
+            <a:r>
+              <a:rPr lang="en-US" sz="800" dirty="0"/>
               <a:t>}</a:t>
             </a:r>
           </a:p>
-        </p:txBody>
-      </p:sp>
-      <p:sp>
-        <p:nvSpPr>
-          <p:cNvPr id="12" name="TextBox 11">
-            <a:extLst>
-              <a:ext uri="{FF2B5EF4-FFF2-40B4-BE49-F238E27FC236}">
-                <a16:creationId xmlns:a16="http://schemas.microsoft.com/office/drawing/2014/main" id="{F5FCB6EB-7A1E-4AC4-8E95-7B658FCE3392}"/>
-              </a:ext>
-            </a:extLst>
-          </p:cNvPr>
-          <p:cNvSpPr txBox="1"/>
+          <a:p>
+            <a:r>
+              <a:rPr lang="en-US" sz="800" dirty="0"/>
+              <a:t>	</a:t>
+            </a:r>
+          </a:p>
+          <a:p>
+            <a:r>
+              <a:rPr lang="en-US" sz="800" dirty="0"/>
+              <a:t>//Builder Class</a:t>
+            </a:r>
+          </a:p>
+          <a:p>
+            <a:r>
+              <a:rPr lang="en-US" sz="800" dirty="0"/>
+              <a:t>public static class ComputerBuilder{</a:t>
+            </a:r>
+          </a:p>
+          <a:p>
+            <a:endParaRPr lang="en-US" sz="800" dirty="0"/>
+          </a:p>
+          <a:p>
+            <a:r>
+              <a:rPr lang="en-US" sz="800" dirty="0"/>
+              <a:t>                       // required parameters</a:t>
+            </a:r>
+          </a:p>
+          <a:p>
+            <a:r>
+              <a:rPr lang="en-US" sz="800" dirty="0"/>
+              <a:t>                      private String HDD;</a:t>
+            </a:r>
+          </a:p>
+          <a:p>
+            <a:r>
+              <a:rPr lang="en-US" sz="800" dirty="0"/>
+              <a:t>                       private String RAM;</a:t>
+            </a:r>
+          </a:p>
+          <a:p>
+            <a:endParaRPr lang="en-US" sz="800" dirty="0"/>
+          </a:p>
+          <a:p>
+            <a:r>
+              <a:rPr lang="en-US" sz="800" dirty="0"/>
+              <a:t>                       // optional parameters</a:t>
+            </a:r>
+          </a:p>
+          <a:p>
+            <a:r>
+              <a:rPr lang="en-US" sz="800" dirty="0"/>
+              <a:t>                        private </a:t>
+            </a:r>
+            <a:r>
+              <a:rPr lang="en-US" sz="800" dirty="0" err="1"/>
+              <a:t>boolean</a:t>
+            </a:r>
+            <a:r>
+              <a:rPr lang="en-US" sz="800" dirty="0"/>
+              <a:t> </a:t>
+            </a:r>
+            <a:r>
+              <a:rPr lang="en-US" sz="800" dirty="0" err="1"/>
+              <a:t>isGraphicsCardEnabled</a:t>
+            </a:r>
+            <a:r>
+              <a:rPr lang="en-US" sz="800" dirty="0"/>
+              <a:t>;</a:t>
+            </a:r>
+          </a:p>
+          <a:p>
+            <a:r>
+              <a:rPr lang="en-US" sz="800" dirty="0"/>
+              <a:t>                        private </a:t>
+            </a:r>
+            <a:r>
+              <a:rPr lang="en-US" sz="800" dirty="0" err="1"/>
+              <a:t>boolean</a:t>
+            </a:r>
+            <a:r>
+              <a:rPr lang="en-US" sz="800" dirty="0"/>
+              <a:t> </a:t>
+            </a:r>
+            <a:r>
+              <a:rPr lang="en-US" sz="800" dirty="0" err="1"/>
+              <a:t>isBluetoothEnabled</a:t>
+            </a:r>
+            <a:r>
+              <a:rPr lang="en-US" sz="800" dirty="0"/>
+              <a:t>;</a:t>
+            </a:r>
+          </a:p>
+          <a:p>
+            <a:r>
+              <a:rPr lang="en-US" sz="800" dirty="0"/>
+              <a:t>		</a:t>
+            </a:r>
+          </a:p>
+          <a:p>
+            <a:r>
+              <a:rPr lang="en-US" sz="800" dirty="0"/>
+              <a:t>public ComputerBuilder(String </a:t>
+            </a:r>
+            <a:r>
+              <a:rPr lang="en-US" sz="800" dirty="0" err="1"/>
+              <a:t>hdd</a:t>
+            </a:r>
+            <a:r>
+              <a:rPr lang="en-US" sz="800" dirty="0"/>
+              <a:t>, String ram){</a:t>
+            </a:r>
+          </a:p>
+          <a:p>
+            <a:r>
+              <a:rPr lang="en-US" sz="800" dirty="0"/>
+              <a:t>                         </a:t>
+            </a:r>
+            <a:r>
+              <a:rPr lang="en-US" sz="800" dirty="0" err="1"/>
+              <a:t>this.HDD</a:t>
+            </a:r>
+            <a:r>
+              <a:rPr lang="en-US" sz="800" dirty="0"/>
+              <a:t>=</a:t>
+            </a:r>
+            <a:r>
+              <a:rPr lang="en-US" sz="800" dirty="0" err="1"/>
+              <a:t>hdd</a:t>
+            </a:r>
+            <a:r>
+              <a:rPr lang="en-US" sz="800" dirty="0"/>
+              <a:t>;</a:t>
+            </a:r>
+          </a:p>
+          <a:p>
+            <a:r>
+              <a:rPr lang="en-US" sz="800" dirty="0"/>
+              <a:t>                         </a:t>
+            </a:r>
+            <a:r>
+              <a:rPr lang="en-US" sz="800" dirty="0" err="1"/>
+              <a:t>this.RAM</a:t>
+            </a:r>
+            <a:r>
+              <a:rPr lang="en-US" sz="800" dirty="0"/>
+              <a:t>=ram;</a:t>
+            </a:r>
+          </a:p>
+          <a:p>
+            <a:r>
+              <a:rPr lang="en-US" sz="800" dirty="0"/>
+              <a:t>}</a:t>
+            </a:r>
+          </a:p>
+        </p:txBody>
+      </p:sp>
+      <p:sp>
+        <p:nvSpPr>
+          <p:cNvPr id="15" name="Rectangle 14">
+            <a:extLst>
+              <a:ext uri="{FF2B5EF4-FFF2-40B4-BE49-F238E27FC236}">
+                <a16:creationId xmlns:a16="http://schemas.microsoft.com/office/drawing/2014/main" id="{D8213D38-8D59-4C7D-8700-F7BE87ABC4B3}"/>
+              </a:ext>
+            </a:extLst>
+          </p:cNvPr>
+          <p:cNvSpPr/>
           <p:nvPr/>
         </p:nvSpPr>
         <p:spPr>
           <a:xfrm>
-            <a:off x="11075027" y="2129814"/>
-            <a:ext cx="868964" cy="400110"/>
+            <a:off x="7588615" y="3096032"/>
+            <a:ext cx="3997565" cy="2277547"/>
           </a:xfrm>
           <a:prstGeom prst="rect">
             <a:avLst/>
           </a:prstGeom>
-          <a:noFill/>
+          <a:ln>
+            <a:solidFill>
+              <a:schemeClr val="accent1"/>
+            </a:solidFill>
+          </a:ln>
         </p:spPr>
         <p:txBody>
-          <a:bodyPr wrap="square" rtlCol="0">
+          <a:bodyPr wrap="square">
             <a:spAutoFit/>
           </a:bodyPr>
           <a:lstStyle/>
           <a:p>
             <a:r>
-              <a:rPr lang="en-US" sz="1000" dirty="0"/>
-              <a:t>Method synchronized</a:t>
-            </a:r>
-          </a:p>
-        </p:txBody>
-      </p:sp>
-      <p:sp>
-        <p:nvSpPr>
-          <p:cNvPr id="13" name="TextBox 12">
-            <a:extLst>
-              <a:ext uri="{FF2B5EF4-FFF2-40B4-BE49-F238E27FC236}">
-                <a16:creationId xmlns:a16="http://schemas.microsoft.com/office/drawing/2014/main" id="{91CB68BE-BA2D-42A6-B222-6FFB87CF4FCF}"/>
-              </a:ext>
-            </a:extLst>
-          </p:cNvPr>
-          <p:cNvSpPr txBox="1"/>
-          <p:nvPr/>
-        </p:nvSpPr>
-        <p:spPr>
-          <a:xfrm>
-            <a:off x="11170632" y="5156049"/>
-            <a:ext cx="868964" cy="400110"/>
-          </a:xfrm>
-          <a:prstGeom prst="rect">
-            <a:avLst/>
-          </a:prstGeom>
-          <a:noFill/>
-        </p:spPr>
-        <p:txBody>
-          <a:bodyPr wrap="square" rtlCol="0">
-            <a:spAutoFit/>
-          </a:bodyPr>
-          <a:lstStyle/>
-          <a:p>
-            <a:r>
-              <a:rPr lang="en-US" sz="1000" dirty="0"/>
-              <a:t>Block synchronized</a:t>
+              <a:rPr lang="en-US" sz="800" dirty="0"/>
+              <a:t>                public ComputerBuilder </a:t>
+            </a:r>
+            <a:r>
+              <a:rPr lang="en-US" sz="800" dirty="0" err="1"/>
+              <a:t>setGraphicsCardEnabled</a:t>
+            </a:r>
+            <a:r>
+              <a:rPr lang="en-US" sz="800" dirty="0"/>
+              <a:t>(</a:t>
+            </a:r>
+            <a:r>
+              <a:rPr lang="en-US" sz="800" dirty="0" err="1"/>
+              <a:t>boolean</a:t>
+            </a:r>
+            <a:r>
+              <a:rPr lang="en-US" sz="800" dirty="0"/>
+              <a:t> </a:t>
+            </a:r>
+            <a:r>
+              <a:rPr lang="en-US" sz="800" dirty="0" err="1"/>
+              <a:t>isGraphicsCardEnabled</a:t>
+            </a:r>
+            <a:r>
+              <a:rPr lang="en-US" sz="800" dirty="0"/>
+              <a:t>) {</a:t>
+            </a:r>
+          </a:p>
+          <a:p>
+            <a:r>
+              <a:rPr lang="en-US" sz="800" dirty="0"/>
+              <a:t>                             </a:t>
+            </a:r>
+            <a:r>
+              <a:rPr lang="en-US" sz="800" dirty="0" err="1"/>
+              <a:t>this.isGraphicsCardEnabled</a:t>
+            </a:r>
+            <a:r>
+              <a:rPr lang="en-US" sz="800" dirty="0"/>
+              <a:t> = </a:t>
+            </a:r>
+            <a:r>
+              <a:rPr lang="en-US" sz="800" dirty="0" err="1"/>
+              <a:t>isGraphicsCardEnabled</a:t>
+            </a:r>
+            <a:r>
+              <a:rPr lang="en-US" sz="800" dirty="0"/>
+              <a:t>;</a:t>
+            </a:r>
+          </a:p>
+          <a:p>
+            <a:r>
+              <a:rPr lang="en-US" sz="800" dirty="0"/>
+              <a:t>                             return this</a:t>
+            </a:r>
+          </a:p>
+          <a:p>
+            <a:r>
+              <a:rPr lang="en-US" sz="800" dirty="0"/>
+              <a:t>                 }</a:t>
+            </a:r>
+          </a:p>
+          <a:p>
+            <a:endParaRPr lang="en-US" sz="800" dirty="0"/>
+          </a:p>
+          <a:p>
+            <a:r>
+              <a:rPr lang="en-US" sz="800" dirty="0"/>
+              <a:t>                 public ComputerBuilder </a:t>
+            </a:r>
+            <a:r>
+              <a:rPr lang="en-US" sz="800" dirty="0" err="1"/>
+              <a:t>setBluetoothEnabled</a:t>
+            </a:r>
+            <a:r>
+              <a:rPr lang="en-US" sz="800" dirty="0"/>
+              <a:t>(</a:t>
+            </a:r>
+            <a:r>
+              <a:rPr lang="en-US" sz="800" dirty="0" err="1"/>
+              <a:t>boolean</a:t>
+            </a:r>
+            <a:r>
+              <a:rPr lang="en-US" sz="800" dirty="0"/>
+              <a:t> </a:t>
+            </a:r>
+            <a:r>
+              <a:rPr lang="en-US" sz="800" dirty="0" err="1"/>
+              <a:t>isBluetoothEnabled</a:t>
+            </a:r>
+            <a:r>
+              <a:rPr lang="en-US" sz="800" dirty="0"/>
+              <a:t>) {</a:t>
+            </a:r>
+          </a:p>
+          <a:p>
+            <a:r>
+              <a:rPr lang="en-US" sz="800" dirty="0"/>
+              <a:t>                            </a:t>
+            </a:r>
+            <a:r>
+              <a:rPr lang="en-US" sz="800" dirty="0" err="1"/>
+              <a:t>this.isBluetoothEnabled</a:t>
+            </a:r>
+            <a:r>
+              <a:rPr lang="en-US" sz="800" dirty="0"/>
+              <a:t> = </a:t>
+            </a:r>
+            <a:r>
+              <a:rPr lang="en-US" sz="800" dirty="0" err="1"/>
+              <a:t>isBluetoothEnabled</a:t>
+            </a:r>
+            <a:r>
+              <a:rPr lang="en-US" sz="800" dirty="0"/>
+              <a:t>;</a:t>
+            </a:r>
+          </a:p>
+          <a:p>
+            <a:r>
+              <a:rPr lang="en-US" sz="800" dirty="0"/>
+              <a:t>                            return this;</a:t>
+            </a:r>
+          </a:p>
+          <a:p>
+            <a:endParaRPr lang="en-US" sz="1400" dirty="0"/>
+          </a:p>
+          <a:p>
+            <a:r>
+              <a:rPr lang="en-US" sz="800" dirty="0"/>
+              <a:t>		</a:t>
+            </a:r>
+          </a:p>
+          <a:p>
+            <a:r>
+              <a:rPr lang="en-US" sz="800" dirty="0"/>
+              <a:t>                 public Computer build(){</a:t>
+            </a:r>
+          </a:p>
+          <a:p>
+            <a:r>
+              <a:rPr lang="en-US" sz="800" dirty="0"/>
+              <a:t>                          return new Computer(this);</a:t>
+            </a:r>
+          </a:p>
+          <a:p>
+            <a:r>
+              <a:rPr lang="en-US" sz="800" dirty="0"/>
+              <a:t>                  }</a:t>
+            </a:r>
+          </a:p>
+          <a:p>
+            <a:endParaRPr lang="en-US" sz="800" dirty="0"/>
+          </a:p>
+          <a:p>
+            <a:r>
+              <a:rPr lang="en-US" sz="800" dirty="0"/>
+              <a:t>        }</a:t>
+            </a:r>
+          </a:p>
+          <a:p>
+            <a:endParaRPr lang="en-US" sz="800" dirty="0"/>
+          </a:p>
+          <a:p>
+            <a:r>
+              <a:rPr lang="en-US" sz="800" dirty="0"/>
+              <a:t>}</a:t>
             </a:r>
           </a:p>
         </p:txBody>
@@ -4395,7 +5192,7 @@
     </p:spTree>
     <p:extLst>
       <p:ext uri="{BB962C8B-B14F-4D97-AF65-F5344CB8AC3E}">
-        <p14:creationId xmlns:p14="http://schemas.microsoft.com/office/powerpoint/2010/main" val="2626221365"/>
+        <p14:creationId xmlns:p14="http://schemas.microsoft.com/office/powerpoint/2010/main" val="1776447827"/>
       </p:ext>
     </p:extLst>
   </p:cSld>
@@ -4424,10 +5221,148 @@
       </p:grpSpPr>
       <p:sp>
         <p:nvSpPr>
-          <p:cNvPr id="4" name="Title 1">
-            <a:extLst>
-              <a:ext uri="{FF2B5EF4-FFF2-40B4-BE49-F238E27FC236}">
-                <a16:creationId xmlns:a16="http://schemas.microsoft.com/office/drawing/2014/main" id="{31A7CD71-6DB3-4264-A6E4-8F585C23706A}"/>
+          <p:cNvPr id="5" name="Rectangle 4">
+            <a:extLst>
+              <a:ext uri="{FF2B5EF4-FFF2-40B4-BE49-F238E27FC236}">
+                <a16:creationId xmlns:a16="http://schemas.microsoft.com/office/drawing/2014/main" id="{F2DFDC94-E97B-4250-B073-BC3BD05C17DD}"/>
+              </a:ext>
+            </a:extLst>
+          </p:cNvPr>
+          <p:cNvSpPr/>
+          <p:nvPr/>
+        </p:nvSpPr>
+        <p:spPr>
+          <a:xfrm>
+            <a:off x="326922" y="4831553"/>
+            <a:ext cx="8356810" cy="1785104"/>
+          </a:xfrm>
+          <a:prstGeom prst="rect">
+            <a:avLst/>
+          </a:prstGeom>
+          <a:ln>
+            <a:solidFill>
+              <a:schemeClr val="accent1"/>
+            </a:solidFill>
+          </a:ln>
+        </p:spPr>
+        <p:txBody>
+          <a:bodyPr wrap="square">
+            <a:spAutoFit/>
+          </a:bodyPr>
+          <a:lstStyle/>
+          <a:p>
+            <a:endParaRPr lang="en-US" sz="1000" dirty="0"/>
+          </a:p>
+          <a:p>
+            <a:r>
+              <a:rPr lang="en-US" sz="1000" dirty="0"/>
+              <a:t>import </a:t>
+            </a:r>
+            <a:r>
+              <a:rPr lang="en-US" sz="1000" dirty="0" err="1"/>
+              <a:t>com.journaldev.design.builder.Computer</a:t>
+            </a:r>
+            <a:r>
+              <a:rPr lang="en-US" sz="1000" dirty="0"/>
+              <a:t>;</a:t>
+            </a:r>
+          </a:p>
+          <a:p>
+            <a:endParaRPr lang="en-US" sz="1000" dirty="0"/>
+          </a:p>
+          <a:p>
+            <a:r>
+              <a:rPr lang="en-US" sz="1000" dirty="0"/>
+              <a:t>public class </a:t>
+            </a:r>
+            <a:r>
+              <a:rPr lang="en-US" sz="1000" dirty="0" err="1"/>
+              <a:t>TestBuilderPattern</a:t>
+            </a:r>
+            <a:r>
+              <a:rPr lang="en-US" sz="1000" dirty="0"/>
+              <a:t> {</a:t>
+            </a:r>
+          </a:p>
+          <a:p>
+            <a:endParaRPr lang="en-US" sz="1000" dirty="0"/>
+          </a:p>
+          <a:p>
+            <a:r>
+              <a:rPr lang="en-US" sz="1000" dirty="0"/>
+              <a:t>              public static void main(String[] </a:t>
+            </a:r>
+            <a:r>
+              <a:rPr lang="en-US" sz="1000" dirty="0" err="1"/>
+              <a:t>args</a:t>
+            </a:r>
+            <a:r>
+              <a:rPr lang="en-US" sz="1000" dirty="0"/>
+              <a:t>) {</a:t>
+            </a:r>
+          </a:p>
+          <a:p>
+            <a:r>
+              <a:rPr lang="en-US" sz="1000" dirty="0"/>
+              <a:t>                         //Using builder to get the object in a single line of code and </a:t>
+            </a:r>
+          </a:p>
+          <a:p>
+            <a:r>
+              <a:rPr lang="en-US" sz="1000" dirty="0"/>
+              <a:t>                         //without any inconsistent state or arguments management issues		</a:t>
+            </a:r>
+          </a:p>
+          <a:p>
+            <a:r>
+              <a:rPr lang="en-US" sz="1000" dirty="0"/>
+              <a:t>                         Computer comp = new </a:t>
+            </a:r>
+            <a:r>
+              <a:rPr lang="en-US" sz="1000" dirty="0" err="1"/>
+              <a:t>Computer.ComputerBuilder</a:t>
+            </a:r>
+            <a:r>
+              <a:rPr lang="en-US" sz="1000" dirty="0"/>
+              <a:t>("500 GB", "2 GB").</a:t>
+            </a:r>
+            <a:r>
+              <a:rPr lang="en-US" sz="1000" dirty="0" err="1"/>
+              <a:t>setBluetoothEnabled</a:t>
+            </a:r>
+            <a:r>
+              <a:rPr lang="en-US" sz="1000" dirty="0"/>
+              <a:t>(true).</a:t>
+            </a:r>
+            <a:r>
+              <a:rPr lang="en-US" sz="1000" dirty="0" err="1"/>
+              <a:t>setGraphicsCardEnabled</a:t>
+            </a:r>
+            <a:r>
+              <a:rPr lang="en-US" sz="1000" dirty="0"/>
+              <a:t>(true).build();</a:t>
+            </a:r>
+          </a:p>
+          <a:p>
+            <a:r>
+              <a:rPr lang="en-US" sz="1000" dirty="0"/>
+              <a:t>              }</a:t>
+            </a:r>
+          </a:p>
+          <a:p>
+            <a:r>
+              <a:rPr lang="en-US" sz="1000" dirty="0"/>
+              <a:t>}</a:t>
+            </a:r>
+          </a:p>
+        </p:txBody>
+      </p:sp>
+      <p:sp>
+        <p:nvSpPr>
+          <p:cNvPr id="6" name="Title 1">
+            <a:extLst>
+              <a:ext uri="{FF2B5EF4-FFF2-40B4-BE49-F238E27FC236}">
+                <a16:creationId xmlns:a16="http://schemas.microsoft.com/office/drawing/2014/main" id="{232E7658-327E-4F57-AB28-CC0614BDDBA9}"/>
               </a:ext>
             </a:extLst>
           </p:cNvPr>
@@ -4452,31 +5387,255 @@
           <a:p>
             <a:r>
               <a:rPr lang="en-US" sz="3200" i="1" u="sng" dirty="0"/>
-              <a:t>Singleton Design Pattern Continues…</a:t>
-            </a:r>
-          </a:p>
-        </p:txBody>
-      </p:sp>
-      <p:sp>
-        <p:nvSpPr>
-          <p:cNvPr id="5" name="Content Placeholder 2">
-            <a:extLst>
-              <a:ext uri="{FF2B5EF4-FFF2-40B4-BE49-F238E27FC236}">
-                <a16:creationId xmlns:a16="http://schemas.microsoft.com/office/drawing/2014/main" id="{1E2CC82E-EDCB-4517-BC3D-C318BAB4040C}"/>
-              </a:ext>
-            </a:extLst>
-          </p:cNvPr>
-          <p:cNvSpPr>
-            <a:spLocks noGrp="1"/>
-          </p:cNvSpPr>
-          <p:nvPr>
-            <p:ph idx="1"/>
-          </p:nvPr>
+              <a:t>Builder Design Pattern Continues…</a:t>
+            </a:r>
+          </a:p>
+        </p:txBody>
+      </p:sp>
+      <p:sp>
+        <p:nvSpPr>
+          <p:cNvPr id="7" name="TextBox 6">
+            <a:extLst>
+              <a:ext uri="{FF2B5EF4-FFF2-40B4-BE49-F238E27FC236}">
+                <a16:creationId xmlns:a16="http://schemas.microsoft.com/office/drawing/2014/main" id="{5535335F-5DFE-45D5-9352-C7B49337676B}"/>
+              </a:ext>
+            </a:extLst>
+          </p:cNvPr>
+          <p:cNvSpPr txBox="1"/>
+          <p:nvPr/>
         </p:nvSpPr>
         <p:spPr>
           <a:xfrm>
-            <a:off x="415412" y="894740"/>
-            <a:ext cx="11098161" cy="2123764"/>
+            <a:off x="2025181" y="6321019"/>
+            <a:ext cx="2160194" cy="369332"/>
+          </a:xfrm>
+          <a:prstGeom prst="rect">
+            <a:avLst/>
+          </a:prstGeom>
+          <a:noFill/>
+        </p:spPr>
+        <p:txBody>
+          <a:bodyPr wrap="square" rtlCol="0">
+            <a:spAutoFit/>
+          </a:bodyPr>
+          <a:lstStyle/>
+          <a:p>
+            <a:r>
+              <a:rPr lang="en-US" dirty="0"/>
+              <a:t>Test Program</a:t>
+            </a:r>
+          </a:p>
+        </p:txBody>
+      </p:sp>
+      <p:sp>
+        <p:nvSpPr>
+          <p:cNvPr id="8" name="TextBox 7">
+            <a:extLst>
+              <a:ext uri="{FF2B5EF4-FFF2-40B4-BE49-F238E27FC236}">
+                <a16:creationId xmlns:a16="http://schemas.microsoft.com/office/drawing/2014/main" id="{56915FD8-A71A-4CD0-8215-B033109D7CCB}"/>
+              </a:ext>
+            </a:extLst>
+          </p:cNvPr>
+          <p:cNvSpPr txBox="1"/>
+          <p:nvPr/>
+        </p:nvSpPr>
+        <p:spPr>
+          <a:xfrm>
+            <a:off x="454131" y="816209"/>
+            <a:ext cx="11623313" cy="2111098"/>
+          </a:xfrm>
+          <a:prstGeom prst="rect">
+            <a:avLst/>
+          </a:prstGeom>
+        </p:spPr>
+        <p:txBody>
+          <a:bodyPr vert="horz" lIns="91440" tIns="45720" rIns="91440" bIns="45720" rtlCol="0">
+            <a:normAutofit/>
+          </a:bodyPr>
+          <a:lstStyle>
+            <a:lvl1pPr marL="228600" indent="-228600">
+              <a:lnSpc>
+                <a:spcPct val="90000"/>
+              </a:lnSpc>
+              <a:spcBef>
+                <a:spcPts val="1000"/>
+              </a:spcBef>
+              <a:buFont typeface="Wingdings" panose="05000000000000000000" pitchFamily="2" charset="2"/>
+              <a:buChar char="Ø"/>
+              <a:defRPr sz="1400"/>
+            </a:lvl1pPr>
+            <a:lvl2pPr marL="685800" lvl="1" indent="-228600">
+              <a:lnSpc>
+                <a:spcPct val="90000"/>
+              </a:lnSpc>
+              <a:spcBef>
+                <a:spcPts val="500"/>
+              </a:spcBef>
+              <a:buFont typeface="Wingdings" panose="05000000000000000000" pitchFamily="2" charset="2"/>
+              <a:buChar char="Ø"/>
+              <a:defRPr sz="1400"/>
+            </a:lvl2pPr>
+            <a:lvl3pPr marL="1143000" indent="-228600">
+              <a:lnSpc>
+                <a:spcPct val="90000"/>
+              </a:lnSpc>
+              <a:spcBef>
+                <a:spcPts val="500"/>
+              </a:spcBef>
+              <a:buFont typeface="Arial" panose="020B0604020202020204" pitchFamily="34" charset="0"/>
+              <a:buChar char="•"/>
+              <a:defRPr sz="2000"/>
+            </a:lvl3pPr>
+            <a:lvl4pPr marL="1600200" indent="-228600">
+              <a:lnSpc>
+                <a:spcPct val="90000"/>
+              </a:lnSpc>
+              <a:spcBef>
+                <a:spcPts val="500"/>
+              </a:spcBef>
+              <a:buFont typeface="Arial" panose="020B0604020202020204" pitchFamily="34" charset="0"/>
+              <a:buChar char="•"/>
+            </a:lvl4pPr>
+            <a:lvl5pPr marL="2057400" indent="-228600">
+              <a:lnSpc>
+                <a:spcPct val="90000"/>
+              </a:lnSpc>
+              <a:spcBef>
+                <a:spcPts val="500"/>
+              </a:spcBef>
+              <a:buFont typeface="Arial" panose="020B0604020202020204" pitchFamily="34" charset="0"/>
+              <a:buChar char="•"/>
+            </a:lvl5pPr>
+            <a:lvl6pPr marL="2514600" indent="-228600">
+              <a:lnSpc>
+                <a:spcPct val="90000"/>
+              </a:lnSpc>
+              <a:spcBef>
+                <a:spcPts val="500"/>
+              </a:spcBef>
+              <a:buFont typeface="Arial" panose="020B0604020202020204" pitchFamily="34" charset="0"/>
+              <a:buChar char="•"/>
+            </a:lvl6pPr>
+            <a:lvl7pPr marL="2971800" indent="-228600">
+              <a:lnSpc>
+                <a:spcPct val="90000"/>
+              </a:lnSpc>
+              <a:spcBef>
+                <a:spcPts val="500"/>
+              </a:spcBef>
+              <a:buFont typeface="Arial" panose="020B0604020202020204" pitchFamily="34" charset="0"/>
+              <a:buChar char="•"/>
+            </a:lvl7pPr>
+            <a:lvl8pPr marL="3429000" indent="-228600">
+              <a:lnSpc>
+                <a:spcPct val="90000"/>
+              </a:lnSpc>
+              <a:spcBef>
+                <a:spcPts val="500"/>
+              </a:spcBef>
+              <a:buFont typeface="Arial" panose="020B0604020202020204" pitchFamily="34" charset="0"/>
+              <a:buChar char="•"/>
+            </a:lvl8pPr>
+            <a:lvl9pPr marL="3886200" indent="-228600">
+              <a:lnSpc>
+                <a:spcPct val="90000"/>
+              </a:lnSpc>
+              <a:spcBef>
+                <a:spcPts val="500"/>
+              </a:spcBef>
+              <a:buFont typeface="Arial" panose="020B0604020202020204" pitchFamily="34" charset="0"/>
+              <a:buChar char="•"/>
+            </a:lvl9pPr>
+          </a:lstStyle>
+          <a:p>
+            <a:r>
+              <a:rPr lang="en-US" dirty="0"/>
+              <a:t>Notice that Computer class has only getter methods and no public constructor. So the only way to get a Computer object is through the ComputerBuilder class.</a:t>
+            </a:r>
+          </a:p>
+          <a:p>
+            <a:r>
+              <a:rPr lang="en-US" dirty="0"/>
+              <a:t>Builder Design Pattern Example in JDK</a:t>
+            </a:r>
+          </a:p>
+          <a:p>
+            <a:pPr lvl="1"/>
+            <a:r>
+              <a:rPr lang="en-US" dirty="0" err="1"/>
+              <a:t>java.lang.StringBuilder#append</a:t>
+            </a:r>
+            <a:r>
+              <a:rPr lang="en-US" dirty="0"/>
+              <a:t>() (unsynchronized)</a:t>
+            </a:r>
+          </a:p>
+          <a:p>
+            <a:pPr lvl="1"/>
+            <a:r>
+              <a:rPr lang="en-US" dirty="0" err="1"/>
+              <a:t>java.lang.StringBuffer#append</a:t>
+            </a:r>
+            <a:r>
+              <a:rPr lang="en-US" dirty="0"/>
+              <a:t>() (synchronized)</a:t>
+            </a:r>
+          </a:p>
+          <a:p>
+            <a:endParaRPr lang="en-US" dirty="0"/>
+          </a:p>
+        </p:txBody>
+      </p:sp>
+    </p:spTree>
+    <p:extLst>
+      <p:ext uri="{BB962C8B-B14F-4D97-AF65-F5344CB8AC3E}">
+        <p14:creationId xmlns:p14="http://schemas.microsoft.com/office/powerpoint/2010/main" val="4094533458"/>
+      </p:ext>
+    </p:extLst>
+  </p:cSld>
+  <p:clrMapOvr>
+    <a:masterClrMapping/>
+  </p:clrMapOvr>
+</p:sld>
+</file>
+
+<file path=ppt/slides/slide6.xml><?xml version="1.0" encoding="utf-8"?>
+<p:sld xmlns:a="http://schemas.openxmlformats.org/drawingml/2006/main" xmlns:r="http://schemas.openxmlformats.org/officeDocument/2006/relationships" xmlns:p="http://schemas.openxmlformats.org/presentationml/2006/main">
+  <p:cSld>
+    <p:spTree>
+      <p:nvGrpSpPr>
+        <p:cNvPr id="1" name=""/>
+        <p:cNvGrpSpPr/>
+        <p:nvPr/>
+      </p:nvGrpSpPr>
+      <p:grpSpPr>
+        <a:xfrm>
+          <a:off x="0" y="0"/>
+          <a:ext cx="0" cy="0"/>
+          <a:chOff x="0" y="0"/>
+          <a:chExt cx="0" cy="0"/>
+        </a:xfrm>
+      </p:grpSpPr>
+      <p:sp>
+        <p:nvSpPr>
+          <p:cNvPr id="4" name="Title 1">
+            <a:extLst>
+              <a:ext uri="{FF2B5EF4-FFF2-40B4-BE49-F238E27FC236}">
+                <a16:creationId xmlns:a16="http://schemas.microsoft.com/office/drawing/2014/main" id="{83B271B0-9DDD-4C7D-858F-25772694BA68}"/>
+              </a:ext>
+            </a:extLst>
+          </p:cNvPr>
+          <p:cNvSpPr>
+            <a:spLocks noGrp="1"/>
+          </p:cNvSpPr>
+          <p:nvPr>
+            <p:ph type="title"/>
+          </p:nvPr>
+        </p:nvSpPr>
+        <p:spPr>
+          <a:xfrm>
+            <a:off x="326922" y="1336"/>
+            <a:ext cx="6742472" cy="893404"/>
           </a:xfrm>
         </p:spPr>
         <p:txBody>
@@ -4485,14 +5644,40 @@
           </a:bodyPr>
           <a:lstStyle/>
           <a:p>
-            <a:pPr marL="0" indent="0">
-              <a:buNone/>
-            </a:pPr>
-            <a:r>
-              <a:rPr lang="en-US" sz="1800" b="1" i="1" u="sng" dirty="0"/>
-              <a:t>Double-Checked Locking:</a:t>
-            </a:r>
-          </a:p>
+            <a:r>
+              <a:rPr lang="en-US" sz="3200" i="1" u="sng" dirty="0"/>
+              <a:t>Singleton Design Pattern</a:t>
+            </a:r>
+          </a:p>
+        </p:txBody>
+      </p:sp>
+      <p:sp>
+        <p:nvSpPr>
+          <p:cNvPr id="5" name="Content Placeholder 2">
+            <a:extLst>
+              <a:ext uri="{FF2B5EF4-FFF2-40B4-BE49-F238E27FC236}">
+                <a16:creationId xmlns:a16="http://schemas.microsoft.com/office/drawing/2014/main" id="{BD2DBB9E-C159-4DD1-BB1F-4C9C16FCCD9B}"/>
+              </a:ext>
+            </a:extLst>
+          </p:cNvPr>
+          <p:cNvSpPr>
+            <a:spLocks noGrp="1"/>
+          </p:cNvSpPr>
+          <p:nvPr>
+            <p:ph idx="1"/>
+          </p:nvPr>
+        </p:nvSpPr>
+        <p:spPr>
+          <a:xfrm>
+            <a:off x="415412" y="894739"/>
+            <a:ext cx="11098161" cy="2602151"/>
+          </a:xfrm>
+        </p:spPr>
+        <p:txBody>
+          <a:bodyPr>
+            <a:normAutofit/>
+          </a:bodyPr>
+          <a:lstStyle/>
           <a:p>
             <a:pPr>
               <a:buFont typeface="Wingdings" panose="05000000000000000000" pitchFamily="2" charset="2"/>
@@ -4500,7 +5685,7 @@
             </a:pPr>
             <a:r>
               <a:rPr lang="en-US" sz="1800" dirty="0"/>
-              <a:t>However the above code is not thread safe .</a:t>
+              <a:t>Singleton design pattern is used when we require only instance of the class throughout the application.</a:t>
             </a:r>
           </a:p>
           <a:p>
@@ -4510,7 +5695,7 @@
             </a:pPr>
             <a:r>
               <a:rPr lang="en-US" sz="1800" dirty="0"/>
-              <a:t>Consider the following scenario: Thread 1 enters the synchronized block, and, before it can assign the singleton member variable, the thread is preempted. Subsequently, another thread can enter the if block. The second thread will wait for the first thread to finish, but we will still wind up with two distinct singleton instances</a:t>
+              <a:t>The singleton class is instantiated at the time of first access and the same instance is used thereafter till the application quits.</a:t>
             </a:r>
           </a:p>
           <a:p>
@@ -4520,7 +5705,7 @@
             </a:pPr>
             <a:r>
               <a:rPr lang="en-US" sz="1800" dirty="0"/>
-              <a:t>To solve this problem, we go for double checked locking.</a:t>
+              <a:t>We should allow global point of access to that single instance.</a:t>
             </a:r>
           </a:p>
           <a:p>
@@ -4528,16 +5713,27 @@
               <a:buFont typeface="Wingdings" panose="05000000000000000000" pitchFamily="2" charset="2"/>
               <a:buChar char="Ø"/>
             </a:pPr>
-            <a:endParaRPr lang="en-US" sz="1800" dirty="0"/>
+            <a:r>
+              <a:rPr lang="en-US" sz="1800" dirty="0"/>
+              <a:t>Singleton employs a technique known as </a:t>
+            </a:r>
+            <a:r>
+              <a:rPr lang="en-US" sz="1800" b="1" i="1" dirty="0"/>
+              <a:t>lazy instantiation</a:t>
+            </a:r>
+            <a:r>
+              <a:rPr lang="en-US" sz="1800" dirty="0"/>
+              <a:t> to create the singleton. As a result, the singleton instance is not created until the getInstance() method is called for the first time. This technique ensures that singleton instances are created only when needed.</a:t>
+            </a:r>
           </a:p>
         </p:txBody>
       </p:sp>
       <p:pic>
         <p:nvPicPr>
-          <p:cNvPr id="6" name="Picture 5">
-            <a:extLst>
-              <a:ext uri="{FF2B5EF4-FFF2-40B4-BE49-F238E27FC236}">
-                <a16:creationId xmlns:a16="http://schemas.microsoft.com/office/drawing/2014/main" id="{A1FA86AD-41BB-4F4E-A6C7-CE0E07DC621A}"/>
+          <p:cNvPr id="8" name="Picture 7">
+            <a:extLst>
+              <a:ext uri="{FF2B5EF4-FFF2-40B4-BE49-F238E27FC236}">
+                <a16:creationId xmlns:a16="http://schemas.microsoft.com/office/drawing/2014/main" id="{8FD7B92B-ED79-4363-80E3-1C6C47705974}"/>
               </a:ext>
             </a:extLst>
           </p:cNvPr>
@@ -4564,6 +5760,809 @@
       </p:pic>
       <p:sp>
         <p:nvSpPr>
+          <p:cNvPr id="9" name="Rectangle 8">
+            <a:extLst>
+              <a:ext uri="{FF2B5EF4-FFF2-40B4-BE49-F238E27FC236}">
+                <a16:creationId xmlns:a16="http://schemas.microsoft.com/office/drawing/2014/main" id="{B71C4EFF-F247-4CEF-830B-0FAEBBC769EF}"/>
+              </a:ext>
+            </a:extLst>
+          </p:cNvPr>
+          <p:cNvSpPr/>
+          <p:nvPr/>
+        </p:nvSpPr>
+        <p:spPr>
+          <a:xfrm>
+            <a:off x="5756805" y="3624711"/>
+            <a:ext cx="3688080" cy="2308324"/>
+          </a:xfrm>
+          <a:prstGeom prst="rect">
+            <a:avLst/>
+          </a:prstGeom>
+          <a:ln>
+            <a:solidFill>
+              <a:schemeClr val="accent1"/>
+            </a:solidFill>
+          </a:ln>
+        </p:spPr>
+        <p:txBody>
+          <a:bodyPr wrap="square">
+            <a:spAutoFit/>
+          </a:bodyPr>
+          <a:lstStyle/>
+          <a:p>
+            <a:r>
+              <a:rPr lang="en-US" sz="1200" dirty="0"/>
+              <a:t>public class Singleton{</a:t>
+            </a:r>
+          </a:p>
+          <a:p>
+            <a:r>
+              <a:rPr lang="en-US" sz="1200" dirty="0"/>
+              <a:t>          private static Singleton instance;</a:t>
+            </a:r>
+          </a:p>
+          <a:p>
+            <a:endParaRPr lang="en-US" sz="1200" dirty="0"/>
+          </a:p>
+          <a:p>
+            <a:r>
+              <a:rPr lang="en-US" sz="1200" dirty="0"/>
+              <a:t>          private Singleton(){}</a:t>
+            </a:r>
+          </a:p>
+          <a:p>
+            <a:endParaRPr lang="en-US" sz="1200" dirty="0"/>
+          </a:p>
+          <a:p>
+            <a:r>
+              <a:rPr lang="en-US" sz="1200" dirty="0"/>
+              <a:t>          public static Singleton getInstance(){</a:t>
+            </a:r>
+          </a:p>
+          <a:p>
+            <a:r>
+              <a:rPr lang="en-US" sz="1200" dirty="0"/>
+              <a:t>                  if(instance == null){</a:t>
+            </a:r>
+          </a:p>
+          <a:p>
+            <a:r>
+              <a:rPr lang="en-US" sz="1200" dirty="0"/>
+              <a:t>                          instance == new Singleton();</a:t>
+            </a:r>
+          </a:p>
+          <a:p>
+            <a:r>
+              <a:rPr lang="en-US" sz="1200" dirty="0"/>
+              <a:t>                  }</a:t>
+            </a:r>
+          </a:p>
+          <a:p>
+            <a:r>
+              <a:rPr lang="en-US" sz="1200" dirty="0"/>
+              <a:t>                  return instance;</a:t>
+            </a:r>
+          </a:p>
+          <a:p>
+            <a:r>
+              <a:rPr lang="en-US" sz="1200" dirty="0"/>
+              <a:t>          }</a:t>
+            </a:r>
+          </a:p>
+          <a:p>
+            <a:r>
+              <a:rPr lang="en-US" sz="1200" dirty="0"/>
+              <a:t>}</a:t>
+            </a:r>
+          </a:p>
+        </p:txBody>
+      </p:sp>
+      <p:sp>
+        <p:nvSpPr>
+          <p:cNvPr id="10" name="TextBox 9">
+            <a:extLst>
+              <a:ext uri="{FF2B5EF4-FFF2-40B4-BE49-F238E27FC236}">
+                <a16:creationId xmlns:a16="http://schemas.microsoft.com/office/drawing/2014/main" id="{212E8B01-8468-4B7C-B898-5F5D3F48E044}"/>
+              </a:ext>
+            </a:extLst>
+          </p:cNvPr>
+          <p:cNvSpPr txBox="1"/>
+          <p:nvPr/>
+        </p:nvSpPr>
+        <p:spPr>
+          <a:xfrm>
+            <a:off x="796413" y="5645562"/>
+            <a:ext cx="1986116" cy="369332"/>
+          </a:xfrm>
+          <a:prstGeom prst="rect">
+            <a:avLst/>
+          </a:prstGeom>
+          <a:noFill/>
+        </p:spPr>
+        <p:txBody>
+          <a:bodyPr wrap="square" rtlCol="0">
+            <a:spAutoFit/>
+          </a:bodyPr>
+          <a:lstStyle/>
+          <a:p>
+            <a:pPr algn="ctr"/>
+            <a:r>
+              <a:rPr lang="en-US" u="sng" dirty="0"/>
+              <a:t>UML Diagram</a:t>
+            </a:r>
+          </a:p>
+        </p:txBody>
+      </p:sp>
+      <p:sp>
+        <p:nvSpPr>
+          <p:cNvPr id="11" name="TextBox 10">
+            <a:extLst>
+              <a:ext uri="{FF2B5EF4-FFF2-40B4-BE49-F238E27FC236}">
+                <a16:creationId xmlns:a16="http://schemas.microsoft.com/office/drawing/2014/main" id="{E367DC91-E0AF-40E2-87B9-B79EFB9C10A4}"/>
+              </a:ext>
+            </a:extLst>
+          </p:cNvPr>
+          <p:cNvSpPr txBox="1"/>
+          <p:nvPr/>
+        </p:nvSpPr>
+        <p:spPr>
+          <a:xfrm>
+            <a:off x="6150090" y="5719306"/>
+            <a:ext cx="2934915" cy="369332"/>
+          </a:xfrm>
+          <a:prstGeom prst="rect">
+            <a:avLst/>
+          </a:prstGeom>
+          <a:noFill/>
+        </p:spPr>
+        <p:txBody>
+          <a:bodyPr wrap="square" rtlCol="0">
+            <a:spAutoFit/>
+          </a:bodyPr>
+          <a:lstStyle/>
+          <a:p>
+            <a:pPr algn="ctr"/>
+            <a:r>
+              <a:rPr lang="en-US" u="sng" dirty="0"/>
+              <a:t>Singleton Implementation</a:t>
+            </a:r>
+          </a:p>
+        </p:txBody>
+      </p:sp>
+    </p:spTree>
+    <p:extLst>
+      <p:ext uri="{BB962C8B-B14F-4D97-AF65-F5344CB8AC3E}">
+        <p14:creationId xmlns:p14="http://schemas.microsoft.com/office/powerpoint/2010/main" val="1942916450"/>
+      </p:ext>
+    </p:extLst>
+  </p:cSld>
+  <p:clrMapOvr>
+    <a:masterClrMapping/>
+  </p:clrMapOvr>
+</p:sld>
+</file>
+
+<file path=ppt/slides/slide7.xml><?xml version="1.0" encoding="utf-8"?>
+<p:sld xmlns:a="http://schemas.openxmlformats.org/drawingml/2006/main" xmlns:r="http://schemas.openxmlformats.org/officeDocument/2006/relationships" xmlns:p="http://schemas.openxmlformats.org/presentationml/2006/main">
+  <p:cSld>
+    <p:spTree>
+      <p:nvGrpSpPr>
+        <p:cNvPr id="1" name=""/>
+        <p:cNvGrpSpPr/>
+        <p:nvPr/>
+      </p:nvGrpSpPr>
+      <p:grpSpPr>
+        <a:xfrm>
+          <a:off x="0" y="0"/>
+          <a:ext cx="0" cy="0"/>
+          <a:chOff x="0" y="0"/>
+          <a:chExt cx="0" cy="0"/>
+        </a:xfrm>
+      </p:grpSpPr>
+      <p:sp>
+        <p:nvSpPr>
+          <p:cNvPr id="4" name="Title 1">
+            <a:extLst>
+              <a:ext uri="{FF2B5EF4-FFF2-40B4-BE49-F238E27FC236}">
+                <a16:creationId xmlns:a16="http://schemas.microsoft.com/office/drawing/2014/main" id="{BC53CE98-2248-4B26-8F8C-F25CEB7C4DA5}"/>
+              </a:ext>
+            </a:extLst>
+          </p:cNvPr>
+          <p:cNvSpPr>
+            <a:spLocks noGrp="1"/>
+          </p:cNvSpPr>
+          <p:nvPr>
+            <p:ph type="title"/>
+          </p:nvPr>
+        </p:nvSpPr>
+        <p:spPr>
+          <a:xfrm>
+            <a:off x="326922" y="1336"/>
+            <a:ext cx="6742472" cy="893404"/>
+          </a:xfrm>
+        </p:spPr>
+        <p:txBody>
+          <a:bodyPr>
+            <a:normAutofit/>
+          </a:bodyPr>
+          <a:lstStyle/>
+          <a:p>
+            <a:r>
+              <a:rPr lang="en-US" sz="3200" i="1" u="sng" dirty="0"/>
+              <a:t>Singleton Design Pattern Continues…</a:t>
+            </a:r>
+          </a:p>
+        </p:txBody>
+      </p:sp>
+      <p:sp>
+        <p:nvSpPr>
+          <p:cNvPr id="5" name="Content Placeholder 2">
+            <a:extLst>
+              <a:ext uri="{FF2B5EF4-FFF2-40B4-BE49-F238E27FC236}">
+                <a16:creationId xmlns:a16="http://schemas.microsoft.com/office/drawing/2014/main" id="{8C2CAC53-33EC-4A50-9D49-F125E74F92ED}"/>
+              </a:ext>
+            </a:extLst>
+          </p:cNvPr>
+          <p:cNvSpPr>
+            <a:spLocks noGrp="1"/>
+          </p:cNvSpPr>
+          <p:nvPr>
+            <p:ph idx="1"/>
+          </p:nvPr>
+        </p:nvSpPr>
+        <p:spPr>
+          <a:xfrm>
+            <a:off x="415412" y="894739"/>
+            <a:ext cx="11098161" cy="2602151"/>
+          </a:xfrm>
+        </p:spPr>
+        <p:txBody>
+          <a:bodyPr>
+            <a:normAutofit/>
+          </a:bodyPr>
+          <a:lstStyle/>
+          <a:p>
+            <a:pPr>
+              <a:buFont typeface="Wingdings" panose="05000000000000000000" pitchFamily="2" charset="2"/>
+              <a:buChar char="Ø"/>
+            </a:pPr>
+            <a:r>
+              <a:rPr lang="en-US" sz="1800" dirty="0"/>
+              <a:t>In multithreaded scenario there is possibilities of allowing to create multiple instances if we don’t synchronization.</a:t>
+            </a:r>
+          </a:p>
+          <a:p>
+            <a:pPr>
+              <a:buFont typeface="Wingdings" panose="05000000000000000000" pitchFamily="2" charset="2"/>
+              <a:buChar char="Ø"/>
+            </a:pPr>
+            <a:r>
+              <a:rPr lang="en-US" sz="1800" dirty="0"/>
+              <a:t>If we synchronize the getInstance() method, the above singleton method is thread safe. </a:t>
+            </a:r>
+          </a:p>
+        </p:txBody>
+      </p:sp>
+      <p:sp>
+        <p:nvSpPr>
+          <p:cNvPr id="7" name="Rectangle 6">
+            <a:extLst>
+              <a:ext uri="{FF2B5EF4-FFF2-40B4-BE49-F238E27FC236}">
+                <a16:creationId xmlns:a16="http://schemas.microsoft.com/office/drawing/2014/main" id="{3C6C1733-7AB4-4E18-B511-89CED3750379}"/>
+              </a:ext>
+            </a:extLst>
+          </p:cNvPr>
+          <p:cNvSpPr/>
+          <p:nvPr/>
+        </p:nvSpPr>
+        <p:spPr>
+          <a:xfrm>
+            <a:off x="7341395" y="1614152"/>
+            <a:ext cx="3688080" cy="2308324"/>
+          </a:xfrm>
+          <a:prstGeom prst="rect">
+            <a:avLst/>
+          </a:prstGeom>
+          <a:ln>
+            <a:solidFill>
+              <a:schemeClr val="accent1"/>
+            </a:solidFill>
+          </a:ln>
+        </p:spPr>
+        <p:txBody>
+          <a:bodyPr wrap="square">
+            <a:spAutoFit/>
+          </a:bodyPr>
+          <a:lstStyle/>
+          <a:p>
+            <a:r>
+              <a:rPr lang="en-US" sz="1200" dirty="0"/>
+              <a:t>public class Singleton{</a:t>
+            </a:r>
+          </a:p>
+          <a:p>
+            <a:r>
+              <a:rPr lang="en-US" sz="1200" dirty="0"/>
+              <a:t>          private static Singleton instance;</a:t>
+            </a:r>
+          </a:p>
+          <a:p>
+            <a:endParaRPr lang="en-US" sz="1200" dirty="0"/>
+          </a:p>
+          <a:p>
+            <a:r>
+              <a:rPr lang="en-US" sz="1200" dirty="0"/>
+              <a:t>          private Singleton(){}</a:t>
+            </a:r>
+          </a:p>
+          <a:p>
+            <a:endParaRPr lang="en-US" sz="1200" dirty="0"/>
+          </a:p>
+          <a:p>
+            <a:r>
+              <a:rPr lang="en-US" sz="1200" dirty="0"/>
+              <a:t>          public synchronized static Singleton getInstance(){</a:t>
+            </a:r>
+          </a:p>
+          <a:p>
+            <a:r>
+              <a:rPr lang="en-US" sz="1200" dirty="0"/>
+              <a:t>                  if(instance == null){</a:t>
+            </a:r>
+          </a:p>
+          <a:p>
+            <a:r>
+              <a:rPr lang="en-US" sz="1200" dirty="0"/>
+              <a:t>                          instance == new Singleton();</a:t>
+            </a:r>
+          </a:p>
+          <a:p>
+            <a:r>
+              <a:rPr lang="en-US" sz="1200" dirty="0"/>
+              <a:t>                  }</a:t>
+            </a:r>
+          </a:p>
+          <a:p>
+            <a:r>
+              <a:rPr lang="en-US" sz="1200" dirty="0"/>
+              <a:t>                  return instance;</a:t>
+            </a:r>
+          </a:p>
+          <a:p>
+            <a:r>
+              <a:rPr lang="en-US" sz="1200" dirty="0"/>
+              <a:t>          }</a:t>
+            </a:r>
+          </a:p>
+          <a:p>
+            <a:r>
+              <a:rPr lang="en-US" sz="1200" dirty="0"/>
+              <a:t>}</a:t>
+            </a:r>
+          </a:p>
+        </p:txBody>
+      </p:sp>
+      <p:sp>
+        <p:nvSpPr>
+          <p:cNvPr id="10" name="TextBox 9">
+            <a:extLst>
+              <a:ext uri="{FF2B5EF4-FFF2-40B4-BE49-F238E27FC236}">
+                <a16:creationId xmlns:a16="http://schemas.microsoft.com/office/drawing/2014/main" id="{CCFD976B-96D7-460F-B926-E51607DE5F51}"/>
+              </a:ext>
+            </a:extLst>
+          </p:cNvPr>
+          <p:cNvSpPr txBox="1"/>
+          <p:nvPr/>
+        </p:nvSpPr>
+        <p:spPr>
+          <a:xfrm>
+            <a:off x="545232" y="1999185"/>
+            <a:ext cx="6524162" cy="3139321"/>
+          </a:xfrm>
+          <a:prstGeom prst="rect">
+            <a:avLst/>
+          </a:prstGeom>
+          <a:noFill/>
+        </p:spPr>
+        <p:txBody>
+          <a:bodyPr wrap="square" rtlCol="0">
+            <a:spAutoFit/>
+          </a:bodyPr>
+          <a:lstStyle/>
+          <a:p>
+            <a:pPr>
+              <a:buFont typeface="Wingdings" panose="05000000000000000000" pitchFamily="2" charset="2"/>
+              <a:buChar char="Ø"/>
+            </a:pPr>
+            <a:r>
+              <a:rPr lang="en-US" dirty="0"/>
+              <a:t>The problem with this solution is, it may be expensive.</a:t>
+            </a:r>
+          </a:p>
+          <a:p>
+            <a:endParaRPr lang="en-US" dirty="0"/>
+          </a:p>
+          <a:p>
+            <a:pPr>
+              <a:buFont typeface="Wingdings" panose="05000000000000000000" pitchFamily="2" charset="2"/>
+              <a:buChar char="Ø"/>
+            </a:pPr>
+            <a:r>
+              <a:rPr lang="en-US" dirty="0"/>
+              <a:t>Each access to the Singleton requires acquisition of a lock, but in reality, we need a lock only when initializing instance. </a:t>
+            </a:r>
+          </a:p>
+          <a:p>
+            <a:endParaRPr lang="en-US" dirty="0"/>
+          </a:p>
+          <a:p>
+            <a:pPr>
+              <a:buFont typeface="Wingdings" panose="05000000000000000000" pitchFamily="2" charset="2"/>
+              <a:buChar char="Ø"/>
+            </a:pPr>
+            <a:r>
+              <a:rPr lang="en-US" dirty="0"/>
+              <a:t>That should occur only the first time instance is called. If instance is called n times during the course of a program run, we need the lock only for the first call. To solve this problem, instead of synchronizing the entire method, the below code only synchronizes the critical code.</a:t>
+            </a:r>
+          </a:p>
+          <a:p>
+            <a:endParaRPr lang="en-US" dirty="0"/>
+          </a:p>
+        </p:txBody>
+      </p:sp>
+      <p:sp>
+        <p:nvSpPr>
+          <p:cNvPr id="11" name="Rectangle 10">
+            <a:extLst>
+              <a:ext uri="{FF2B5EF4-FFF2-40B4-BE49-F238E27FC236}">
+                <a16:creationId xmlns:a16="http://schemas.microsoft.com/office/drawing/2014/main" id="{50A3322D-2C83-42B5-8CC6-C43A139A25E3}"/>
+              </a:ext>
+            </a:extLst>
+          </p:cNvPr>
+          <p:cNvSpPr/>
+          <p:nvPr/>
+        </p:nvSpPr>
+        <p:spPr>
+          <a:xfrm>
+            <a:off x="7368843" y="4015642"/>
+            <a:ext cx="3688080" cy="2677656"/>
+          </a:xfrm>
+          <a:prstGeom prst="rect">
+            <a:avLst/>
+          </a:prstGeom>
+          <a:ln>
+            <a:solidFill>
+              <a:schemeClr val="accent1"/>
+            </a:solidFill>
+          </a:ln>
+        </p:spPr>
+        <p:txBody>
+          <a:bodyPr wrap="square">
+            <a:spAutoFit/>
+          </a:bodyPr>
+          <a:lstStyle/>
+          <a:p>
+            <a:r>
+              <a:rPr lang="en-US" sz="1200" dirty="0"/>
+              <a:t>public class Singleton{</a:t>
+            </a:r>
+          </a:p>
+          <a:p>
+            <a:r>
+              <a:rPr lang="en-US" sz="1200" dirty="0"/>
+              <a:t>          private static Singleton instance;</a:t>
+            </a:r>
+          </a:p>
+          <a:p>
+            <a:endParaRPr lang="en-US" sz="1200" dirty="0"/>
+          </a:p>
+          <a:p>
+            <a:r>
+              <a:rPr lang="en-US" sz="1200" dirty="0"/>
+              <a:t>          private Singleton(){}</a:t>
+            </a:r>
+          </a:p>
+          <a:p>
+            <a:endParaRPr lang="en-US" sz="1200" dirty="0"/>
+          </a:p>
+          <a:p>
+            <a:r>
+              <a:rPr lang="en-US" sz="1200" dirty="0"/>
+              <a:t>          public  static Singleton getInstance(){</a:t>
+            </a:r>
+          </a:p>
+          <a:p>
+            <a:r>
+              <a:rPr lang="en-US" sz="1200" dirty="0"/>
+              <a:t>                  if(instance == null){</a:t>
+            </a:r>
+          </a:p>
+          <a:p>
+            <a:r>
+              <a:rPr lang="en-US" sz="1200" dirty="0"/>
+              <a:t>                          synchronized (Singleton.class){</a:t>
+            </a:r>
+          </a:p>
+          <a:p>
+            <a:r>
+              <a:rPr lang="en-US" sz="1200" dirty="0"/>
+              <a:t>                                   instance == new Singleton();</a:t>
+            </a:r>
+          </a:p>
+          <a:p>
+            <a:r>
+              <a:rPr lang="en-US" sz="1200" dirty="0"/>
+              <a:t>                         }</a:t>
+            </a:r>
+          </a:p>
+          <a:p>
+            <a:r>
+              <a:rPr lang="en-US" sz="1200" dirty="0"/>
+              <a:t>                  }</a:t>
+            </a:r>
+          </a:p>
+          <a:p>
+            <a:r>
+              <a:rPr lang="en-US" sz="1200" dirty="0"/>
+              <a:t>                  return instance;</a:t>
+            </a:r>
+          </a:p>
+          <a:p>
+            <a:r>
+              <a:rPr lang="en-US" sz="1200" dirty="0"/>
+              <a:t>          }</a:t>
+            </a:r>
+          </a:p>
+          <a:p>
+            <a:r>
+              <a:rPr lang="en-US" sz="1200" dirty="0"/>
+              <a:t>}</a:t>
+            </a:r>
+          </a:p>
+        </p:txBody>
+      </p:sp>
+      <p:sp>
+        <p:nvSpPr>
+          <p:cNvPr id="12" name="TextBox 11">
+            <a:extLst>
+              <a:ext uri="{FF2B5EF4-FFF2-40B4-BE49-F238E27FC236}">
+                <a16:creationId xmlns:a16="http://schemas.microsoft.com/office/drawing/2014/main" id="{F5FCB6EB-7A1E-4AC4-8E95-7B658FCE3392}"/>
+              </a:ext>
+            </a:extLst>
+          </p:cNvPr>
+          <p:cNvSpPr txBox="1"/>
+          <p:nvPr/>
+        </p:nvSpPr>
+        <p:spPr>
+          <a:xfrm>
+            <a:off x="11075027" y="2129814"/>
+            <a:ext cx="868964" cy="400110"/>
+          </a:xfrm>
+          <a:prstGeom prst="rect">
+            <a:avLst/>
+          </a:prstGeom>
+          <a:noFill/>
+        </p:spPr>
+        <p:txBody>
+          <a:bodyPr wrap="square" rtlCol="0">
+            <a:spAutoFit/>
+          </a:bodyPr>
+          <a:lstStyle/>
+          <a:p>
+            <a:r>
+              <a:rPr lang="en-US" sz="1000" dirty="0"/>
+              <a:t>Method synchronized</a:t>
+            </a:r>
+          </a:p>
+        </p:txBody>
+      </p:sp>
+      <p:sp>
+        <p:nvSpPr>
+          <p:cNvPr id="13" name="TextBox 12">
+            <a:extLst>
+              <a:ext uri="{FF2B5EF4-FFF2-40B4-BE49-F238E27FC236}">
+                <a16:creationId xmlns:a16="http://schemas.microsoft.com/office/drawing/2014/main" id="{91CB68BE-BA2D-42A6-B222-6FFB87CF4FCF}"/>
+              </a:ext>
+            </a:extLst>
+          </p:cNvPr>
+          <p:cNvSpPr txBox="1"/>
+          <p:nvPr/>
+        </p:nvSpPr>
+        <p:spPr>
+          <a:xfrm>
+            <a:off x="11170632" y="5156049"/>
+            <a:ext cx="868964" cy="400110"/>
+          </a:xfrm>
+          <a:prstGeom prst="rect">
+            <a:avLst/>
+          </a:prstGeom>
+          <a:noFill/>
+        </p:spPr>
+        <p:txBody>
+          <a:bodyPr wrap="square" rtlCol="0">
+            <a:spAutoFit/>
+          </a:bodyPr>
+          <a:lstStyle/>
+          <a:p>
+            <a:r>
+              <a:rPr lang="en-US" sz="1000" dirty="0"/>
+              <a:t>Block synchronized</a:t>
+            </a:r>
+          </a:p>
+        </p:txBody>
+      </p:sp>
+    </p:spTree>
+    <p:extLst>
+      <p:ext uri="{BB962C8B-B14F-4D97-AF65-F5344CB8AC3E}">
+        <p14:creationId xmlns:p14="http://schemas.microsoft.com/office/powerpoint/2010/main" val="2626221365"/>
+      </p:ext>
+    </p:extLst>
+  </p:cSld>
+  <p:clrMapOvr>
+    <a:masterClrMapping/>
+  </p:clrMapOvr>
+</p:sld>
+</file>
+
+<file path=ppt/slides/slide8.xml><?xml version="1.0" encoding="utf-8"?>
+<p:sld xmlns:a="http://schemas.openxmlformats.org/drawingml/2006/main" xmlns:r="http://schemas.openxmlformats.org/officeDocument/2006/relationships" xmlns:p="http://schemas.openxmlformats.org/presentationml/2006/main">
+  <p:cSld>
+    <p:spTree>
+      <p:nvGrpSpPr>
+        <p:cNvPr id="1" name=""/>
+        <p:cNvGrpSpPr/>
+        <p:nvPr/>
+      </p:nvGrpSpPr>
+      <p:grpSpPr>
+        <a:xfrm>
+          <a:off x="0" y="0"/>
+          <a:ext cx="0" cy="0"/>
+          <a:chOff x="0" y="0"/>
+          <a:chExt cx="0" cy="0"/>
+        </a:xfrm>
+      </p:grpSpPr>
+      <p:sp>
+        <p:nvSpPr>
+          <p:cNvPr id="4" name="Title 1">
+            <a:extLst>
+              <a:ext uri="{FF2B5EF4-FFF2-40B4-BE49-F238E27FC236}">
+                <a16:creationId xmlns:a16="http://schemas.microsoft.com/office/drawing/2014/main" id="{31A7CD71-6DB3-4264-A6E4-8F585C23706A}"/>
+              </a:ext>
+            </a:extLst>
+          </p:cNvPr>
+          <p:cNvSpPr>
+            <a:spLocks noGrp="1"/>
+          </p:cNvSpPr>
+          <p:nvPr>
+            <p:ph type="title"/>
+          </p:nvPr>
+        </p:nvSpPr>
+        <p:spPr>
+          <a:xfrm>
+            <a:off x="326922" y="1336"/>
+            <a:ext cx="6742472" cy="893404"/>
+          </a:xfrm>
+        </p:spPr>
+        <p:txBody>
+          <a:bodyPr>
+            <a:normAutofit/>
+          </a:bodyPr>
+          <a:lstStyle/>
+          <a:p>
+            <a:r>
+              <a:rPr lang="en-US" sz="3200" i="1" u="sng" dirty="0"/>
+              <a:t>Singleton Design Pattern Continues…</a:t>
+            </a:r>
+          </a:p>
+        </p:txBody>
+      </p:sp>
+      <p:sp>
+        <p:nvSpPr>
+          <p:cNvPr id="5" name="Content Placeholder 2">
+            <a:extLst>
+              <a:ext uri="{FF2B5EF4-FFF2-40B4-BE49-F238E27FC236}">
+                <a16:creationId xmlns:a16="http://schemas.microsoft.com/office/drawing/2014/main" id="{1E2CC82E-EDCB-4517-BC3D-C318BAB4040C}"/>
+              </a:ext>
+            </a:extLst>
+          </p:cNvPr>
+          <p:cNvSpPr>
+            <a:spLocks noGrp="1"/>
+          </p:cNvSpPr>
+          <p:nvPr>
+            <p:ph idx="1"/>
+          </p:nvPr>
+        </p:nvSpPr>
+        <p:spPr>
+          <a:xfrm>
+            <a:off x="415412" y="894740"/>
+            <a:ext cx="11098161" cy="2123764"/>
+          </a:xfrm>
+        </p:spPr>
+        <p:txBody>
+          <a:bodyPr>
+            <a:normAutofit/>
+          </a:bodyPr>
+          <a:lstStyle/>
+          <a:p>
+            <a:pPr marL="0" indent="0">
+              <a:buNone/>
+            </a:pPr>
+            <a:r>
+              <a:rPr lang="en-US" sz="1800" b="1" i="1" u="sng" dirty="0"/>
+              <a:t>Double-Checked Locking:</a:t>
+            </a:r>
+          </a:p>
+          <a:p>
+            <a:pPr>
+              <a:buFont typeface="Wingdings" panose="05000000000000000000" pitchFamily="2" charset="2"/>
+              <a:buChar char="Ø"/>
+            </a:pPr>
+            <a:r>
+              <a:rPr lang="en-US" sz="1800" dirty="0"/>
+              <a:t>However the above code is not thread safe .</a:t>
+            </a:r>
+          </a:p>
+          <a:p>
+            <a:pPr>
+              <a:buFont typeface="Wingdings" panose="05000000000000000000" pitchFamily="2" charset="2"/>
+              <a:buChar char="Ø"/>
+            </a:pPr>
+            <a:r>
+              <a:rPr lang="en-US" sz="1800" dirty="0"/>
+              <a:t>Consider the following scenario: Thread 1 enters the synchronized block, and, before it can assign the singleton member variable, the thread is preempted. Subsequently, another thread can enter the if block. The second thread will wait for the first thread to finish, but we will still wind up with two distinct singleton instances</a:t>
+            </a:r>
+          </a:p>
+          <a:p>
+            <a:pPr>
+              <a:buFont typeface="Wingdings" panose="05000000000000000000" pitchFamily="2" charset="2"/>
+              <a:buChar char="Ø"/>
+            </a:pPr>
+            <a:r>
+              <a:rPr lang="en-US" sz="1800" dirty="0"/>
+              <a:t>To solve this problem, we go for double checked locking.</a:t>
+            </a:r>
+          </a:p>
+          <a:p>
+            <a:pPr>
+              <a:buFont typeface="Wingdings" panose="05000000000000000000" pitchFamily="2" charset="2"/>
+              <a:buChar char="Ø"/>
+            </a:pPr>
+            <a:endParaRPr lang="en-US" sz="1800" dirty="0"/>
+          </a:p>
+        </p:txBody>
+      </p:sp>
+      <p:pic>
+        <p:nvPicPr>
+          <p:cNvPr id="6" name="Picture 5">
+            <a:extLst>
+              <a:ext uri="{FF2B5EF4-FFF2-40B4-BE49-F238E27FC236}">
+                <a16:creationId xmlns:a16="http://schemas.microsoft.com/office/drawing/2014/main" id="{A1FA86AD-41BB-4F4E-A6C7-CE0E07DC621A}"/>
+              </a:ext>
+            </a:extLst>
+          </p:cNvPr>
+          <p:cNvPicPr>
+            <a:picLocks noChangeAspect="1"/>
+          </p:cNvPicPr>
+          <p:nvPr/>
+        </p:nvPicPr>
+        <p:blipFill>
+          <a:blip r:embed="rId2"/>
+          <a:stretch>
+            <a:fillRect/>
+          </a:stretch>
+        </p:blipFill>
+        <p:spPr>
+          <a:xfrm>
+            <a:off x="701549" y="3955642"/>
+            <a:ext cx="2409825" cy="1562100"/>
+          </a:xfrm>
+          <a:prstGeom prst="rect">
+            <a:avLst/>
+          </a:prstGeom>
+        </p:spPr>
+      </p:pic>
+      <p:sp>
+        <p:nvSpPr>
           <p:cNvPr id="7" name="Rectangle 6">
             <a:extLst>
               <a:ext uri="{FF2B5EF4-FFF2-40B4-BE49-F238E27FC236}">
@@ -4770,7 +6769,7 @@
 </p:sld>
 </file>
 
-<file path=ppt/slides/slide6.xml><?xml version="1.0" encoding="utf-8"?>
+<file path=ppt/slides/slide9.xml><?xml version="1.0" encoding="utf-8"?>
 <p:sld xmlns:a="http://schemas.openxmlformats.org/drawingml/2006/main" xmlns:r="http://schemas.openxmlformats.org/officeDocument/2006/relationships" xmlns:p="http://schemas.openxmlformats.org/presentationml/2006/main">
   <p:cSld>
     <p:spTree>
@@ -5467,4 +7466,299 @@
     </a:ext>
   </a:extLst>
 </a:theme>
+</file>
+
+<file path=ppt/theme/theme2.xml><?xml version="1.0" encoding="utf-8"?>
+<a:theme xmlns:a="http://schemas.openxmlformats.org/drawingml/2006/main" name="Office Theme">
+  <a:themeElements>
+    <a:clrScheme name="Office">
+      <a:dk1>
+        <a:sysClr val="windowText" lastClr="000000"/>
+      </a:dk1>
+      <a:lt1>
+        <a:sysClr val="window" lastClr="FFFFFF"/>
+      </a:lt1>
+      <a:dk2>
+        <a:srgbClr val="44546A"/>
+      </a:dk2>
+      <a:lt2>
+        <a:srgbClr val="E7E6E6"/>
+      </a:lt2>
+      <a:accent1>
+        <a:srgbClr val="4472C4"/>
+      </a:accent1>
+      <a:accent2>
+        <a:srgbClr val="ED7D31"/>
+      </a:accent2>
+      <a:accent3>
+        <a:srgbClr val="A5A5A5"/>
+      </a:accent3>
+      <a:accent4>
+        <a:srgbClr val="FFC000"/>
+      </a:accent4>
+      <a:accent5>
+        <a:srgbClr val="5B9BD5"/>
+      </a:accent5>
+      <a:accent6>
+        <a:srgbClr val="70AD47"/>
+      </a:accent6>
+      <a:hlink>
+        <a:srgbClr val="0563C1"/>
+      </a:hlink>
+      <a:folHlink>
+        <a:srgbClr val="954F72"/>
+      </a:folHlink>
+    </a:clrScheme>
+    <a:fontScheme name="Office">
+      <a:majorFont>
+        <a:latin typeface="Calibri Light" panose="020F0302020204030204"/>
+        <a:ea typeface=""/>
+        <a:cs typeface=""/>
+        <a:font script="Jpan" typeface="游ゴシック Light"/>
+        <a:font script="Hang" typeface="맑은 고딕"/>
+        <a:font script="Hans" typeface="等线 Light"/>
+        <a:font script="Hant" typeface="新細明體"/>
+        <a:font script="Arab" typeface="Times New Roman"/>
+        <a:font script="Hebr" typeface="Times New Roman"/>
+        <a:font script="Thai" typeface="Angsana New"/>
+        <a:font script="Ethi" typeface="Nyala"/>
+        <a:font script="Beng" typeface="Vrinda"/>
+        <a:font script="Gujr" typeface="Shruti"/>
+        <a:font script="Khmr" typeface="MoolBoran"/>
+        <a:font script="Knda" typeface="Tunga"/>
+        <a:font script="Guru" typeface="Raavi"/>
+        <a:font script="Cans" typeface="Euphemia"/>
+        <a:font script="Cher" typeface="Plantagenet Cherokee"/>
+        <a:font script="Yiii" typeface="Microsoft Yi Baiti"/>
+        <a:font script="Tibt" typeface="Microsoft Himalaya"/>
+        <a:font script="Thaa" typeface="MV Boli"/>
+        <a:font script="Deva" typeface="Mangal"/>
+        <a:font script="Telu" typeface="Gautami"/>
+        <a:font script="Taml" typeface="Latha"/>
+        <a:font script="Syrc" typeface="Estrangelo Edessa"/>
+        <a:font script="Orya" typeface="Kalinga"/>
+        <a:font script="Mlym" typeface="Kartika"/>
+        <a:font script="Laoo" typeface="DokChampa"/>
+        <a:font script="Sinh" typeface="Iskoola Pota"/>
+        <a:font script="Mong" typeface="Mongolian Baiti"/>
+        <a:font script="Viet" typeface="Times New Roman"/>
+        <a:font script="Uigh" typeface="Microsoft Uighur"/>
+        <a:font script="Geor" typeface="Sylfaen"/>
+        <a:font script="Armn" typeface="Arial"/>
+        <a:font script="Bugi" typeface="Leelawadee UI"/>
+        <a:font script="Bopo" typeface="Microsoft JhengHei"/>
+        <a:font script="Java" typeface="Javanese Text"/>
+        <a:font script="Lisu" typeface="Segoe UI"/>
+        <a:font script="Mymr" typeface="Myanmar Text"/>
+        <a:font script="Nkoo" typeface="Ebrima"/>
+        <a:font script="Olck" typeface="Nirmala UI"/>
+        <a:font script="Osma" typeface="Ebrima"/>
+        <a:font script="Phag" typeface="Phagspa"/>
+        <a:font script="Syrn" typeface="Estrangelo Edessa"/>
+        <a:font script="Syrj" typeface="Estrangelo Edessa"/>
+        <a:font script="Syre" typeface="Estrangelo Edessa"/>
+        <a:font script="Sora" typeface="Nirmala UI"/>
+        <a:font script="Tale" typeface="Microsoft Tai Le"/>
+        <a:font script="Talu" typeface="Microsoft New Tai Lue"/>
+        <a:font script="Tfng" typeface="Ebrima"/>
+      </a:majorFont>
+      <a:minorFont>
+        <a:latin typeface="Calibri" panose="020F0502020204030204"/>
+        <a:ea typeface=""/>
+        <a:cs typeface=""/>
+        <a:font script="Jpan" typeface="游ゴシック"/>
+        <a:font script="Hang" typeface="맑은 고딕"/>
+        <a:font script="Hans" typeface="等线"/>
+        <a:font script="Hant" typeface="新細明體"/>
+        <a:font script="Arab" typeface="Arial"/>
+        <a:font script="Hebr" typeface="Arial"/>
+        <a:font script="Thai" typeface="Cordia New"/>
+        <a:font script="Ethi" typeface="Nyala"/>
+        <a:font script="Beng" typeface="Vrinda"/>
+        <a:font script="Gujr" typeface="Shruti"/>
+        <a:font script="Khmr" typeface="DaunPenh"/>
+        <a:font script="Knda" typeface="Tunga"/>
+        <a:font script="Guru" typeface="Raavi"/>
+        <a:font script="Cans" typeface="Euphemia"/>
+        <a:font script="Cher" typeface="Plantagenet Cherokee"/>
+        <a:font script="Yiii" typeface="Microsoft Yi Baiti"/>
+        <a:font script="Tibt" typeface="Microsoft Himalaya"/>
+        <a:font script="Thaa" typeface="MV Boli"/>
+        <a:font script="Deva" typeface="Mangal"/>
+        <a:font script="Telu" typeface="Gautami"/>
+        <a:font script="Taml" typeface="Latha"/>
+        <a:font script="Syrc" typeface="Estrangelo Edessa"/>
+        <a:font script="Orya" typeface="Kalinga"/>
+        <a:font script="Mlym" typeface="Kartika"/>
+        <a:font script="Laoo" typeface="DokChampa"/>
+        <a:font script="Sinh" typeface="Iskoola Pota"/>
+        <a:font script="Mong" typeface="Mongolian Baiti"/>
+        <a:font script="Viet" typeface="Arial"/>
+        <a:font script="Uigh" typeface="Microsoft Uighur"/>
+        <a:font script="Geor" typeface="Sylfaen"/>
+        <a:font script="Armn" typeface="Arial"/>
+        <a:font script="Bugi" typeface="Leelawadee UI"/>
+        <a:font script="Bopo" typeface="Microsoft JhengHei"/>
+        <a:font script="Java" typeface="Javanese Text"/>
+        <a:font script="Lisu" typeface="Segoe UI"/>
+        <a:font script="Mymr" typeface="Myanmar Text"/>
+        <a:font script="Nkoo" typeface="Ebrima"/>
+        <a:font script="Olck" typeface="Nirmala UI"/>
+        <a:font script="Osma" typeface="Ebrima"/>
+        <a:font script="Phag" typeface="Phagspa"/>
+        <a:font script="Syrn" typeface="Estrangelo Edessa"/>
+        <a:font script="Syrj" typeface="Estrangelo Edessa"/>
+        <a:font script="Syre" typeface="Estrangelo Edessa"/>
+        <a:font script="Sora" typeface="Nirmala UI"/>
+        <a:font script="Tale" typeface="Microsoft Tai Le"/>
+        <a:font script="Talu" typeface="Microsoft New Tai Lue"/>
+        <a:font script="Tfng" typeface="Ebrima"/>
+      </a:minorFont>
+    </a:fontScheme>
+    <a:fmtScheme name="Office">
+      <a:fillStyleLst>
+        <a:solidFill>
+          <a:schemeClr val="phClr"/>
+        </a:solidFill>
+        <a:gradFill rotWithShape="1">
+          <a:gsLst>
+            <a:gs pos="0">
+              <a:schemeClr val="phClr">
+                <a:lumMod val="110000"/>
+                <a:satMod val="105000"/>
+                <a:tint val="67000"/>
+              </a:schemeClr>
+            </a:gs>
+            <a:gs pos="50000">
+              <a:schemeClr val="phClr">
+                <a:lumMod val="105000"/>
+                <a:satMod val="103000"/>
+                <a:tint val="73000"/>
+              </a:schemeClr>
+            </a:gs>
+            <a:gs pos="100000">
+              <a:schemeClr val="phClr">
+                <a:lumMod val="105000"/>
+                <a:satMod val="109000"/>
+                <a:tint val="81000"/>
+              </a:schemeClr>
+            </a:gs>
+          </a:gsLst>
+          <a:lin ang="5400000" scaled="0"/>
+        </a:gradFill>
+        <a:gradFill rotWithShape="1">
+          <a:gsLst>
+            <a:gs pos="0">
+              <a:schemeClr val="phClr">
+                <a:satMod val="103000"/>
+                <a:lumMod val="102000"/>
+                <a:tint val="94000"/>
+              </a:schemeClr>
+            </a:gs>
+            <a:gs pos="50000">
+              <a:schemeClr val="phClr">
+                <a:satMod val="110000"/>
+                <a:lumMod val="100000"/>
+                <a:shade val="100000"/>
+              </a:schemeClr>
+            </a:gs>
+            <a:gs pos="100000">
+              <a:schemeClr val="phClr">
+                <a:lumMod val="99000"/>
+                <a:satMod val="120000"/>
+                <a:shade val="78000"/>
+              </a:schemeClr>
+            </a:gs>
+          </a:gsLst>
+          <a:lin ang="5400000" scaled="0"/>
+        </a:gradFill>
+      </a:fillStyleLst>
+      <a:lnStyleLst>
+        <a:ln w="6350" cap="flat" cmpd="sng" algn="ctr">
+          <a:solidFill>
+            <a:schemeClr val="phClr"/>
+          </a:solidFill>
+          <a:prstDash val="solid"/>
+          <a:miter lim="800000"/>
+        </a:ln>
+        <a:ln w="12700" cap="flat" cmpd="sng" algn="ctr">
+          <a:solidFill>
+            <a:schemeClr val="phClr"/>
+          </a:solidFill>
+          <a:prstDash val="solid"/>
+          <a:miter lim="800000"/>
+        </a:ln>
+        <a:ln w="19050" cap="flat" cmpd="sng" algn="ctr">
+          <a:solidFill>
+            <a:schemeClr val="phClr"/>
+          </a:solidFill>
+          <a:prstDash val="solid"/>
+          <a:miter lim="800000"/>
+        </a:ln>
+      </a:lnStyleLst>
+      <a:effectStyleLst>
+        <a:effectStyle>
+          <a:effectLst/>
+        </a:effectStyle>
+        <a:effectStyle>
+          <a:effectLst/>
+        </a:effectStyle>
+        <a:effectStyle>
+          <a:effectLst>
+            <a:outerShdw blurRad="57150" dist="19050" dir="5400000" algn="ctr" rotWithShape="0">
+              <a:srgbClr val="000000">
+                <a:alpha val="63000"/>
+              </a:srgbClr>
+            </a:outerShdw>
+          </a:effectLst>
+        </a:effectStyle>
+      </a:effectStyleLst>
+      <a:bgFillStyleLst>
+        <a:solidFill>
+          <a:schemeClr val="phClr"/>
+        </a:solidFill>
+        <a:solidFill>
+          <a:schemeClr val="phClr">
+            <a:tint val="95000"/>
+            <a:satMod val="170000"/>
+          </a:schemeClr>
+        </a:solidFill>
+        <a:gradFill rotWithShape="1">
+          <a:gsLst>
+            <a:gs pos="0">
+              <a:schemeClr val="phClr">
+                <a:tint val="93000"/>
+                <a:satMod val="150000"/>
+                <a:shade val="98000"/>
+                <a:lumMod val="102000"/>
+              </a:schemeClr>
+            </a:gs>
+            <a:gs pos="50000">
+              <a:schemeClr val="phClr">
+                <a:tint val="98000"/>
+                <a:satMod val="130000"/>
+                <a:shade val="90000"/>
+                <a:lumMod val="103000"/>
+              </a:schemeClr>
+            </a:gs>
+            <a:gs pos="100000">
+              <a:schemeClr val="phClr">
+                <a:shade val="63000"/>
+                <a:satMod val="120000"/>
+              </a:schemeClr>
+            </a:gs>
+          </a:gsLst>
+          <a:lin ang="5400000" scaled="0"/>
+        </a:gradFill>
+      </a:bgFillStyleLst>
+    </a:fmtScheme>
+  </a:themeElements>
+  <a:objectDefaults/>
+  <a:extraClrSchemeLst/>
+  <a:extLst>
+    <a:ext uri="{05A4C25C-085E-4340-85A3-A5531E510DB2}">
+      <thm15:themeFamily xmlns:thm15="http://schemas.microsoft.com/office/thememl/2012/main" name="Office Theme" id="{62F939B6-93AF-4DB8-9C6B-D6C7DFDC589F}" vid="{4A3C46E8-61CC-4603-A589-7422A47A8E4A}"/>
+    </a:ext>
+  </a:extLst>
+</a:theme>
 </file>
--- a/JavaDesignPattern/Notes/CreationalDesignPattern.pptx
+++ b/JavaDesignPattern/Notes/CreationalDesignPattern.pptx
@@ -4422,8 +4422,8 @@
         </p:nvSpPr>
         <p:spPr>
           <a:xfrm>
-            <a:off x="375650" y="2939492"/>
-            <a:ext cx="2679923" cy="3539430"/>
+            <a:off x="375650" y="2782176"/>
+            <a:ext cx="2679923" cy="3970318"/>
           </a:xfrm>
           <a:prstGeom prst="rect">
             <a:avLst/>
@@ -4440,251 +4440,251 @@
           </a:bodyPr>
           <a:lstStyle/>
           <a:p>
-            <a:endParaRPr lang="en-US" sz="800" dirty="0"/>
-          </a:p>
-          <a:p>
-            <a:endParaRPr lang="en-US" sz="800" dirty="0"/>
-          </a:p>
-          <a:p>
-            <a:r>
-              <a:rPr lang="en-US" sz="800" dirty="0"/>
+            <a:endParaRPr lang="en-US" sz="900" dirty="0"/>
+          </a:p>
+          <a:p>
+            <a:endParaRPr lang="en-US" sz="900" dirty="0"/>
+          </a:p>
+          <a:p>
+            <a:r>
+              <a:rPr lang="en-US" sz="900" dirty="0"/>
               <a:t>public class Computer {</a:t>
             </a:r>
           </a:p>
           <a:p>
             <a:r>
-              <a:rPr lang="en-US" sz="800" dirty="0"/>
+              <a:rPr lang="en-US" sz="900" dirty="0"/>
               <a:t>	</a:t>
             </a:r>
           </a:p>
           <a:p>
             <a:r>
-              <a:rPr lang="en-US" sz="800" dirty="0"/>
+              <a:rPr lang="en-US" sz="900" dirty="0"/>
               <a:t>                   //required parameters</a:t>
             </a:r>
           </a:p>
           <a:p>
             <a:r>
-              <a:rPr lang="en-US" sz="800" dirty="0"/>
+              <a:rPr lang="en-US" sz="900" dirty="0"/>
               <a:t>                   private String HDD;</a:t>
             </a:r>
           </a:p>
           <a:p>
             <a:r>
-              <a:rPr lang="en-US" sz="800" dirty="0"/>
+              <a:rPr lang="en-US" sz="900" dirty="0"/>
               <a:t>                   private String RAM;</a:t>
             </a:r>
           </a:p>
           <a:p>
             <a:r>
-              <a:rPr lang="en-US" sz="800" dirty="0"/>
+              <a:rPr lang="en-US" sz="900" dirty="0"/>
               <a:t>	</a:t>
             </a:r>
           </a:p>
           <a:p>
             <a:r>
-              <a:rPr lang="en-US" sz="800" dirty="0"/>
+              <a:rPr lang="en-US" sz="900" dirty="0"/>
               <a:t>                   //optional parameters</a:t>
             </a:r>
           </a:p>
           <a:p>
             <a:r>
-              <a:rPr lang="en-US" sz="800" dirty="0"/>
+              <a:rPr lang="en-US" sz="900" dirty="0"/>
               <a:t>                   private </a:t>
             </a:r>
             <a:r>
-              <a:rPr lang="en-US" sz="800" dirty="0" err="1"/>
+              <a:rPr lang="en-US" sz="900" dirty="0" err="1"/>
               <a:t>boolean</a:t>
             </a:r>
             <a:r>
-              <a:rPr lang="en-US" sz="800" dirty="0"/>
+              <a:rPr lang="en-US" sz="900" dirty="0"/>
               <a:t> </a:t>
             </a:r>
             <a:r>
-              <a:rPr lang="en-US" sz="800" dirty="0" err="1"/>
+              <a:rPr lang="en-US" sz="900" dirty="0" err="1"/>
               <a:t>isGraphicsCardEnabled</a:t>
             </a:r>
             <a:r>
-              <a:rPr lang="en-US" sz="800" dirty="0"/>
+              <a:rPr lang="en-US" sz="900" dirty="0"/>
               <a:t>;</a:t>
             </a:r>
           </a:p>
           <a:p>
             <a:r>
-              <a:rPr lang="en-US" sz="800" dirty="0"/>
+              <a:rPr lang="en-US" sz="900" dirty="0"/>
               <a:t>                   private </a:t>
             </a:r>
             <a:r>
-              <a:rPr lang="en-US" sz="800" dirty="0" err="1"/>
+              <a:rPr lang="en-US" sz="900" dirty="0" err="1"/>
               <a:t>boolean</a:t>
             </a:r>
             <a:r>
-              <a:rPr lang="en-US" sz="800" dirty="0"/>
+              <a:rPr lang="en-US" sz="900" dirty="0"/>
               <a:t> </a:t>
             </a:r>
             <a:r>
-              <a:rPr lang="en-US" sz="800" dirty="0" err="1"/>
+              <a:rPr lang="en-US" sz="900" dirty="0" err="1"/>
               <a:t>isBluetoothEnabled</a:t>
             </a:r>
             <a:r>
-              <a:rPr lang="en-US" sz="800" dirty="0"/>
+              <a:rPr lang="en-US" sz="900" dirty="0"/>
               <a:t>;</a:t>
             </a:r>
           </a:p>
           <a:p>
             <a:r>
-              <a:rPr lang="en-US" sz="800" dirty="0"/>
+              <a:rPr lang="en-US" sz="900" dirty="0"/>
               <a:t>	</a:t>
             </a:r>
           </a:p>
           <a:p>
             <a:r>
-              <a:rPr lang="en-US" sz="800" dirty="0"/>
+              <a:rPr lang="en-US" sz="900" dirty="0"/>
               <a:t>                   public String </a:t>
             </a:r>
             <a:r>
-              <a:rPr lang="en-US" sz="800" dirty="0" err="1"/>
+              <a:rPr lang="en-US" sz="900" dirty="0" err="1"/>
               <a:t>getHDD</a:t>
             </a:r>
             <a:r>
-              <a:rPr lang="en-US" sz="800" dirty="0"/>
+              <a:rPr lang="en-US" sz="900" dirty="0"/>
               <a:t>() {</a:t>
             </a:r>
           </a:p>
           <a:p>
             <a:r>
-              <a:rPr lang="en-US" sz="800" dirty="0"/>
+              <a:rPr lang="en-US" sz="900" dirty="0"/>
               <a:t>                             return HDD;</a:t>
             </a:r>
           </a:p>
           <a:p>
             <a:r>
-              <a:rPr lang="en-US" sz="800" dirty="0"/>
+              <a:rPr lang="en-US" sz="900" dirty="0"/>
               <a:t>                   }</a:t>
             </a:r>
           </a:p>
           <a:p>
-            <a:endParaRPr lang="en-US" sz="800" dirty="0"/>
-          </a:p>
-          <a:p>
-            <a:r>
-              <a:rPr lang="en-US" sz="800" dirty="0"/>
+            <a:endParaRPr lang="en-US" sz="900" dirty="0"/>
+          </a:p>
+          <a:p>
+            <a:r>
+              <a:rPr lang="en-US" sz="900" dirty="0"/>
               <a:t>                   public String </a:t>
             </a:r>
             <a:r>
-              <a:rPr lang="en-US" sz="800" dirty="0" err="1"/>
+              <a:rPr lang="en-US" sz="900" dirty="0" err="1"/>
               <a:t>getRAM</a:t>
             </a:r>
             <a:r>
-              <a:rPr lang="en-US" sz="800" dirty="0"/>
+              <a:rPr lang="en-US" sz="900" dirty="0"/>
               <a:t>() {</a:t>
             </a:r>
           </a:p>
           <a:p>
             <a:r>
-              <a:rPr lang="en-US" sz="800" dirty="0"/>
+              <a:rPr lang="en-US" sz="900" dirty="0"/>
               <a:t>                              return RAM;</a:t>
             </a:r>
           </a:p>
           <a:p>
             <a:r>
-              <a:rPr lang="en-US" sz="800" dirty="0"/>
+              <a:rPr lang="en-US" sz="900" dirty="0"/>
               <a:t>                   }</a:t>
             </a:r>
           </a:p>
           <a:p>
-            <a:endParaRPr lang="en-US" sz="800" dirty="0"/>
-          </a:p>
-          <a:p>
-            <a:r>
-              <a:rPr lang="en-US" sz="800" dirty="0"/>
+            <a:endParaRPr lang="en-US" sz="900" dirty="0"/>
+          </a:p>
+          <a:p>
+            <a:r>
+              <a:rPr lang="en-US" sz="900" dirty="0"/>
               <a:t>                    public </a:t>
             </a:r>
             <a:r>
-              <a:rPr lang="en-US" sz="800" dirty="0" err="1"/>
+              <a:rPr lang="en-US" sz="900" dirty="0" err="1"/>
               <a:t>boolean</a:t>
             </a:r>
             <a:r>
-              <a:rPr lang="en-US" sz="800" dirty="0"/>
+              <a:rPr lang="en-US" sz="900" dirty="0"/>
               <a:t> </a:t>
             </a:r>
             <a:r>
-              <a:rPr lang="en-US" sz="800" dirty="0" err="1"/>
+              <a:rPr lang="en-US" sz="900" dirty="0" err="1"/>
               <a:t>isGraphicsCardEnabled</a:t>
             </a:r>
             <a:r>
-              <a:rPr lang="en-US" sz="800" dirty="0"/>
+              <a:rPr lang="en-US" sz="900" dirty="0"/>
               <a:t>() {</a:t>
             </a:r>
           </a:p>
           <a:p>
             <a:r>
-              <a:rPr lang="en-US" sz="800" dirty="0"/>
+              <a:rPr lang="en-US" sz="900" dirty="0"/>
               <a:t>                                   return </a:t>
             </a:r>
             <a:r>
-              <a:rPr lang="en-US" sz="800" dirty="0" err="1"/>
+              <a:rPr lang="en-US" sz="900" dirty="0" err="1"/>
               <a:t>isGraphicsCardEnabled</a:t>
             </a:r>
             <a:r>
-              <a:rPr lang="en-US" sz="800" dirty="0"/>
+              <a:rPr lang="en-US" sz="900" dirty="0"/>
               <a:t>;</a:t>
             </a:r>
           </a:p>
           <a:p>
             <a:r>
-              <a:rPr lang="en-US" sz="800" dirty="0"/>
+              <a:rPr lang="en-US" sz="900" dirty="0"/>
               <a:t>                    }</a:t>
             </a:r>
           </a:p>
           <a:p>
-            <a:endParaRPr lang="en-US" sz="800" dirty="0"/>
-          </a:p>
-          <a:p>
-            <a:r>
-              <a:rPr lang="en-US" sz="800" dirty="0"/>
+            <a:endParaRPr lang="en-US" sz="900" dirty="0"/>
+          </a:p>
+          <a:p>
+            <a:r>
+              <a:rPr lang="en-US" sz="900" dirty="0"/>
               <a:t>                    public </a:t>
             </a:r>
             <a:r>
-              <a:rPr lang="en-US" sz="800" dirty="0" err="1"/>
+              <a:rPr lang="en-US" sz="900" dirty="0" err="1"/>
               <a:t>boolean</a:t>
             </a:r>
             <a:r>
-              <a:rPr lang="en-US" sz="800" dirty="0"/>
+              <a:rPr lang="en-US" sz="900" dirty="0"/>
               <a:t> </a:t>
             </a:r>
             <a:r>
-              <a:rPr lang="en-US" sz="800" dirty="0" err="1"/>
+              <a:rPr lang="en-US" sz="900" dirty="0" err="1"/>
               <a:t>isBluetoothEnabled</a:t>
             </a:r>
             <a:r>
-              <a:rPr lang="en-US" sz="800" dirty="0"/>
+              <a:rPr lang="en-US" sz="900" dirty="0"/>
               <a:t>() {</a:t>
             </a:r>
           </a:p>
           <a:p>
             <a:r>
-              <a:rPr lang="en-US" sz="800" dirty="0"/>
+              <a:rPr lang="en-US" sz="900" dirty="0"/>
               <a:t>                                   return </a:t>
             </a:r>
             <a:r>
-              <a:rPr lang="en-US" sz="800" dirty="0" err="1"/>
+              <a:rPr lang="en-US" sz="900" dirty="0" err="1"/>
               <a:t>isBluetoothEnabled</a:t>
             </a:r>
             <a:r>
-              <a:rPr lang="en-US" sz="800" dirty="0"/>
+              <a:rPr lang="en-US" sz="900" dirty="0"/>
               <a:t>;</a:t>
             </a:r>
           </a:p>
           <a:p>
             <a:r>
-              <a:rPr lang="en-US" sz="800" dirty="0"/>
+              <a:rPr lang="en-US" sz="900" dirty="0"/>
               <a:t>                    }</a:t>
             </a:r>
           </a:p>
           <a:p>
             <a:r>
-              <a:rPr lang="en-US" sz="800" dirty="0"/>
+              <a:rPr lang="en-US" sz="900" dirty="0"/>
               <a:t>	</a:t>
             </a:r>
           </a:p>
@@ -4704,8 +4704,8 @@
         </p:nvSpPr>
         <p:spPr>
           <a:xfrm>
-            <a:off x="3595126" y="2970415"/>
-            <a:ext cx="3474268" cy="3046988"/>
+            <a:off x="3595126" y="2734437"/>
+            <a:ext cx="3474268" cy="4093428"/>
           </a:xfrm>
           <a:prstGeom prst="rect">
             <a:avLst/>
@@ -4722,265 +4722,265 @@
           </a:bodyPr>
           <a:lstStyle/>
           <a:p>
-            <a:endParaRPr lang="en-US" sz="800" dirty="0"/>
-          </a:p>
-          <a:p>
-            <a:r>
-              <a:rPr lang="en-US" sz="800" dirty="0"/>
+            <a:endParaRPr lang="en-US" sz="1000" dirty="0"/>
+          </a:p>
+          <a:p>
+            <a:r>
+              <a:rPr lang="en-US" sz="1000" dirty="0"/>
               <a:t>	</a:t>
             </a:r>
           </a:p>
           <a:p>
             <a:r>
-              <a:rPr lang="en-US" sz="800" dirty="0"/>
+              <a:rPr lang="en-US" sz="1000" dirty="0"/>
               <a:t>private Computer(ComputerBuilder builder) {</a:t>
             </a:r>
           </a:p>
           <a:p>
             <a:r>
-              <a:rPr lang="en-US" sz="800" dirty="0"/>
+              <a:rPr lang="en-US" sz="1000" dirty="0"/>
               <a:t>                      </a:t>
             </a:r>
             <a:r>
-              <a:rPr lang="en-US" sz="800" dirty="0" err="1"/>
+              <a:rPr lang="en-US" sz="1000" dirty="0" err="1"/>
               <a:t>this.HDD</a:t>
             </a:r>
             <a:r>
-              <a:rPr lang="en-US" sz="800" dirty="0"/>
+              <a:rPr lang="en-US" sz="1000" dirty="0"/>
               <a:t>=</a:t>
             </a:r>
             <a:r>
-              <a:rPr lang="en-US" sz="800" dirty="0" err="1"/>
+              <a:rPr lang="en-US" sz="1000" dirty="0" err="1"/>
               <a:t>builder.HDD</a:t>
             </a:r>
             <a:r>
-              <a:rPr lang="en-US" sz="800" dirty="0"/>
+              <a:rPr lang="en-US" sz="1000" dirty="0"/>
               <a:t>;</a:t>
             </a:r>
           </a:p>
           <a:p>
             <a:r>
-              <a:rPr lang="en-US" sz="800" dirty="0"/>
+              <a:rPr lang="en-US" sz="1000" dirty="0"/>
               <a:t>                      </a:t>
             </a:r>
             <a:r>
-              <a:rPr lang="en-US" sz="800" dirty="0" err="1"/>
+              <a:rPr lang="en-US" sz="1000" dirty="0" err="1"/>
               <a:t>this.RAM</a:t>
             </a:r>
             <a:r>
-              <a:rPr lang="en-US" sz="800" dirty="0"/>
+              <a:rPr lang="en-US" sz="1000" dirty="0"/>
               <a:t>=</a:t>
             </a:r>
             <a:r>
-              <a:rPr lang="en-US" sz="800" dirty="0" err="1"/>
+              <a:rPr lang="en-US" sz="1000" dirty="0" err="1"/>
               <a:t>builder.RAM</a:t>
             </a:r>
             <a:r>
-              <a:rPr lang="en-US" sz="800" dirty="0"/>
+              <a:rPr lang="en-US" sz="1000" dirty="0"/>
               <a:t>;</a:t>
             </a:r>
           </a:p>
           <a:p>
             <a:r>
-              <a:rPr lang="en-US" sz="800" dirty="0"/>
+              <a:rPr lang="en-US" sz="1000" dirty="0"/>
               <a:t>                      </a:t>
             </a:r>
             <a:r>
-              <a:rPr lang="en-US" sz="800" dirty="0" err="1"/>
+              <a:rPr lang="en-US" sz="1000" dirty="0" err="1"/>
               <a:t>this.isGraphicsCardEnabled</a:t>
             </a:r>
             <a:r>
-              <a:rPr lang="en-US" sz="800" dirty="0"/>
+              <a:rPr lang="en-US" sz="1000" dirty="0"/>
               <a:t>=</a:t>
             </a:r>
             <a:r>
-              <a:rPr lang="en-US" sz="800" dirty="0" err="1"/>
+              <a:rPr lang="en-US" sz="1000" dirty="0" err="1"/>
               <a:t>builder.isGraphicsCardEnabled</a:t>
             </a:r>
             <a:r>
-              <a:rPr lang="en-US" sz="800" dirty="0"/>
+              <a:rPr lang="en-US" sz="1000" dirty="0"/>
               <a:t>;</a:t>
             </a:r>
           </a:p>
           <a:p>
             <a:r>
-              <a:rPr lang="en-US" sz="800" dirty="0"/>
+              <a:rPr lang="en-US" sz="1000" dirty="0"/>
               <a:t>                      </a:t>
             </a:r>
             <a:r>
-              <a:rPr lang="en-US" sz="800" dirty="0" err="1"/>
+              <a:rPr lang="en-US" sz="1000" dirty="0" err="1"/>
               <a:t>this.isBluetoothEnabled</a:t>
             </a:r>
             <a:r>
-              <a:rPr lang="en-US" sz="800" dirty="0"/>
+              <a:rPr lang="en-US" sz="1000" dirty="0"/>
               <a:t>=</a:t>
             </a:r>
             <a:r>
-              <a:rPr lang="en-US" sz="800" dirty="0" err="1"/>
+              <a:rPr lang="en-US" sz="1000" dirty="0" err="1"/>
               <a:t>builder.isBluetoothEnabled</a:t>
             </a:r>
             <a:r>
-              <a:rPr lang="en-US" sz="800" dirty="0"/>
+              <a:rPr lang="en-US" sz="1000" dirty="0"/>
               <a:t>;</a:t>
             </a:r>
           </a:p>
           <a:p>
             <a:r>
-              <a:rPr lang="en-US" sz="800" dirty="0"/>
+              <a:rPr lang="en-US" sz="1000" dirty="0"/>
               <a:t>}</a:t>
             </a:r>
           </a:p>
           <a:p>
             <a:r>
-              <a:rPr lang="en-US" sz="800" dirty="0"/>
+              <a:rPr lang="en-US" sz="1000" dirty="0"/>
               <a:t>	</a:t>
             </a:r>
           </a:p>
           <a:p>
             <a:r>
-              <a:rPr lang="en-US" sz="800" dirty="0"/>
+              <a:rPr lang="en-US" sz="1000" dirty="0"/>
               <a:t>//Builder Class</a:t>
             </a:r>
           </a:p>
           <a:p>
             <a:r>
-              <a:rPr lang="en-US" sz="800" dirty="0"/>
+              <a:rPr lang="en-US" sz="1000" dirty="0"/>
               <a:t>public static class ComputerBuilder{</a:t>
             </a:r>
           </a:p>
           <a:p>
-            <a:endParaRPr lang="en-US" sz="800" dirty="0"/>
-          </a:p>
-          <a:p>
-            <a:r>
-              <a:rPr lang="en-US" sz="800" dirty="0"/>
+            <a:endParaRPr lang="en-US" sz="1000" dirty="0"/>
+          </a:p>
+          <a:p>
+            <a:r>
+              <a:rPr lang="en-US" sz="1000" dirty="0"/>
               <a:t>                       // required parameters</a:t>
             </a:r>
           </a:p>
           <a:p>
             <a:r>
-              <a:rPr lang="en-US" sz="800" dirty="0"/>
+              <a:rPr lang="en-US" sz="1000" dirty="0"/>
               <a:t>                      private String HDD;</a:t>
             </a:r>
           </a:p>
           <a:p>
             <a:r>
-              <a:rPr lang="en-US" sz="800" dirty="0"/>
+              <a:rPr lang="en-US" sz="1000" dirty="0"/>
               <a:t>                       private String RAM;</a:t>
             </a:r>
           </a:p>
           <a:p>
-            <a:endParaRPr lang="en-US" sz="800" dirty="0"/>
-          </a:p>
-          <a:p>
-            <a:r>
-              <a:rPr lang="en-US" sz="800" dirty="0"/>
+            <a:endParaRPr lang="en-US" sz="1000" dirty="0"/>
+          </a:p>
+          <a:p>
+            <a:r>
+              <a:rPr lang="en-US" sz="1000" dirty="0"/>
               <a:t>                       // optional parameters</a:t>
             </a:r>
           </a:p>
           <a:p>
             <a:r>
-              <a:rPr lang="en-US" sz="800" dirty="0"/>
+              <a:rPr lang="en-US" sz="1000" dirty="0"/>
               <a:t>                        private </a:t>
             </a:r>
             <a:r>
-              <a:rPr lang="en-US" sz="800" dirty="0" err="1"/>
+              <a:rPr lang="en-US" sz="1000" dirty="0" err="1"/>
               <a:t>boolean</a:t>
             </a:r>
             <a:r>
-              <a:rPr lang="en-US" sz="800" dirty="0"/>
+              <a:rPr lang="en-US" sz="1000" dirty="0"/>
               <a:t> </a:t>
             </a:r>
             <a:r>
-              <a:rPr lang="en-US" sz="800" dirty="0" err="1"/>
+              <a:rPr lang="en-US" sz="1000" dirty="0" err="1"/>
               <a:t>isGraphicsCardEnabled</a:t>
             </a:r>
             <a:r>
-              <a:rPr lang="en-US" sz="800" dirty="0"/>
+              <a:rPr lang="en-US" sz="1000" dirty="0"/>
               <a:t>;</a:t>
             </a:r>
           </a:p>
           <a:p>
             <a:r>
-              <a:rPr lang="en-US" sz="800" dirty="0"/>
+              <a:rPr lang="en-US" sz="1000" dirty="0"/>
               <a:t>                        private </a:t>
             </a:r>
             <a:r>
-              <a:rPr lang="en-US" sz="800" dirty="0" err="1"/>
+              <a:rPr lang="en-US" sz="1000" dirty="0" err="1"/>
               <a:t>boolean</a:t>
             </a:r>
             <a:r>
-              <a:rPr lang="en-US" sz="800" dirty="0"/>
+              <a:rPr lang="en-US" sz="1000" dirty="0"/>
               <a:t> </a:t>
             </a:r>
             <a:r>
-              <a:rPr lang="en-US" sz="800" dirty="0" err="1"/>
+              <a:rPr lang="en-US" sz="1000" dirty="0" err="1"/>
               <a:t>isBluetoothEnabled</a:t>
             </a:r>
             <a:r>
-              <a:rPr lang="en-US" sz="800" dirty="0"/>
+              <a:rPr lang="en-US" sz="1000" dirty="0"/>
               <a:t>;</a:t>
             </a:r>
           </a:p>
           <a:p>
             <a:r>
-              <a:rPr lang="en-US" sz="800" dirty="0"/>
+              <a:rPr lang="en-US" sz="1000" dirty="0"/>
               <a:t>		</a:t>
             </a:r>
           </a:p>
           <a:p>
             <a:r>
-              <a:rPr lang="en-US" sz="800" dirty="0"/>
+              <a:rPr lang="en-US" sz="1000" dirty="0"/>
               <a:t>public ComputerBuilder(String </a:t>
             </a:r>
             <a:r>
-              <a:rPr lang="en-US" sz="800" dirty="0" err="1"/>
+              <a:rPr lang="en-US" sz="1000" dirty="0" err="1"/>
               <a:t>hdd</a:t>
             </a:r>
             <a:r>
-              <a:rPr lang="en-US" sz="800" dirty="0"/>
+              <a:rPr lang="en-US" sz="1000" dirty="0"/>
               <a:t>, String ram){</a:t>
             </a:r>
           </a:p>
           <a:p>
             <a:r>
-              <a:rPr lang="en-US" sz="800" dirty="0"/>
+              <a:rPr lang="en-US" sz="1000" dirty="0"/>
               <a:t>                         </a:t>
             </a:r>
             <a:r>
-              <a:rPr lang="en-US" sz="800" dirty="0" err="1"/>
+              <a:rPr lang="en-US" sz="1000" dirty="0" err="1"/>
               <a:t>this.HDD</a:t>
             </a:r>
             <a:r>
-              <a:rPr lang="en-US" sz="800" dirty="0"/>
+              <a:rPr lang="en-US" sz="1000" dirty="0"/>
               <a:t>=</a:t>
             </a:r>
             <a:r>
-              <a:rPr lang="en-US" sz="800" dirty="0" err="1"/>
+              <a:rPr lang="en-US" sz="1000" dirty="0" err="1"/>
               <a:t>hdd</a:t>
             </a:r>
             <a:r>
-              <a:rPr lang="en-US" sz="800" dirty="0"/>
+              <a:rPr lang="en-US" sz="1000" dirty="0"/>
               <a:t>;</a:t>
             </a:r>
           </a:p>
           <a:p>
             <a:r>
-              <a:rPr lang="en-US" sz="800" dirty="0"/>
+              <a:rPr lang="en-US" sz="1000" dirty="0"/>
               <a:t>                         </a:t>
             </a:r>
             <a:r>
-              <a:rPr lang="en-US" sz="800" dirty="0" err="1"/>
+              <a:rPr lang="en-US" sz="1000" dirty="0" err="1"/>
               <a:t>this.RAM</a:t>
             </a:r>
             <a:r>
-              <a:rPr lang="en-US" sz="800" dirty="0"/>
+              <a:rPr lang="en-US" sz="1000" dirty="0"/>
               <a:t>=ram;</a:t>
             </a:r>
           </a:p>
           <a:p>
             <a:r>
-              <a:rPr lang="en-US" sz="800" dirty="0"/>
+              <a:rPr lang="en-US" sz="1000" dirty="0"/>
               <a:t>}</a:t>
             </a:r>
           </a:p>
@@ -5001,7 +5001,7 @@
         <p:spPr>
           <a:xfrm>
             <a:off x="7588615" y="3096032"/>
-            <a:ext cx="3997565" cy="2277547"/>
+            <a:ext cx="3997565" cy="3016210"/>
           </a:xfrm>
           <a:prstGeom prst="rect">
             <a:avLst/>
@@ -5019,171 +5019,171 @@
           <a:lstStyle/>
           <a:p>
             <a:r>
-              <a:rPr lang="en-US" sz="800" dirty="0"/>
+              <a:rPr lang="en-US" sz="1000" dirty="0"/>
               <a:t>                public ComputerBuilder </a:t>
             </a:r>
             <a:r>
-              <a:rPr lang="en-US" sz="800" dirty="0" err="1"/>
+              <a:rPr lang="en-US" sz="1000" dirty="0" err="1"/>
               <a:t>setGraphicsCardEnabled</a:t>
             </a:r>
             <a:r>
-              <a:rPr lang="en-US" sz="800" dirty="0"/>
+              <a:rPr lang="en-US" sz="1000" dirty="0"/>
               <a:t>(</a:t>
             </a:r>
             <a:r>
-              <a:rPr lang="en-US" sz="800" dirty="0" err="1"/>
+              <a:rPr lang="en-US" sz="1000" dirty="0" err="1"/>
               <a:t>boolean</a:t>
             </a:r>
             <a:r>
-              <a:rPr lang="en-US" sz="800" dirty="0"/>
+              <a:rPr lang="en-US" sz="1000" dirty="0"/>
               <a:t> </a:t>
             </a:r>
             <a:r>
-              <a:rPr lang="en-US" sz="800" dirty="0" err="1"/>
+              <a:rPr lang="en-US" sz="1000" dirty="0" err="1"/>
               <a:t>isGraphicsCardEnabled</a:t>
             </a:r>
             <a:r>
-              <a:rPr lang="en-US" sz="800" dirty="0"/>
+              <a:rPr lang="en-US" sz="1000" dirty="0"/>
               <a:t>) {</a:t>
             </a:r>
           </a:p>
           <a:p>
             <a:r>
-              <a:rPr lang="en-US" sz="800" dirty="0"/>
+              <a:rPr lang="en-US" sz="1000" dirty="0"/>
               <a:t>                             </a:t>
             </a:r>
             <a:r>
-              <a:rPr lang="en-US" sz="800" dirty="0" err="1"/>
+              <a:rPr lang="en-US" sz="1000" dirty="0" err="1"/>
               <a:t>this.isGraphicsCardEnabled</a:t>
             </a:r>
             <a:r>
-              <a:rPr lang="en-US" sz="800" dirty="0"/>
+              <a:rPr lang="en-US" sz="1000" dirty="0"/>
               <a:t> = </a:t>
             </a:r>
             <a:r>
-              <a:rPr lang="en-US" sz="800" dirty="0" err="1"/>
+              <a:rPr lang="en-US" sz="1000" dirty="0" err="1"/>
               <a:t>isGraphicsCardEnabled</a:t>
             </a:r>
             <a:r>
-              <a:rPr lang="en-US" sz="800" dirty="0"/>
+              <a:rPr lang="en-US" sz="1000" dirty="0"/>
               <a:t>;</a:t>
             </a:r>
           </a:p>
           <a:p>
             <a:r>
-              <a:rPr lang="en-US" sz="800" dirty="0"/>
+              <a:rPr lang="en-US" sz="1000" dirty="0"/>
               <a:t>                             return this</a:t>
             </a:r>
           </a:p>
           <a:p>
             <a:r>
-              <a:rPr lang="en-US" sz="800" dirty="0"/>
+              <a:rPr lang="en-US" sz="1000" dirty="0"/>
               <a:t>                 }</a:t>
             </a:r>
           </a:p>
           <a:p>
-            <a:endParaRPr lang="en-US" sz="800" dirty="0"/>
-          </a:p>
-          <a:p>
-            <a:r>
-              <a:rPr lang="en-US" sz="800" dirty="0"/>
+            <a:endParaRPr lang="en-US" sz="1000" dirty="0"/>
+          </a:p>
+          <a:p>
+            <a:r>
+              <a:rPr lang="en-US" sz="1000" dirty="0"/>
               <a:t>                 public ComputerBuilder </a:t>
             </a:r>
             <a:r>
-              <a:rPr lang="en-US" sz="800" dirty="0" err="1"/>
+              <a:rPr lang="en-US" sz="1000" dirty="0" err="1"/>
               <a:t>setBluetoothEnabled</a:t>
             </a:r>
             <a:r>
-              <a:rPr lang="en-US" sz="800" dirty="0"/>
+              <a:rPr lang="en-US" sz="1000" dirty="0"/>
               <a:t>(</a:t>
             </a:r>
             <a:r>
-              <a:rPr lang="en-US" sz="800" dirty="0" err="1"/>
+              <a:rPr lang="en-US" sz="1000" dirty="0" err="1"/>
               <a:t>boolean</a:t>
             </a:r>
             <a:r>
-              <a:rPr lang="en-US" sz="800" dirty="0"/>
+              <a:rPr lang="en-US" sz="1000" dirty="0"/>
               <a:t> </a:t>
             </a:r>
             <a:r>
-              <a:rPr lang="en-US" sz="800" dirty="0" err="1"/>
+              <a:rPr lang="en-US" sz="1000" dirty="0" err="1"/>
               <a:t>isBluetoothEnabled</a:t>
             </a:r>
             <a:r>
-              <a:rPr lang="en-US" sz="800" dirty="0"/>
+              <a:rPr lang="en-US" sz="1000" dirty="0"/>
               <a:t>) {</a:t>
             </a:r>
           </a:p>
           <a:p>
             <a:r>
-              <a:rPr lang="en-US" sz="800" dirty="0"/>
+              <a:rPr lang="en-US" sz="1000" dirty="0"/>
               <a:t>                            </a:t>
             </a:r>
             <a:r>
-              <a:rPr lang="en-US" sz="800" dirty="0" err="1"/>
+              <a:rPr lang="en-US" sz="1000" dirty="0" err="1"/>
               <a:t>this.isBluetoothEnabled</a:t>
             </a:r>
             <a:r>
-              <a:rPr lang="en-US" sz="800" dirty="0"/>
+              <a:rPr lang="en-US" sz="1000" dirty="0"/>
               <a:t> = </a:t>
             </a:r>
             <a:r>
-              <a:rPr lang="en-US" sz="800" dirty="0" err="1"/>
+              <a:rPr lang="en-US" sz="1000" dirty="0" err="1"/>
               <a:t>isBluetoothEnabled</a:t>
             </a:r>
             <a:r>
-              <a:rPr lang="en-US" sz="800" dirty="0"/>
+              <a:rPr lang="en-US" sz="1000" dirty="0"/>
               <a:t>;</a:t>
             </a:r>
           </a:p>
           <a:p>
             <a:r>
-              <a:rPr lang="en-US" sz="800" dirty="0"/>
+              <a:rPr lang="en-US" sz="1000" dirty="0"/>
               <a:t>                            return this;</a:t>
             </a:r>
           </a:p>
           <a:p>
-            <a:endParaRPr lang="en-US" sz="1400" dirty="0"/>
-          </a:p>
-          <a:p>
-            <a:r>
-              <a:rPr lang="en-US" sz="800" dirty="0"/>
+            <a:endParaRPr lang="en-US" sz="1000" dirty="0"/>
+          </a:p>
+          <a:p>
+            <a:r>
+              <a:rPr lang="en-US" sz="1000" dirty="0"/>
               <a:t>		</a:t>
             </a:r>
           </a:p>
           <a:p>
             <a:r>
-              <a:rPr lang="en-US" sz="800" dirty="0"/>
+              <a:rPr lang="en-US" sz="1000" dirty="0"/>
               <a:t>                 public Computer build(){</a:t>
             </a:r>
           </a:p>
           <a:p>
             <a:r>
-              <a:rPr lang="en-US" sz="800" dirty="0"/>
+              <a:rPr lang="en-US" sz="1000" dirty="0"/>
               <a:t>                          return new Computer(this);</a:t>
             </a:r>
           </a:p>
           <a:p>
             <a:r>
-              <a:rPr lang="en-US" sz="800" dirty="0"/>
+              <a:rPr lang="en-US" sz="1000" dirty="0"/>
               <a:t>                  }</a:t>
             </a:r>
           </a:p>
           <a:p>
-            <a:endParaRPr lang="en-US" sz="800" dirty="0"/>
-          </a:p>
-          <a:p>
-            <a:r>
-              <a:rPr lang="en-US" sz="800" dirty="0"/>
+            <a:endParaRPr lang="en-US" sz="1000" dirty="0"/>
+          </a:p>
+          <a:p>
+            <a:r>
+              <a:rPr lang="en-US" sz="1000" dirty="0"/>
               <a:t>        }</a:t>
             </a:r>
           </a:p>
           <a:p>
-            <a:endParaRPr lang="en-US" sz="800" dirty="0"/>
-          </a:p>
-          <a:p>
-            <a:r>
-              <a:rPr lang="en-US" sz="800" dirty="0"/>
+            <a:endParaRPr lang="en-US" sz="1000" dirty="0"/>
+          </a:p>
+          <a:p>
+            <a:r>
+              <a:rPr lang="en-US" sz="1000" dirty="0"/>
               <a:t>}</a:t>
             </a:r>
           </a:p>
@@ -5233,7 +5233,7 @@
         </p:nvSpPr>
         <p:spPr>
           <a:xfrm>
-            <a:off x="326922" y="4831553"/>
+            <a:off x="326922" y="2579970"/>
             <a:ext cx="8356810" cy="1785104"/>
           </a:xfrm>
           <a:prstGeom prst="rect">
@@ -5406,8 +5406,8 @@
         </p:nvSpPr>
         <p:spPr>
           <a:xfrm>
-            <a:off x="2025181" y="6321019"/>
-            <a:ext cx="2160194" cy="369332"/>
+            <a:off x="2939583" y="4551216"/>
+            <a:ext cx="3284236" cy="369332"/>
           </a:xfrm>
           <a:prstGeom prst="rect">
             <a:avLst/>
@@ -5422,7 +5422,7 @@
           <a:p>
             <a:r>
               <a:rPr lang="en-US" dirty="0"/>
-              <a:t>Test Program</a:t>
+              <a:t>Test Program to Computer class</a:t>
             </a:r>
           </a:p>
         </p:txBody>
@@ -5907,7 +5907,7 @@
         </p:nvSpPr>
         <p:spPr>
           <a:xfrm>
-            <a:off x="6150090" y="5719306"/>
+            <a:off x="6150090" y="5955282"/>
             <a:ext cx="2934915" cy="369332"/>
           </a:xfrm>
           <a:prstGeom prst="rect">
